--- a/Taller_MedicionPobreza.pptx
+++ b/Taller_MedicionPobreza.pptx
@@ -11,8 +11,11 @@
     <p:sldId id="565" r:id="rId5"/>
     <p:sldId id="566" r:id="rId6"/>
     <p:sldId id="567" r:id="rId7"/>
-    <p:sldId id="645" r:id="rId8"/>
-    <p:sldId id="646" r:id="rId9"/>
+    <p:sldId id="647" r:id="rId8"/>
+    <p:sldId id="648" r:id="rId9"/>
+    <p:sldId id="649" r:id="rId10"/>
+    <p:sldId id="645" r:id="rId11"/>
+    <p:sldId id="646" r:id="rId12"/>
   </p:sldIdLst>
   <p:sldSz cx="12192000" cy="6858000"/>
   <p:notesSz cx="6858000" cy="9144000"/>
@@ -111,13 +114,18 @@
       </a:defRPr>
     </a:lvl9pPr>
   </p:defaultTextStyle>
+  <p:extLst>
+    <p:ext uri="{EFAFB233-063F-42B5-8137-9DF3F51BA10A}">
+      <p15:sldGuideLst xmlns:p15="http://schemas.microsoft.com/office/powerpoint/2012/main"/>
+    </p:ext>
+  </p:extLst>
 </p:presentation>
 </file>
 
 <file path=ppt/revisionInfo.xml><?xml version="1.0" encoding="utf-8"?>
 <p1510:revInfo xmlns:a="http://schemas.openxmlformats.org/drawingml/2006/main" xmlns:r="http://schemas.openxmlformats.org/officeDocument/2006/relationships" xmlns:p1510="http://schemas.microsoft.com/office/powerpoint/2015/10/main">
   <p1510:revLst>
-    <p1510:client id="{614C782C-2287-4FEF-A0B3-7F7E663DC84B}" v="1" dt="2025-04-20T21:28:50.589"/>
+    <p1510:client id="{614C782C-2287-4FEF-A0B3-7F7E663DC84B}" v="153" dt="2025-04-21T05:08:09.774"/>
   </p1510:revLst>
 </p1510:revInfo>
 </file>
@@ -126,8 +134,8 @@
 <pc:chgInfo xmlns:a="http://schemas.openxmlformats.org/drawingml/2006/main" xmlns:r="http://schemas.openxmlformats.org/officeDocument/2006/relationships" xmlns:ac="http://schemas.microsoft.com/office/drawing/2013/main/command" xmlns:pc="http://schemas.microsoft.com/office/powerpoint/2013/main/command">
   <pc:docChgLst>
     <pc:chgData name="Hector Najera" userId="04fbcd51e4148ba7" providerId="LiveId" clId="{614C782C-2287-4FEF-A0B3-7F7E663DC84B}"/>
-    <pc:docChg chg="undo custSel modSld">
-      <pc:chgData name="Hector Najera" userId="04fbcd51e4148ba7" providerId="LiveId" clId="{614C782C-2287-4FEF-A0B3-7F7E663DC84B}" dt="2025-04-20T21:32:00.386" v="145" actId="14100"/>
+    <pc:docChg chg="undo custSel addSld modSld">
+      <pc:chgData name="Hector Najera" userId="04fbcd51e4148ba7" providerId="LiveId" clId="{614C782C-2287-4FEF-A0B3-7F7E663DC84B}" dt="2025-04-21T05:10:00.569" v="1501" actId="20577"/>
       <pc:docMkLst>
         <pc:docMk/>
       </pc:docMkLst>
@@ -287,6 +295,379 @@
             <ac:spMk id="3" creationId="{F454703F-5796-7B5F-5D8A-5EDF64CE53E0}"/>
           </ac:spMkLst>
         </pc:spChg>
+      </pc:sldChg>
+      <pc:sldChg chg="addSp delSp modSp new mod modAnim">
+        <pc:chgData name="Hector Najera" userId="04fbcd51e4148ba7" providerId="LiveId" clId="{614C782C-2287-4FEF-A0B3-7F7E663DC84B}" dt="2025-04-21T05:08:12.922" v="1227" actId="1076"/>
+        <pc:sldMkLst>
+          <pc:docMk/>
+          <pc:sldMk cId="4089815280" sldId="647"/>
+        </pc:sldMkLst>
+        <pc:spChg chg="mod">
+          <ac:chgData name="Hector Najera" userId="04fbcd51e4148ba7" providerId="LiveId" clId="{614C782C-2287-4FEF-A0B3-7F7E663DC84B}" dt="2025-04-21T04:58:53.920" v="159" actId="20577"/>
+          <ac:spMkLst>
+            <pc:docMk/>
+            <pc:sldMk cId="4089815280" sldId="647"/>
+            <ac:spMk id="2" creationId="{971422D0-A2CD-6274-9A95-6CBA03F35FE6}"/>
+          </ac:spMkLst>
+        </pc:spChg>
+        <pc:spChg chg="del">
+          <ac:chgData name="Hector Najera" userId="04fbcd51e4148ba7" providerId="LiveId" clId="{614C782C-2287-4FEF-A0B3-7F7E663DC84B}" dt="2025-04-21T04:58:56.417" v="160" actId="478"/>
+          <ac:spMkLst>
+            <pc:docMk/>
+            <pc:sldMk cId="4089815280" sldId="647"/>
+            <ac:spMk id="3" creationId="{EA27CEA8-93D4-FE01-D53C-C17347BF99DF}"/>
+          </ac:spMkLst>
+        </pc:spChg>
+        <pc:spChg chg="add mod">
+          <ac:chgData name="Hector Najera" userId="04fbcd51e4148ba7" providerId="LiveId" clId="{614C782C-2287-4FEF-A0B3-7F7E663DC84B}" dt="2025-04-21T04:59:41.868" v="185" actId="1076"/>
+          <ac:spMkLst>
+            <pc:docMk/>
+            <pc:sldMk cId="4089815280" sldId="647"/>
+            <ac:spMk id="4" creationId="{3107E5A1-1915-0FD0-5DE8-AD0AD3476567}"/>
+          </ac:spMkLst>
+        </pc:spChg>
+        <pc:spChg chg="add mod">
+          <ac:chgData name="Hector Najera" userId="04fbcd51e4148ba7" providerId="LiveId" clId="{614C782C-2287-4FEF-A0B3-7F7E663DC84B}" dt="2025-04-21T04:59:19.971" v="174" actId="20577"/>
+          <ac:spMkLst>
+            <pc:docMk/>
+            <pc:sldMk cId="4089815280" sldId="647"/>
+            <ac:spMk id="5" creationId="{A917F2D7-AF6F-D2E1-8FB9-CB8A64BFA86C}"/>
+          </ac:spMkLst>
+        </pc:spChg>
+        <pc:spChg chg="add mod">
+          <ac:chgData name="Hector Najera" userId="04fbcd51e4148ba7" providerId="LiveId" clId="{614C782C-2287-4FEF-A0B3-7F7E663DC84B}" dt="2025-04-21T04:59:44.521" v="187" actId="20577"/>
+          <ac:spMkLst>
+            <pc:docMk/>
+            <pc:sldMk cId="4089815280" sldId="647"/>
+            <ac:spMk id="6" creationId="{5129C65F-C371-8CA1-41CD-EEC5DE158E87}"/>
+          </ac:spMkLst>
+        </pc:spChg>
+        <pc:spChg chg="add mod">
+          <ac:chgData name="Hector Najera" userId="04fbcd51e4148ba7" providerId="LiveId" clId="{614C782C-2287-4FEF-A0B3-7F7E663DC84B}" dt="2025-04-21T04:59:47.447" v="189" actId="20577"/>
+          <ac:spMkLst>
+            <pc:docMk/>
+            <pc:sldMk cId="4089815280" sldId="647"/>
+            <ac:spMk id="7" creationId="{5A067A38-CEFE-61E2-FC50-D24B83B0E6A4}"/>
+          </ac:spMkLst>
+        </pc:spChg>
+        <pc:spChg chg="add mod">
+          <ac:chgData name="Hector Najera" userId="04fbcd51e4148ba7" providerId="LiveId" clId="{614C782C-2287-4FEF-A0B3-7F7E663DC84B}" dt="2025-04-21T04:59:49.816" v="191" actId="20577"/>
+          <ac:spMkLst>
+            <pc:docMk/>
+            <pc:sldMk cId="4089815280" sldId="647"/>
+            <ac:spMk id="8" creationId="{2EDB7681-9164-86B2-3720-0E51345F6342}"/>
+          </ac:spMkLst>
+        </pc:spChg>
+        <pc:spChg chg="add mod">
+          <ac:chgData name="Hector Najera" userId="04fbcd51e4148ba7" providerId="LiveId" clId="{614C782C-2287-4FEF-A0B3-7F7E663DC84B}" dt="2025-04-21T04:59:51.841" v="193" actId="20577"/>
+          <ac:spMkLst>
+            <pc:docMk/>
+            <pc:sldMk cId="4089815280" sldId="647"/>
+            <ac:spMk id="9" creationId="{EF90D314-25BD-5801-C34E-048AD1B6184F}"/>
+          </ac:spMkLst>
+        </pc:spChg>
+        <pc:spChg chg="add mod">
+          <ac:chgData name="Hector Najera" userId="04fbcd51e4148ba7" providerId="LiveId" clId="{614C782C-2287-4FEF-A0B3-7F7E663DC84B}" dt="2025-04-21T04:59:54.822" v="195" actId="20577"/>
+          <ac:spMkLst>
+            <pc:docMk/>
+            <pc:sldMk cId="4089815280" sldId="647"/>
+            <ac:spMk id="10" creationId="{3F3D79D7-A789-C5AD-B4AA-69BAEBD7FF4E}"/>
+          </ac:spMkLst>
+        </pc:spChg>
+        <pc:spChg chg="add mod">
+          <ac:chgData name="Hector Najera" userId="04fbcd51e4148ba7" providerId="LiveId" clId="{614C782C-2287-4FEF-A0B3-7F7E663DC84B}" dt="2025-04-21T05:01:20.115" v="228" actId="1076"/>
+          <ac:spMkLst>
+            <pc:docMk/>
+            <pc:sldMk cId="4089815280" sldId="647"/>
+            <ac:spMk id="23" creationId="{A9DBB59B-7576-F931-ED28-F0716485B33D}"/>
+          </ac:spMkLst>
+        </pc:spChg>
+        <pc:spChg chg="add del mod">
+          <ac:chgData name="Hector Najera" userId="04fbcd51e4148ba7" providerId="LiveId" clId="{614C782C-2287-4FEF-A0B3-7F7E663DC84B}" dt="2025-04-21T05:01:17.305" v="227" actId="478"/>
+          <ac:spMkLst>
+            <pc:docMk/>
+            <pc:sldMk cId="4089815280" sldId="647"/>
+            <ac:spMk id="24" creationId="{9B360F80-04B9-4C53-9B09-91A81C46E00A}"/>
+          </ac:spMkLst>
+        </pc:spChg>
+        <pc:spChg chg="add del mod">
+          <ac:chgData name="Hector Najera" userId="04fbcd51e4148ba7" providerId="LiveId" clId="{614C782C-2287-4FEF-A0B3-7F7E663DC84B}" dt="2025-04-21T05:01:37.348" v="234" actId="478"/>
+          <ac:spMkLst>
+            <pc:docMk/>
+            <pc:sldMk cId="4089815280" sldId="647"/>
+            <ac:spMk id="25" creationId="{B6AFD3AF-F30E-5A4E-CB48-3617A49079FD}"/>
+          </ac:spMkLst>
+        </pc:spChg>
+        <pc:spChg chg="add del mod">
+          <ac:chgData name="Hector Najera" userId="04fbcd51e4148ba7" providerId="LiveId" clId="{614C782C-2287-4FEF-A0B3-7F7E663DC84B}" dt="2025-04-21T05:01:37.348" v="234" actId="478"/>
+          <ac:spMkLst>
+            <pc:docMk/>
+            <pc:sldMk cId="4089815280" sldId="647"/>
+            <ac:spMk id="26" creationId="{1D2F9046-9DEC-B020-D572-3D63A4E1B5D2}"/>
+          </ac:spMkLst>
+        </pc:spChg>
+        <pc:spChg chg="add del mod">
+          <ac:chgData name="Hector Najera" userId="04fbcd51e4148ba7" providerId="LiveId" clId="{614C782C-2287-4FEF-A0B3-7F7E663DC84B}" dt="2025-04-21T05:01:37.348" v="234" actId="478"/>
+          <ac:spMkLst>
+            <pc:docMk/>
+            <pc:sldMk cId="4089815280" sldId="647"/>
+            <ac:spMk id="27" creationId="{2D9B1056-5445-41B2-1B20-B036DC402256}"/>
+          </ac:spMkLst>
+        </pc:spChg>
+        <pc:spChg chg="add del mod">
+          <ac:chgData name="Hector Najera" userId="04fbcd51e4148ba7" providerId="LiveId" clId="{614C782C-2287-4FEF-A0B3-7F7E663DC84B}" dt="2025-04-21T05:01:37.348" v="234" actId="478"/>
+          <ac:spMkLst>
+            <pc:docMk/>
+            <pc:sldMk cId="4089815280" sldId="647"/>
+            <ac:spMk id="28" creationId="{43999567-DBB0-A448-D0D3-7B636D2D481D}"/>
+          </ac:spMkLst>
+        </pc:spChg>
+        <pc:spChg chg="add del mod">
+          <ac:chgData name="Hector Najera" userId="04fbcd51e4148ba7" providerId="LiveId" clId="{614C782C-2287-4FEF-A0B3-7F7E663DC84B}" dt="2025-04-21T05:01:37.348" v="234" actId="478"/>
+          <ac:spMkLst>
+            <pc:docMk/>
+            <pc:sldMk cId="4089815280" sldId="647"/>
+            <ac:spMk id="29" creationId="{10C57229-5DD7-4EB8-B8CF-E860388B59CE}"/>
+          </ac:spMkLst>
+        </pc:spChg>
+        <pc:spChg chg="add mod">
+          <ac:chgData name="Hector Najera" userId="04fbcd51e4148ba7" providerId="LiveId" clId="{614C782C-2287-4FEF-A0B3-7F7E663DC84B}" dt="2025-04-21T05:02:00.806" v="246" actId="20577"/>
+          <ac:spMkLst>
+            <pc:docMk/>
+            <pc:sldMk cId="4089815280" sldId="647"/>
+            <ac:spMk id="34" creationId="{5847361A-7063-F845-FF38-E489E3CDB8EF}"/>
+          </ac:spMkLst>
+        </pc:spChg>
+        <pc:spChg chg="add mod">
+          <ac:chgData name="Hector Najera" userId="04fbcd51e4148ba7" providerId="LiveId" clId="{614C782C-2287-4FEF-A0B3-7F7E663DC84B}" dt="2025-04-21T05:02:03.245" v="248" actId="20577"/>
+          <ac:spMkLst>
+            <pc:docMk/>
+            <pc:sldMk cId="4089815280" sldId="647"/>
+            <ac:spMk id="36" creationId="{760C6089-3509-6CE0-00BD-EE6AEF8CB12E}"/>
+          </ac:spMkLst>
+        </pc:spChg>
+        <pc:spChg chg="add mod">
+          <ac:chgData name="Hector Najera" userId="04fbcd51e4148ba7" providerId="LiveId" clId="{614C782C-2287-4FEF-A0B3-7F7E663DC84B}" dt="2025-04-21T05:02:06.190" v="250" actId="20577"/>
+          <ac:spMkLst>
+            <pc:docMk/>
+            <pc:sldMk cId="4089815280" sldId="647"/>
+            <ac:spMk id="38" creationId="{1EDD7E2A-881D-8BB4-37F9-D32E61E53B9A}"/>
+          </ac:spMkLst>
+        </pc:spChg>
+        <pc:spChg chg="add mod">
+          <ac:chgData name="Hector Najera" userId="04fbcd51e4148ba7" providerId="LiveId" clId="{614C782C-2287-4FEF-A0B3-7F7E663DC84B}" dt="2025-04-21T05:02:09.271" v="252" actId="20577"/>
+          <ac:spMkLst>
+            <pc:docMk/>
+            <pc:sldMk cId="4089815280" sldId="647"/>
+            <ac:spMk id="40" creationId="{B1741CF1-A578-D18E-022D-F03C2EB65BF5}"/>
+          </ac:spMkLst>
+        </pc:spChg>
+        <pc:spChg chg="add mod">
+          <ac:chgData name="Hector Najera" userId="04fbcd51e4148ba7" providerId="LiveId" clId="{614C782C-2287-4FEF-A0B3-7F7E663DC84B}" dt="2025-04-21T05:02:11.756" v="254" actId="20577"/>
+          <ac:spMkLst>
+            <pc:docMk/>
+            <pc:sldMk cId="4089815280" sldId="647"/>
+            <ac:spMk id="42" creationId="{C5115A12-E42C-B35E-B95F-AE5DBB0E6A80}"/>
+          </ac:spMkLst>
+        </pc:spChg>
+        <pc:spChg chg="add mod">
+          <ac:chgData name="Hector Najera" userId="04fbcd51e4148ba7" providerId="LiveId" clId="{614C782C-2287-4FEF-A0B3-7F7E663DC84B}" dt="2025-04-21T05:08:12.922" v="1227" actId="1076"/>
+          <ac:spMkLst>
+            <pc:docMk/>
+            <pc:sldMk cId="4089815280" sldId="647"/>
+            <ac:spMk id="44" creationId="{2DC8B3A5-AA6B-41C6-FD8F-57AF2B148068}"/>
+          </ac:spMkLst>
+        </pc:spChg>
+        <pc:spChg chg="add mod">
+          <ac:chgData name="Hector Najera" userId="04fbcd51e4148ba7" providerId="LiveId" clId="{614C782C-2287-4FEF-A0B3-7F7E663DC84B}" dt="2025-04-21T05:04:14.394" v="617" actId="14100"/>
+          <ac:spMkLst>
+            <pc:docMk/>
+            <pc:sldMk cId="4089815280" sldId="647"/>
+            <ac:spMk id="45" creationId="{EB21E6E5-458A-7933-25BE-8CEB6D8BB7CE}"/>
+          </ac:spMkLst>
+        </pc:spChg>
+        <pc:spChg chg="add mod">
+          <ac:chgData name="Hector Najera" userId="04fbcd51e4148ba7" providerId="LiveId" clId="{614C782C-2287-4FEF-A0B3-7F7E663DC84B}" dt="2025-04-21T05:04:20.623" v="621" actId="20577"/>
+          <ac:spMkLst>
+            <pc:docMk/>
+            <pc:sldMk cId="4089815280" sldId="647"/>
+            <ac:spMk id="46" creationId="{EAA9E18D-F0A0-7125-787F-F5B120C29A51}"/>
+          </ac:spMkLst>
+        </pc:spChg>
+        <pc:spChg chg="add mod">
+          <ac:chgData name="Hector Najera" userId="04fbcd51e4148ba7" providerId="LiveId" clId="{614C782C-2287-4FEF-A0B3-7F7E663DC84B}" dt="2025-04-21T05:06:43.422" v="1091" actId="207"/>
+          <ac:spMkLst>
+            <pc:docMk/>
+            <pc:sldMk cId="4089815280" sldId="647"/>
+            <ac:spMk id="47" creationId="{75CC9199-74EA-322A-1B82-6DEB0A5F7DB0}"/>
+          </ac:spMkLst>
+        </pc:spChg>
+        <pc:spChg chg="add mod">
+          <ac:chgData name="Hector Najera" userId="04fbcd51e4148ba7" providerId="LiveId" clId="{614C782C-2287-4FEF-A0B3-7F7E663DC84B}" dt="2025-04-21T05:07:07.904" v="1096" actId="208"/>
+          <ac:spMkLst>
+            <pc:docMk/>
+            <pc:sldMk cId="4089815280" sldId="647"/>
+            <ac:spMk id="48" creationId="{BA768F63-C175-0CA8-2605-A43C776D9700}"/>
+          </ac:spMkLst>
+        </pc:spChg>
+        <pc:cxnChg chg="add mod">
+          <ac:chgData name="Hector Najera" userId="04fbcd51e4148ba7" providerId="LiveId" clId="{614C782C-2287-4FEF-A0B3-7F7E663DC84B}" dt="2025-04-21T05:00:00.679" v="197" actId="13822"/>
+          <ac:cxnSpMkLst>
+            <pc:docMk/>
+            <pc:sldMk cId="4089815280" sldId="647"/>
+            <ac:cxnSpMk id="12" creationId="{F0ED1C3F-87E9-5E0C-5227-FA5979DF20C6}"/>
+          </ac:cxnSpMkLst>
+        </pc:cxnChg>
+        <pc:cxnChg chg="add mod">
+          <ac:chgData name="Hector Najera" userId="04fbcd51e4148ba7" providerId="LiveId" clId="{614C782C-2287-4FEF-A0B3-7F7E663DC84B}" dt="2025-04-21T05:00:05.760" v="199" actId="13822"/>
+          <ac:cxnSpMkLst>
+            <pc:docMk/>
+            <pc:sldMk cId="4089815280" sldId="647"/>
+            <ac:cxnSpMk id="14" creationId="{1BB51642-9CCE-7B74-0C3D-270C9A704C21}"/>
+          </ac:cxnSpMkLst>
+        </pc:cxnChg>
+        <pc:cxnChg chg="add mod">
+          <ac:chgData name="Hector Najera" userId="04fbcd51e4148ba7" providerId="LiveId" clId="{614C782C-2287-4FEF-A0B3-7F7E663DC84B}" dt="2025-04-21T05:00:10.209" v="201" actId="13822"/>
+          <ac:cxnSpMkLst>
+            <pc:docMk/>
+            <pc:sldMk cId="4089815280" sldId="647"/>
+            <ac:cxnSpMk id="16" creationId="{9769240F-27DC-D4AE-A0CE-427366D35DE4}"/>
+          </ac:cxnSpMkLst>
+        </pc:cxnChg>
+        <pc:cxnChg chg="add mod">
+          <ac:chgData name="Hector Najera" userId="04fbcd51e4148ba7" providerId="LiveId" clId="{614C782C-2287-4FEF-A0B3-7F7E663DC84B}" dt="2025-04-21T05:00:14.786" v="203" actId="13822"/>
+          <ac:cxnSpMkLst>
+            <pc:docMk/>
+            <pc:sldMk cId="4089815280" sldId="647"/>
+            <ac:cxnSpMk id="18" creationId="{270D09B6-5058-E08D-F483-F5CA2667FF03}"/>
+          </ac:cxnSpMkLst>
+        </pc:cxnChg>
+        <pc:cxnChg chg="add mod">
+          <ac:chgData name="Hector Najera" userId="04fbcd51e4148ba7" providerId="LiveId" clId="{614C782C-2287-4FEF-A0B3-7F7E663DC84B}" dt="2025-04-21T05:00:19.974" v="205" actId="13822"/>
+          <ac:cxnSpMkLst>
+            <pc:docMk/>
+            <pc:sldMk cId="4089815280" sldId="647"/>
+            <ac:cxnSpMk id="20" creationId="{929E13C1-4095-00C2-D78E-8DA8376AC342}"/>
+          </ac:cxnSpMkLst>
+        </pc:cxnChg>
+        <pc:cxnChg chg="add mod">
+          <ac:chgData name="Hector Najera" userId="04fbcd51e4148ba7" providerId="LiveId" clId="{614C782C-2287-4FEF-A0B3-7F7E663DC84B}" dt="2025-04-21T05:00:25.460" v="207" actId="13822"/>
+          <ac:cxnSpMkLst>
+            <pc:docMk/>
+            <pc:sldMk cId="4089815280" sldId="647"/>
+            <ac:cxnSpMk id="22" creationId="{B6E0CEB4-4EF5-EF46-645E-57ADBE58FB9D}"/>
+          </ac:cxnSpMkLst>
+        </pc:cxnChg>
+        <pc:cxnChg chg="add del mod">
+          <ac:chgData name="Hector Najera" userId="04fbcd51e4148ba7" providerId="LiveId" clId="{614C782C-2287-4FEF-A0B3-7F7E663DC84B}" dt="2025-04-21T05:01:28.273" v="231" actId="478"/>
+          <ac:cxnSpMkLst>
+            <pc:docMk/>
+            <pc:sldMk cId="4089815280" sldId="647"/>
+            <ac:cxnSpMk id="31" creationId="{E32CFD3E-2E71-79F6-FB25-8582EF3F279B}"/>
+          </ac:cxnSpMkLst>
+        </pc:cxnChg>
+        <pc:cxnChg chg="add mod">
+          <ac:chgData name="Hector Najera" userId="04fbcd51e4148ba7" providerId="LiveId" clId="{614C782C-2287-4FEF-A0B3-7F7E663DC84B}" dt="2025-04-21T05:01:32.974" v="233" actId="13822"/>
+          <ac:cxnSpMkLst>
+            <pc:docMk/>
+            <pc:sldMk cId="4089815280" sldId="647"/>
+            <ac:cxnSpMk id="33" creationId="{74C71207-9013-A04B-CE82-92CA636EAC56}"/>
+          </ac:cxnSpMkLst>
+        </pc:cxnChg>
+        <pc:cxnChg chg="add mod">
+          <ac:chgData name="Hector Najera" userId="04fbcd51e4148ba7" providerId="LiveId" clId="{614C782C-2287-4FEF-A0B3-7F7E663DC84B}" dt="2025-04-21T05:01:45.968" v="236" actId="1076"/>
+          <ac:cxnSpMkLst>
+            <pc:docMk/>
+            <pc:sldMk cId="4089815280" sldId="647"/>
+            <ac:cxnSpMk id="35" creationId="{E9271572-D46A-4724-3178-D0C21402313E}"/>
+          </ac:cxnSpMkLst>
+        </pc:cxnChg>
+        <pc:cxnChg chg="add mod">
+          <ac:chgData name="Hector Najera" userId="04fbcd51e4148ba7" providerId="LiveId" clId="{614C782C-2287-4FEF-A0B3-7F7E663DC84B}" dt="2025-04-21T05:01:49.577" v="238" actId="1076"/>
+          <ac:cxnSpMkLst>
+            <pc:docMk/>
+            <pc:sldMk cId="4089815280" sldId="647"/>
+            <ac:cxnSpMk id="37" creationId="{362385FF-FE9B-8CDE-4DAD-0B59948E5689}"/>
+          </ac:cxnSpMkLst>
+        </pc:cxnChg>
+        <pc:cxnChg chg="add mod">
+          <ac:chgData name="Hector Najera" userId="04fbcd51e4148ba7" providerId="LiveId" clId="{614C782C-2287-4FEF-A0B3-7F7E663DC84B}" dt="2025-04-21T05:01:52.622" v="240" actId="1076"/>
+          <ac:cxnSpMkLst>
+            <pc:docMk/>
+            <pc:sldMk cId="4089815280" sldId="647"/>
+            <ac:cxnSpMk id="39" creationId="{041CF9A4-E739-CECC-45BA-39944FE6A004}"/>
+          </ac:cxnSpMkLst>
+        </pc:cxnChg>
+        <pc:cxnChg chg="add mod">
+          <ac:chgData name="Hector Najera" userId="04fbcd51e4148ba7" providerId="LiveId" clId="{614C782C-2287-4FEF-A0B3-7F7E663DC84B}" dt="2025-04-21T05:01:55.603" v="242" actId="1076"/>
+          <ac:cxnSpMkLst>
+            <pc:docMk/>
+            <pc:sldMk cId="4089815280" sldId="647"/>
+            <ac:cxnSpMk id="41" creationId="{68D3CAA5-D459-96E7-7D90-113825461102}"/>
+          </ac:cxnSpMkLst>
+        </pc:cxnChg>
+        <pc:cxnChg chg="add mod">
+          <ac:chgData name="Hector Najera" userId="04fbcd51e4148ba7" providerId="LiveId" clId="{614C782C-2287-4FEF-A0B3-7F7E663DC84B}" dt="2025-04-21T05:01:58.702" v="244" actId="1076"/>
+          <ac:cxnSpMkLst>
+            <pc:docMk/>
+            <pc:sldMk cId="4089815280" sldId="647"/>
+            <ac:cxnSpMk id="43" creationId="{47728D60-376B-0D75-8D3E-ED133F34BF89}"/>
+          </ac:cxnSpMkLst>
+        </pc:cxnChg>
+      </pc:sldChg>
+      <pc:sldChg chg="modSp add mod">
+        <pc:chgData name="Hector Najera" userId="04fbcd51e4148ba7" providerId="LiveId" clId="{614C782C-2287-4FEF-A0B3-7F7E663DC84B}" dt="2025-04-21T05:06:27.992" v="1088" actId="14100"/>
+        <pc:sldMkLst>
+          <pc:docMk/>
+          <pc:sldMk cId="222760171" sldId="648"/>
+        </pc:sldMkLst>
+        <pc:spChg chg="mod">
+          <ac:chgData name="Hector Najera" userId="04fbcd51e4148ba7" providerId="LiveId" clId="{614C782C-2287-4FEF-A0B3-7F7E663DC84B}" dt="2025-04-21T05:06:27.992" v="1088" actId="14100"/>
+          <ac:spMkLst>
+            <pc:docMk/>
+            <pc:sldMk cId="222760171" sldId="648"/>
+            <ac:spMk id="44" creationId="{6366D5B1-DC52-BCA8-8177-34FED48D8BAC}"/>
+          </ac:spMkLst>
+        </pc:spChg>
+      </pc:sldChg>
+      <pc:sldChg chg="addSp modSp add mod">
+        <pc:chgData name="Hector Najera" userId="04fbcd51e4148ba7" providerId="LiveId" clId="{614C782C-2287-4FEF-A0B3-7F7E663DC84B}" dt="2025-04-21T05:10:00.569" v="1501" actId="20577"/>
+        <pc:sldMkLst>
+          <pc:docMk/>
+          <pc:sldMk cId="1968035015" sldId="649"/>
+        </pc:sldMkLst>
+        <pc:spChg chg="mod">
+          <ac:chgData name="Hector Najera" userId="04fbcd51e4148ba7" providerId="LiveId" clId="{614C782C-2287-4FEF-A0B3-7F7E663DC84B}" dt="2025-04-21T05:10:00.569" v="1501" actId="20577"/>
+          <ac:spMkLst>
+            <pc:docMk/>
+            <pc:sldMk cId="1968035015" sldId="649"/>
+            <ac:spMk id="2" creationId="{0FAE98BD-FBD6-40F2-04F8-6368D4726ADB}"/>
+          </ac:spMkLst>
+        </pc:spChg>
+        <pc:spChg chg="add mod">
+          <ac:chgData name="Hector Najera" userId="04fbcd51e4148ba7" providerId="LiveId" clId="{614C782C-2287-4FEF-A0B3-7F7E663DC84B}" dt="2025-04-21T05:09:46.416" v="1493" actId="1076"/>
+          <ac:spMkLst>
+            <pc:docMk/>
+            <pc:sldMk cId="1968035015" sldId="649"/>
+            <ac:spMk id="3" creationId="{08D26AB3-BA4B-C6EE-042A-960510305483}"/>
+          </ac:spMkLst>
+        </pc:spChg>
+        <pc:spChg chg="mod">
+          <ac:chgData name="Hector Najera" userId="04fbcd51e4148ba7" providerId="LiveId" clId="{614C782C-2287-4FEF-A0B3-7F7E663DC84B}" dt="2025-04-21T05:09:15.140" v="1476" actId="20577"/>
+          <ac:spMkLst>
+            <pc:docMk/>
+            <pc:sldMk cId="1968035015" sldId="649"/>
+            <ac:spMk id="44" creationId="{30D9BDB2-1CF8-3CFB-3CD5-8B3C66EFEA38}"/>
+          </ac:spMkLst>
+        </pc:spChg>
+        <pc:cxnChg chg="add mod">
+          <ac:chgData name="Hector Najera" userId="04fbcd51e4148ba7" providerId="LiveId" clId="{614C782C-2287-4FEF-A0B3-7F7E663DC84B}" dt="2025-04-21T05:09:47.807" v="1494" actId="13822"/>
+          <ac:cxnSpMkLst>
+            <pc:docMk/>
+            <pc:sldMk cId="1968035015" sldId="649"/>
+            <ac:cxnSpMk id="13" creationId="{772E24A3-31D1-F751-79CB-17565FD729B3}"/>
+          </ac:cxnSpMkLst>
+        </pc:cxnChg>
       </pc:sldChg>
     </pc:docChg>
   </pc:docChgLst>
@@ -4142,6 +4523,438 @@
     <p:extLst>
       <p:ext uri="{BB962C8B-B14F-4D97-AF65-F5344CB8AC3E}">
         <p14:creationId xmlns:p14="http://schemas.microsoft.com/office/powerpoint/2010/main" val="472353424"/>
+      </p:ext>
+    </p:extLst>
+  </p:cSld>
+  <p:clrMapOvr>
+    <a:masterClrMapping/>
+  </p:clrMapOvr>
+</p:sld>
+</file>
+
+<file path=ppt/slides/slide10.xml><?xml version="1.0" encoding="utf-8"?>
+<p:sld xmlns:a="http://schemas.openxmlformats.org/drawingml/2006/main" xmlns:r="http://schemas.openxmlformats.org/officeDocument/2006/relationships" xmlns:p="http://schemas.openxmlformats.org/presentationml/2006/main">
+  <p:cSld>
+    <p:spTree>
+      <p:nvGrpSpPr>
+        <p:cNvPr id="1" name=""/>
+        <p:cNvGrpSpPr/>
+        <p:nvPr/>
+      </p:nvGrpSpPr>
+      <p:grpSpPr>
+        <a:xfrm>
+          <a:off x="0" y="0"/>
+          <a:ext cx="0" cy="0"/>
+          <a:chOff x="0" y="0"/>
+          <a:chExt cx="0" cy="0"/>
+        </a:xfrm>
+      </p:grpSpPr>
+      <p:sp>
+        <p:nvSpPr>
+          <p:cNvPr id="2" name="Title 1">
+            <a:extLst>
+              <a:ext uri="{FF2B5EF4-FFF2-40B4-BE49-F238E27FC236}">
+                <a16:creationId xmlns:a16="http://schemas.microsoft.com/office/drawing/2014/main" id="{43CF988B-B0E7-762F-0736-C54329DFB9F2}"/>
+              </a:ext>
+            </a:extLst>
+          </p:cNvPr>
+          <p:cNvSpPr>
+            <a:spLocks noGrp="1"/>
+          </p:cNvSpPr>
+          <p:nvPr>
+            <p:ph type="title"/>
+          </p:nvPr>
+        </p:nvSpPr>
+        <p:spPr/>
+        <p:txBody>
+          <a:bodyPr/>
+          <a:lstStyle/>
+          <a:p>
+            <a:r>
+              <a:rPr lang="es-MX" dirty="0"/>
+              <a:t>Error de medición</a:t>
+            </a:r>
+            <a:endParaRPr lang="en-GB" dirty="0"/>
+          </a:p>
+        </p:txBody>
+      </p:sp>
+      <p:sp>
+        <p:nvSpPr>
+          <p:cNvPr id="3" name="Content Placeholder 2">
+            <a:extLst>
+              <a:ext uri="{FF2B5EF4-FFF2-40B4-BE49-F238E27FC236}">
+                <a16:creationId xmlns:a16="http://schemas.microsoft.com/office/drawing/2014/main" id="{EAD416D8-5BF3-0C0E-7F74-4E80CE5359A6}"/>
+              </a:ext>
+            </a:extLst>
+          </p:cNvPr>
+          <p:cNvSpPr>
+            <a:spLocks noGrp="1"/>
+          </p:cNvSpPr>
+          <p:nvPr>
+            <p:ph idx="1"/>
+          </p:nvPr>
+        </p:nvSpPr>
+        <p:spPr/>
+        <p:txBody>
+          <a:bodyPr>
+            <a:normAutofit fontScale="92500" lnSpcReduction="10000"/>
+          </a:bodyPr>
+          <a:lstStyle/>
+          <a:p>
+            <a:r>
+              <a:rPr lang="es-MX" dirty="0"/>
+              <a:t>CONEVAL: </a:t>
+            </a:r>
+          </a:p>
+          <a:p>
+            <a:pPr lvl="1"/>
+            <a:r>
+              <a:rPr lang="es-MX" dirty="0"/>
+              <a:t>.62 (38% de error aleatorio)</a:t>
+            </a:r>
+          </a:p>
+          <a:p>
+            <a:pPr lvl="1"/>
+            <a:r>
+              <a:rPr lang="en-GB" dirty="0"/>
+              <a:t>8% de </a:t>
+            </a:r>
+            <a:r>
+              <a:rPr lang="en-GB" dirty="0" err="1"/>
+              <a:t>falsos</a:t>
+            </a:r>
+            <a:r>
+              <a:rPr lang="en-GB" dirty="0"/>
+              <a:t> </a:t>
+            </a:r>
+            <a:r>
+              <a:rPr lang="en-GB" dirty="0" err="1"/>
+              <a:t>negativos</a:t>
+            </a:r>
+            <a:r>
+              <a:rPr lang="en-GB" dirty="0"/>
+              <a:t> (2022)</a:t>
+            </a:r>
+          </a:p>
+          <a:p>
+            <a:pPr lvl="1"/>
+            <a:endParaRPr lang="en-GB" dirty="0"/>
+          </a:p>
+          <a:p>
+            <a:r>
+              <a:rPr lang="en-GB" dirty="0"/>
+              <a:t>MPI (OPHI-PNUD)</a:t>
+            </a:r>
+          </a:p>
+          <a:p>
+            <a:pPr lvl="1"/>
+            <a:r>
+              <a:rPr lang="en-GB" dirty="0"/>
+              <a:t>.6 (40% de error </a:t>
+            </a:r>
+            <a:r>
+              <a:rPr lang="en-GB" dirty="0" err="1"/>
+              <a:t>aleatorio</a:t>
+            </a:r>
+            <a:r>
+              <a:rPr lang="en-GB" dirty="0"/>
+              <a:t>)</a:t>
+            </a:r>
+          </a:p>
+          <a:p>
+            <a:pPr lvl="1"/>
+            <a:r>
+              <a:rPr lang="en-GB" dirty="0" err="1"/>
+              <a:t>Expectativa</a:t>
+            </a:r>
+            <a:r>
+              <a:rPr lang="en-GB" dirty="0"/>
+              <a:t> de 10% de </a:t>
+            </a:r>
+            <a:r>
+              <a:rPr lang="en-GB" dirty="0" err="1"/>
+              <a:t>errores</a:t>
+            </a:r>
+            <a:r>
+              <a:rPr lang="en-GB" dirty="0"/>
+              <a:t> de </a:t>
+            </a:r>
+            <a:r>
+              <a:rPr lang="en-GB" dirty="0" err="1"/>
+              <a:t>clasificación</a:t>
+            </a:r>
+            <a:endParaRPr lang="en-GB" dirty="0"/>
+          </a:p>
+          <a:p>
+            <a:pPr lvl="1"/>
+            <a:endParaRPr lang="en-GB" dirty="0"/>
+          </a:p>
+          <a:p>
+            <a:r>
+              <a:rPr lang="en-GB" dirty="0" err="1"/>
+              <a:t>Privación</a:t>
+            </a:r>
+            <a:r>
+              <a:rPr lang="en-GB" dirty="0"/>
+              <a:t> </a:t>
+            </a:r>
+            <a:r>
+              <a:rPr lang="en-GB" dirty="0" err="1"/>
+              <a:t>relativa</a:t>
+            </a:r>
+            <a:endParaRPr lang="en-GB" dirty="0"/>
+          </a:p>
+          <a:p>
+            <a:pPr lvl="1"/>
+            <a:r>
+              <a:rPr lang="en-GB" dirty="0"/>
+              <a:t>.88 (12% error </a:t>
+            </a:r>
+            <a:r>
+              <a:rPr lang="en-GB" dirty="0" err="1"/>
+              <a:t>aleatorio</a:t>
+            </a:r>
+            <a:r>
+              <a:rPr lang="en-GB" dirty="0"/>
+              <a:t>)</a:t>
+            </a:r>
+          </a:p>
+          <a:p>
+            <a:pPr lvl="1"/>
+            <a:r>
+              <a:rPr lang="en-US" dirty="0"/>
+              <a:t>&lt;5% </a:t>
+            </a:r>
+            <a:r>
+              <a:rPr lang="en-US" dirty="0" err="1"/>
+              <a:t>errores</a:t>
+            </a:r>
+            <a:r>
+              <a:rPr lang="en-US" dirty="0"/>
+              <a:t> de </a:t>
+            </a:r>
+            <a:r>
+              <a:rPr lang="en-US" dirty="0" err="1"/>
+              <a:t>clasificaci</a:t>
+            </a:r>
+            <a:r>
+              <a:rPr lang="es-MX" dirty="0" err="1"/>
+              <a:t>ón</a:t>
+            </a:r>
+            <a:r>
+              <a:rPr lang="es-MX" dirty="0"/>
+              <a:t>.</a:t>
+            </a:r>
+          </a:p>
+          <a:p>
+            <a:pPr lvl="1"/>
+            <a:r>
+              <a:rPr lang="es-MX" dirty="0"/>
+              <a:t>Sin evidencia de error </a:t>
+            </a:r>
+            <a:r>
+              <a:rPr lang="es-MX" dirty="0" err="1"/>
+              <a:t>sistemátic</a:t>
+            </a:r>
+            <a:endParaRPr lang="en-GB" dirty="0"/>
+          </a:p>
+        </p:txBody>
+      </p:sp>
+      <p:pic>
+        <p:nvPicPr>
+          <p:cNvPr id="5" name="Picture 4" descr="A screenshot of a web page&#10;&#10;AI-generated content may be incorrect.">
+            <a:extLst>
+              <a:ext uri="{FF2B5EF4-FFF2-40B4-BE49-F238E27FC236}">
+                <a16:creationId xmlns:a16="http://schemas.microsoft.com/office/drawing/2014/main" id="{5CD9B866-8BA9-9431-396C-42122E69305A}"/>
+              </a:ext>
+            </a:extLst>
+          </p:cNvPr>
+          <p:cNvPicPr>
+            <a:picLocks noChangeAspect="1"/>
+          </p:cNvPicPr>
+          <p:nvPr/>
+        </p:nvPicPr>
+        <p:blipFill>
+          <a:blip r:embed="rId2">
+            <a:extLst>
+              <a:ext uri="{28A0092B-C50C-407E-A947-70E740481C1C}">
+                <a14:useLocalDpi xmlns:a14="http://schemas.microsoft.com/office/drawing/2010/main" val="0"/>
+              </a:ext>
+            </a:extLst>
+          </a:blip>
+          <a:stretch>
+            <a:fillRect/>
+          </a:stretch>
+        </p:blipFill>
+        <p:spPr>
+          <a:xfrm>
+            <a:off x="6657131" y="1150706"/>
+            <a:ext cx="5308838" cy="2363056"/>
+          </a:xfrm>
+          <a:prstGeom prst="rect">
+            <a:avLst/>
+          </a:prstGeom>
+        </p:spPr>
+      </p:pic>
+    </p:spTree>
+    <p:extLst>
+      <p:ext uri="{BB962C8B-B14F-4D97-AF65-F5344CB8AC3E}">
+        <p14:creationId xmlns:p14="http://schemas.microsoft.com/office/powerpoint/2010/main" val="1804762392"/>
+      </p:ext>
+    </p:extLst>
+  </p:cSld>
+  <p:clrMapOvr>
+    <a:masterClrMapping/>
+  </p:clrMapOvr>
+</p:sld>
+</file>
+
+<file path=ppt/slides/slide11.xml><?xml version="1.0" encoding="utf-8"?>
+<p:sld xmlns:a="http://schemas.openxmlformats.org/drawingml/2006/main" xmlns:r="http://schemas.openxmlformats.org/officeDocument/2006/relationships" xmlns:p="http://schemas.openxmlformats.org/presentationml/2006/main">
+  <p:cSld>
+    <p:spTree>
+      <p:nvGrpSpPr>
+        <p:cNvPr id="1" name="">
+          <a:extLst>
+            <a:ext uri="{FF2B5EF4-FFF2-40B4-BE49-F238E27FC236}">
+              <a16:creationId xmlns:a16="http://schemas.microsoft.com/office/drawing/2014/main" id="{42E93DC7-342C-9839-56FA-12F8741462D3}"/>
+            </a:ext>
+          </a:extLst>
+        </p:cNvPr>
+        <p:cNvGrpSpPr/>
+        <p:nvPr/>
+      </p:nvGrpSpPr>
+      <p:grpSpPr>
+        <a:xfrm>
+          <a:off x="0" y="0"/>
+          <a:ext cx="0" cy="0"/>
+          <a:chOff x="0" y="0"/>
+          <a:chExt cx="0" cy="0"/>
+        </a:xfrm>
+      </p:grpSpPr>
+      <p:sp>
+        <p:nvSpPr>
+          <p:cNvPr id="2" name="Title 1">
+            <a:extLst>
+              <a:ext uri="{FF2B5EF4-FFF2-40B4-BE49-F238E27FC236}">
+                <a16:creationId xmlns:a16="http://schemas.microsoft.com/office/drawing/2014/main" id="{7784A05C-1ABC-B25E-1945-FCF4B7F0A283}"/>
+              </a:ext>
+            </a:extLst>
+          </p:cNvPr>
+          <p:cNvSpPr>
+            <a:spLocks noGrp="1"/>
+          </p:cNvSpPr>
+          <p:nvPr>
+            <p:ph type="title"/>
+          </p:nvPr>
+        </p:nvSpPr>
+        <p:spPr/>
+        <p:txBody>
+          <a:bodyPr/>
+          <a:lstStyle/>
+          <a:p>
+            <a:r>
+              <a:rPr lang="es-MX" dirty="0"/>
+              <a:t>Error de medición: Consecuencias </a:t>
+            </a:r>
+            <a:endParaRPr lang="en-GB" dirty="0"/>
+          </a:p>
+        </p:txBody>
+      </p:sp>
+      <p:sp>
+        <p:nvSpPr>
+          <p:cNvPr id="3" name="Content Placeholder 2">
+            <a:extLst>
+              <a:ext uri="{FF2B5EF4-FFF2-40B4-BE49-F238E27FC236}">
+                <a16:creationId xmlns:a16="http://schemas.microsoft.com/office/drawing/2014/main" id="{F454703F-5796-7B5F-5D8A-5EDF64CE53E0}"/>
+              </a:ext>
+            </a:extLst>
+          </p:cNvPr>
+          <p:cNvSpPr>
+            <a:spLocks noGrp="1"/>
+          </p:cNvSpPr>
+          <p:nvPr>
+            <p:ph idx="1"/>
+          </p:nvPr>
+        </p:nvSpPr>
+        <p:spPr>
+          <a:xfrm>
+            <a:off x="838200" y="1825625"/>
+            <a:ext cx="11079822" cy="4739562"/>
+          </a:xfrm>
+        </p:spPr>
+        <p:txBody>
+          <a:bodyPr/>
+          <a:lstStyle/>
+          <a:p>
+            <a:r>
+              <a:rPr lang="es-MX" dirty="0"/>
+              <a:t>Falsos positivos y negativos: Sub/sobre estimación de la pobreza</a:t>
+            </a:r>
+          </a:p>
+          <a:p>
+            <a:endParaRPr lang="es-MX" dirty="0"/>
+          </a:p>
+          <a:p>
+            <a:pPr lvl="1"/>
+            <a:r>
+              <a:rPr lang="es-MX" dirty="0"/>
+              <a:t>Pobre identificación para los modelos </a:t>
+            </a:r>
+            <a:r>
+              <a:rPr lang="es-MX" dirty="0" err="1"/>
+              <a:t>logit</a:t>
+            </a:r>
+            <a:r>
+              <a:rPr lang="es-MX" dirty="0"/>
+              <a:t>/</a:t>
+            </a:r>
+            <a:r>
+              <a:rPr lang="es-MX" dirty="0" err="1"/>
+              <a:t>probit</a:t>
+            </a:r>
+            <a:r>
+              <a:rPr lang="es-MX" dirty="0"/>
+              <a:t> de variables binarias</a:t>
+            </a:r>
+          </a:p>
+          <a:p>
+            <a:pPr lvl="1"/>
+            <a:endParaRPr lang="es-MX" dirty="0"/>
+          </a:p>
+          <a:p>
+            <a:pPr lvl="1"/>
+            <a:endParaRPr lang="es-MX" dirty="0"/>
+          </a:p>
+          <a:p>
+            <a:r>
+              <a:rPr lang="es-MX" dirty="0"/>
+              <a:t>Estimaciones inconsistentes y sesgadas (</a:t>
+            </a:r>
+            <a:r>
+              <a:rPr lang="es-MX" dirty="0" err="1"/>
+              <a:t>Hausman</a:t>
+            </a:r>
+            <a:r>
+              <a:rPr lang="es-MX" dirty="0"/>
+              <a:t> et al., 1999)</a:t>
+            </a:r>
+          </a:p>
+          <a:p>
+            <a:endParaRPr lang="es-MX" dirty="0"/>
+          </a:p>
+          <a:p>
+            <a:endParaRPr lang="es-MX" dirty="0"/>
+          </a:p>
+          <a:p>
+            <a:endParaRPr lang="en-GB" dirty="0"/>
+          </a:p>
+        </p:txBody>
+      </p:sp>
+    </p:spTree>
+    <p:extLst>
+      <p:ext uri="{BB962C8B-B14F-4D97-AF65-F5344CB8AC3E}">
+        <p14:creationId xmlns:p14="http://schemas.microsoft.com/office/powerpoint/2010/main" val="118839557"/>
       </p:ext>
     </p:extLst>
   </p:cSld>
@@ -6796,7 +7609,7 @@
           <p:cNvPr id="2" name="Title 1">
             <a:extLst>
               <a:ext uri="{FF2B5EF4-FFF2-40B4-BE49-F238E27FC236}">
-                <a16:creationId xmlns:a16="http://schemas.microsoft.com/office/drawing/2014/main" id="{43CF988B-B0E7-762F-0736-C54329DFB9F2}"/>
+                <a16:creationId xmlns:a16="http://schemas.microsoft.com/office/drawing/2014/main" id="{971422D0-A2CD-6274-9A95-6CBA03F35FE6}"/>
               </a:ext>
             </a:extLst>
           </p:cNvPr>
@@ -6813,8 +7626,8 @@
           <a:lstStyle/>
           <a:p>
             <a:r>
-              <a:rPr lang="es-MX" dirty="0"/>
-              <a:t>Error de medición</a:t>
+              <a:rPr lang="en-US" dirty="0" err="1"/>
+              <a:t>Confiabilidad</a:t>
             </a:r>
             <a:endParaRPr lang="en-GB" dirty="0"/>
           </a:p>
@@ -6822,232 +7635,1721 @@
       </p:sp>
       <p:sp>
         <p:nvSpPr>
-          <p:cNvPr id="3" name="Content Placeholder 2">
-            <a:extLst>
-              <a:ext uri="{FF2B5EF4-FFF2-40B4-BE49-F238E27FC236}">
-                <a16:creationId xmlns:a16="http://schemas.microsoft.com/office/drawing/2014/main" id="{EAD416D8-5BF3-0C0E-7F74-4E80CE5359A6}"/>
-              </a:ext>
-            </a:extLst>
-          </p:cNvPr>
-          <p:cNvSpPr>
-            <a:spLocks noGrp="1"/>
-          </p:cNvSpPr>
-          <p:nvPr>
-            <p:ph idx="1"/>
-          </p:nvPr>
-        </p:nvSpPr>
-        <p:spPr/>
-        <p:txBody>
-          <a:bodyPr>
-            <a:normAutofit fontScale="92500" lnSpcReduction="10000"/>
-          </a:bodyPr>
-          <a:lstStyle/>
-          <a:p>
-            <a:r>
-              <a:rPr lang="es-MX" dirty="0"/>
-              <a:t>CONEVAL: </a:t>
-            </a:r>
-          </a:p>
-          <a:p>
-            <a:pPr lvl="1"/>
-            <a:r>
-              <a:rPr lang="es-MX" dirty="0"/>
-              <a:t>.62 (38% de error aleatorio)</a:t>
-            </a:r>
-          </a:p>
-          <a:p>
-            <a:pPr lvl="1"/>
-            <a:r>
-              <a:rPr lang="en-GB" dirty="0"/>
-              <a:t>8% de </a:t>
-            </a:r>
-            <a:r>
-              <a:rPr lang="en-GB" dirty="0" err="1"/>
-              <a:t>falsos</a:t>
-            </a:r>
-            <a:r>
-              <a:rPr lang="en-GB" dirty="0"/>
-              <a:t> </a:t>
-            </a:r>
-            <a:r>
-              <a:rPr lang="en-GB" dirty="0" err="1"/>
-              <a:t>negativos</a:t>
-            </a:r>
-            <a:r>
-              <a:rPr lang="en-GB" dirty="0"/>
-              <a:t> (2022)</a:t>
-            </a:r>
-          </a:p>
-          <a:p>
-            <a:pPr lvl="1"/>
+          <p:cNvPr id="4" name="Oval 3">
+            <a:extLst>
+              <a:ext uri="{FF2B5EF4-FFF2-40B4-BE49-F238E27FC236}">
+                <a16:creationId xmlns:a16="http://schemas.microsoft.com/office/drawing/2014/main" id="{3107E5A1-1915-0FD0-5DE8-AD0AD3476567}"/>
+              </a:ext>
+            </a:extLst>
+          </p:cNvPr>
+          <p:cNvSpPr/>
+          <p:nvPr/>
+        </p:nvSpPr>
+        <p:spPr>
+          <a:xfrm>
+            <a:off x="2527443" y="1641395"/>
+            <a:ext cx="1818526" cy="1325562"/>
+          </a:xfrm>
+          <a:prstGeom prst="ellipse">
+            <a:avLst/>
+          </a:prstGeom>
+        </p:spPr>
+        <p:style>
+          <a:lnRef idx="2">
+            <a:schemeClr val="dk1"/>
+          </a:lnRef>
+          <a:fillRef idx="1">
+            <a:schemeClr val="lt1"/>
+          </a:fillRef>
+          <a:effectRef idx="0">
+            <a:schemeClr val="dk1"/>
+          </a:effectRef>
+          <a:fontRef idx="minor">
+            <a:schemeClr val="dk1"/>
+          </a:fontRef>
+        </p:style>
+        <p:txBody>
+          <a:bodyPr rtlCol="0" anchor="ctr"/>
+          <a:lstStyle/>
+          <a:p>
+            <a:pPr algn="ctr"/>
+            <a:r>
+              <a:rPr lang="en-US" dirty="0" err="1"/>
+              <a:t>Pobreza</a:t>
+            </a:r>
             <a:endParaRPr lang="en-GB" dirty="0"/>
           </a:p>
-          <a:p>
-            <a:r>
-              <a:rPr lang="en-GB" dirty="0"/>
-              <a:t>MPI (OPHI-PNUD)</a:t>
-            </a:r>
-          </a:p>
-          <a:p>
-            <a:pPr lvl="1"/>
-            <a:r>
-              <a:rPr lang="en-GB" dirty="0"/>
-              <a:t>.6 (40% de error </a:t>
-            </a:r>
-            <a:r>
-              <a:rPr lang="en-GB" dirty="0" err="1"/>
-              <a:t>aleatorio</a:t>
-            </a:r>
-            <a:r>
-              <a:rPr lang="en-GB" dirty="0"/>
-              <a:t>)</a:t>
-            </a:r>
-          </a:p>
-          <a:p>
-            <a:pPr lvl="1"/>
-            <a:r>
-              <a:rPr lang="en-GB" dirty="0" err="1"/>
-              <a:t>Expectativa</a:t>
-            </a:r>
-            <a:r>
-              <a:rPr lang="en-GB" dirty="0"/>
-              <a:t> de 10% de </a:t>
-            </a:r>
-            <a:r>
-              <a:rPr lang="en-GB" dirty="0" err="1"/>
-              <a:t>errores</a:t>
-            </a:r>
-            <a:r>
-              <a:rPr lang="en-GB" dirty="0"/>
-              <a:t> de </a:t>
-            </a:r>
-            <a:r>
-              <a:rPr lang="en-GB" dirty="0" err="1"/>
-              <a:t>clasificación</a:t>
-            </a:r>
-            <a:endParaRPr lang="en-GB" dirty="0"/>
-          </a:p>
-          <a:p>
-            <a:pPr lvl="1"/>
-            <a:endParaRPr lang="en-GB" dirty="0"/>
-          </a:p>
-          <a:p>
-            <a:r>
-              <a:rPr lang="en-GB" dirty="0" err="1"/>
-              <a:t>Privación</a:t>
-            </a:r>
-            <a:r>
-              <a:rPr lang="en-GB" dirty="0"/>
-              <a:t> </a:t>
-            </a:r>
-            <a:r>
-              <a:rPr lang="en-GB" dirty="0" err="1"/>
-              <a:t>relativa</a:t>
-            </a:r>
-            <a:endParaRPr lang="en-GB" dirty="0"/>
-          </a:p>
-          <a:p>
-            <a:pPr lvl="1"/>
-            <a:r>
-              <a:rPr lang="en-GB" dirty="0"/>
-              <a:t>.88 (12% error </a:t>
-            </a:r>
-            <a:r>
-              <a:rPr lang="en-GB" dirty="0" err="1"/>
-              <a:t>aleatorio</a:t>
-            </a:r>
-            <a:r>
-              <a:rPr lang="en-GB" dirty="0"/>
-              <a:t>)</a:t>
-            </a:r>
-          </a:p>
-          <a:p>
-            <a:pPr lvl="1"/>
-            <a:r>
-              <a:rPr lang="en-US" dirty="0"/>
-              <a:t>&lt;5% </a:t>
-            </a:r>
-            <a:r>
-              <a:rPr lang="en-US" dirty="0" err="1"/>
-              <a:t>errores</a:t>
-            </a:r>
-            <a:r>
-              <a:rPr lang="en-US" dirty="0"/>
-              <a:t> de </a:t>
-            </a:r>
-            <a:r>
-              <a:rPr lang="en-US" dirty="0" err="1"/>
-              <a:t>clasificaci</a:t>
-            </a:r>
-            <a:r>
-              <a:rPr lang="es-MX" dirty="0" err="1"/>
-              <a:t>ón</a:t>
-            </a:r>
-            <a:r>
-              <a:rPr lang="es-MX" dirty="0"/>
-              <a:t>.</a:t>
-            </a:r>
-          </a:p>
-          <a:p>
-            <a:pPr lvl="1"/>
-            <a:r>
-              <a:rPr lang="es-MX" dirty="0"/>
-              <a:t>Sin evidencia de error </a:t>
-            </a:r>
-            <a:r>
-              <a:rPr lang="es-MX" dirty="0" err="1"/>
-              <a:t>sistemátic</a:t>
-            </a:r>
-            <a:endParaRPr lang="en-GB" dirty="0"/>
-          </a:p>
-        </p:txBody>
-      </p:sp>
-      <p:pic>
-        <p:nvPicPr>
-          <p:cNvPr id="5" name="Picture 4" descr="A screenshot of a web page&#10;&#10;AI-generated content may be incorrect.">
-            <a:extLst>
-              <a:ext uri="{FF2B5EF4-FFF2-40B4-BE49-F238E27FC236}">
-                <a16:creationId xmlns:a16="http://schemas.microsoft.com/office/drawing/2014/main" id="{5CD9B866-8BA9-9431-396C-42122E69305A}"/>
-              </a:ext>
-            </a:extLst>
-          </p:cNvPr>
-          <p:cNvPicPr>
-            <a:picLocks noChangeAspect="1"/>
-          </p:cNvPicPr>
+        </p:txBody>
+      </p:sp>
+      <p:sp>
+        <p:nvSpPr>
+          <p:cNvPr id="5" name="Rectangle 4">
+            <a:extLst>
+              <a:ext uri="{FF2B5EF4-FFF2-40B4-BE49-F238E27FC236}">
+                <a16:creationId xmlns:a16="http://schemas.microsoft.com/office/drawing/2014/main" id="{A917F2D7-AF6F-D2E1-8FB9-CB8A64BFA86C}"/>
+              </a:ext>
+            </a:extLst>
+          </p:cNvPr>
+          <p:cNvSpPr/>
           <p:nvPr/>
-        </p:nvPicPr>
-        <p:blipFill>
-          <a:blip r:embed="rId2">
-            <a:extLst>
-              <a:ext uri="{28A0092B-C50C-407E-A947-70E740481C1C}">
-                <a14:useLocalDpi xmlns:a14="http://schemas.microsoft.com/office/drawing/2010/main" val="0"/>
-              </a:ext>
-            </a:extLst>
-          </a:blip>
-          <a:stretch>
-            <a:fillRect/>
-          </a:stretch>
-        </p:blipFill>
+        </p:nvSpPr>
         <p:spPr>
           <a:xfrm>
-            <a:off x="6657131" y="1150706"/>
-            <a:ext cx="5308838" cy="2363056"/>
+            <a:off x="838200" y="4243227"/>
+            <a:ext cx="651553" cy="698643"/>
           </a:xfrm>
           <a:prstGeom prst="rect">
             <a:avLst/>
           </a:prstGeom>
         </p:spPr>
-      </p:pic>
+        <p:style>
+          <a:lnRef idx="2">
+            <a:schemeClr val="dk1"/>
+          </a:lnRef>
+          <a:fillRef idx="1">
+            <a:schemeClr val="lt1"/>
+          </a:fillRef>
+          <a:effectRef idx="0">
+            <a:schemeClr val="dk1"/>
+          </a:effectRef>
+          <a:fontRef idx="minor">
+            <a:schemeClr val="dk1"/>
+          </a:fontRef>
+        </p:style>
+        <p:txBody>
+          <a:bodyPr rtlCol="0" anchor="ctr"/>
+          <a:lstStyle/>
+          <a:p>
+            <a:pPr algn="ctr"/>
+            <a:r>
+              <a:rPr lang="en-US" dirty="0"/>
+              <a:t>X1</a:t>
+            </a:r>
+            <a:endParaRPr lang="en-GB" dirty="0"/>
+          </a:p>
+        </p:txBody>
+      </p:sp>
+      <p:sp>
+        <p:nvSpPr>
+          <p:cNvPr id="6" name="Rectangle 5">
+            <a:extLst>
+              <a:ext uri="{FF2B5EF4-FFF2-40B4-BE49-F238E27FC236}">
+                <a16:creationId xmlns:a16="http://schemas.microsoft.com/office/drawing/2014/main" id="{5129C65F-C371-8CA1-41CD-EEC5DE158E87}"/>
+              </a:ext>
+            </a:extLst>
+          </p:cNvPr>
+          <p:cNvSpPr/>
+          <p:nvPr/>
+        </p:nvSpPr>
+        <p:spPr>
+          <a:xfrm>
+            <a:off x="1763731" y="4243227"/>
+            <a:ext cx="651553" cy="698643"/>
+          </a:xfrm>
+          <a:prstGeom prst="rect">
+            <a:avLst/>
+          </a:prstGeom>
+        </p:spPr>
+        <p:style>
+          <a:lnRef idx="2">
+            <a:schemeClr val="dk1"/>
+          </a:lnRef>
+          <a:fillRef idx="1">
+            <a:schemeClr val="lt1"/>
+          </a:fillRef>
+          <a:effectRef idx="0">
+            <a:schemeClr val="dk1"/>
+          </a:effectRef>
+          <a:fontRef idx="minor">
+            <a:schemeClr val="dk1"/>
+          </a:fontRef>
+        </p:style>
+        <p:txBody>
+          <a:bodyPr rtlCol="0" anchor="ctr"/>
+          <a:lstStyle/>
+          <a:p>
+            <a:pPr algn="ctr"/>
+            <a:r>
+              <a:rPr lang="en-US" dirty="0"/>
+              <a:t>X2</a:t>
+            </a:r>
+            <a:endParaRPr lang="en-GB" dirty="0"/>
+          </a:p>
+        </p:txBody>
+      </p:sp>
+      <p:sp>
+        <p:nvSpPr>
+          <p:cNvPr id="7" name="Rectangle 6">
+            <a:extLst>
+              <a:ext uri="{FF2B5EF4-FFF2-40B4-BE49-F238E27FC236}">
+                <a16:creationId xmlns:a16="http://schemas.microsoft.com/office/drawing/2014/main" id="{5A067A38-CEFE-61E2-FC50-D24B83B0E6A4}"/>
+              </a:ext>
+            </a:extLst>
+          </p:cNvPr>
+          <p:cNvSpPr/>
+          <p:nvPr/>
+        </p:nvSpPr>
+        <p:spPr>
+          <a:xfrm>
+            <a:off x="2689262" y="4243227"/>
+            <a:ext cx="651553" cy="698643"/>
+          </a:xfrm>
+          <a:prstGeom prst="rect">
+            <a:avLst/>
+          </a:prstGeom>
+        </p:spPr>
+        <p:style>
+          <a:lnRef idx="2">
+            <a:schemeClr val="dk1"/>
+          </a:lnRef>
+          <a:fillRef idx="1">
+            <a:schemeClr val="lt1"/>
+          </a:fillRef>
+          <a:effectRef idx="0">
+            <a:schemeClr val="dk1"/>
+          </a:effectRef>
+          <a:fontRef idx="minor">
+            <a:schemeClr val="dk1"/>
+          </a:fontRef>
+        </p:style>
+        <p:txBody>
+          <a:bodyPr rtlCol="0" anchor="ctr"/>
+          <a:lstStyle/>
+          <a:p>
+            <a:pPr algn="ctr"/>
+            <a:r>
+              <a:rPr lang="en-US" dirty="0"/>
+              <a:t>X3</a:t>
+            </a:r>
+            <a:endParaRPr lang="en-GB" dirty="0"/>
+          </a:p>
+        </p:txBody>
+      </p:sp>
+      <p:sp>
+        <p:nvSpPr>
+          <p:cNvPr id="8" name="Rectangle 7">
+            <a:extLst>
+              <a:ext uri="{FF2B5EF4-FFF2-40B4-BE49-F238E27FC236}">
+                <a16:creationId xmlns:a16="http://schemas.microsoft.com/office/drawing/2014/main" id="{2EDB7681-9164-86B2-3720-0E51345F6342}"/>
+              </a:ext>
+            </a:extLst>
+          </p:cNvPr>
+          <p:cNvSpPr/>
+          <p:nvPr/>
+        </p:nvSpPr>
+        <p:spPr>
+          <a:xfrm>
+            <a:off x="3575410" y="4243227"/>
+            <a:ext cx="651553" cy="698643"/>
+          </a:xfrm>
+          <a:prstGeom prst="rect">
+            <a:avLst/>
+          </a:prstGeom>
+        </p:spPr>
+        <p:style>
+          <a:lnRef idx="2">
+            <a:schemeClr val="dk1"/>
+          </a:lnRef>
+          <a:fillRef idx="1">
+            <a:schemeClr val="lt1"/>
+          </a:fillRef>
+          <a:effectRef idx="0">
+            <a:schemeClr val="dk1"/>
+          </a:effectRef>
+          <a:fontRef idx="minor">
+            <a:schemeClr val="dk1"/>
+          </a:fontRef>
+        </p:style>
+        <p:txBody>
+          <a:bodyPr rtlCol="0" anchor="ctr"/>
+          <a:lstStyle/>
+          <a:p>
+            <a:pPr algn="ctr"/>
+            <a:r>
+              <a:rPr lang="en-US" dirty="0"/>
+              <a:t>X4</a:t>
+            </a:r>
+            <a:endParaRPr lang="en-GB" dirty="0"/>
+          </a:p>
+        </p:txBody>
+      </p:sp>
+      <p:sp>
+        <p:nvSpPr>
+          <p:cNvPr id="9" name="Rectangle 8">
+            <a:extLst>
+              <a:ext uri="{FF2B5EF4-FFF2-40B4-BE49-F238E27FC236}">
+                <a16:creationId xmlns:a16="http://schemas.microsoft.com/office/drawing/2014/main" id="{EF90D314-25BD-5801-C34E-048AD1B6184F}"/>
+              </a:ext>
+            </a:extLst>
+          </p:cNvPr>
+          <p:cNvSpPr/>
+          <p:nvPr/>
+        </p:nvSpPr>
+        <p:spPr>
+          <a:xfrm>
+            <a:off x="4461558" y="4243227"/>
+            <a:ext cx="651553" cy="698643"/>
+          </a:xfrm>
+          <a:prstGeom prst="rect">
+            <a:avLst/>
+          </a:prstGeom>
+        </p:spPr>
+        <p:style>
+          <a:lnRef idx="2">
+            <a:schemeClr val="dk1"/>
+          </a:lnRef>
+          <a:fillRef idx="1">
+            <a:schemeClr val="lt1"/>
+          </a:fillRef>
+          <a:effectRef idx="0">
+            <a:schemeClr val="dk1"/>
+          </a:effectRef>
+          <a:fontRef idx="minor">
+            <a:schemeClr val="dk1"/>
+          </a:fontRef>
+        </p:style>
+        <p:txBody>
+          <a:bodyPr rtlCol="0" anchor="ctr"/>
+          <a:lstStyle/>
+          <a:p>
+            <a:pPr algn="ctr"/>
+            <a:r>
+              <a:rPr lang="en-US" dirty="0"/>
+              <a:t>X5</a:t>
+            </a:r>
+            <a:endParaRPr lang="en-GB" dirty="0"/>
+          </a:p>
+        </p:txBody>
+      </p:sp>
+      <p:sp>
+        <p:nvSpPr>
+          <p:cNvPr id="10" name="Rectangle 9">
+            <a:extLst>
+              <a:ext uri="{FF2B5EF4-FFF2-40B4-BE49-F238E27FC236}">
+                <a16:creationId xmlns:a16="http://schemas.microsoft.com/office/drawing/2014/main" id="{3F3D79D7-A789-C5AD-B4AA-69BAEBD7FF4E}"/>
+              </a:ext>
+            </a:extLst>
+          </p:cNvPr>
+          <p:cNvSpPr/>
+          <p:nvPr/>
+        </p:nvSpPr>
+        <p:spPr>
+          <a:xfrm>
+            <a:off x="5379383" y="4243227"/>
+            <a:ext cx="651553" cy="698643"/>
+          </a:xfrm>
+          <a:prstGeom prst="rect">
+            <a:avLst/>
+          </a:prstGeom>
+        </p:spPr>
+        <p:style>
+          <a:lnRef idx="2">
+            <a:schemeClr val="dk1"/>
+          </a:lnRef>
+          <a:fillRef idx="1">
+            <a:schemeClr val="lt1"/>
+          </a:fillRef>
+          <a:effectRef idx="0">
+            <a:schemeClr val="dk1"/>
+          </a:effectRef>
+          <a:fontRef idx="minor">
+            <a:schemeClr val="dk1"/>
+          </a:fontRef>
+        </p:style>
+        <p:txBody>
+          <a:bodyPr rtlCol="0" anchor="ctr"/>
+          <a:lstStyle/>
+          <a:p>
+            <a:pPr algn="ctr"/>
+            <a:r>
+              <a:rPr lang="en-US" dirty="0"/>
+              <a:t>X6</a:t>
+            </a:r>
+            <a:endParaRPr lang="en-GB" dirty="0"/>
+          </a:p>
+        </p:txBody>
+      </p:sp>
+      <p:cxnSp>
+        <p:nvCxnSpPr>
+          <p:cNvPr id="12" name="Straight Arrow Connector 11">
+            <a:extLst>
+              <a:ext uri="{FF2B5EF4-FFF2-40B4-BE49-F238E27FC236}">
+                <a16:creationId xmlns:a16="http://schemas.microsoft.com/office/drawing/2014/main" id="{F0ED1C3F-87E9-5E0C-5227-FA5979DF20C6}"/>
+              </a:ext>
+            </a:extLst>
+          </p:cNvPr>
+          <p:cNvCxnSpPr>
+            <a:stCxn id="4" idx="4"/>
+            <a:endCxn id="5" idx="0"/>
+          </p:cNvCxnSpPr>
+          <p:nvPr/>
+        </p:nvCxnSpPr>
+        <p:spPr>
+          <a:xfrm flipH="1">
+            <a:off x="1163977" y="2966957"/>
+            <a:ext cx="2272729" cy="1276270"/>
+          </a:xfrm>
+          <a:prstGeom prst="straightConnector1">
+            <a:avLst/>
+          </a:prstGeom>
+          <a:ln>
+            <a:tailEnd type="triangle"/>
+          </a:ln>
+        </p:spPr>
+        <p:style>
+          <a:lnRef idx="2">
+            <a:schemeClr val="dk1"/>
+          </a:lnRef>
+          <a:fillRef idx="0">
+            <a:schemeClr val="dk1"/>
+          </a:fillRef>
+          <a:effectRef idx="1">
+            <a:schemeClr val="dk1"/>
+          </a:effectRef>
+          <a:fontRef idx="minor">
+            <a:schemeClr val="tx1"/>
+          </a:fontRef>
+        </p:style>
+      </p:cxnSp>
+      <p:cxnSp>
+        <p:nvCxnSpPr>
+          <p:cNvPr id="14" name="Straight Arrow Connector 13">
+            <a:extLst>
+              <a:ext uri="{FF2B5EF4-FFF2-40B4-BE49-F238E27FC236}">
+                <a16:creationId xmlns:a16="http://schemas.microsoft.com/office/drawing/2014/main" id="{1BB51642-9CCE-7B74-0C3D-270C9A704C21}"/>
+              </a:ext>
+            </a:extLst>
+          </p:cNvPr>
+          <p:cNvCxnSpPr>
+            <a:stCxn id="4" idx="4"/>
+            <a:endCxn id="6" idx="0"/>
+          </p:cNvCxnSpPr>
+          <p:nvPr/>
+        </p:nvCxnSpPr>
+        <p:spPr>
+          <a:xfrm flipH="1">
+            <a:off x="2089508" y="2966957"/>
+            <a:ext cx="1347198" cy="1276270"/>
+          </a:xfrm>
+          <a:prstGeom prst="straightConnector1">
+            <a:avLst/>
+          </a:prstGeom>
+          <a:ln>
+            <a:tailEnd type="triangle"/>
+          </a:ln>
+        </p:spPr>
+        <p:style>
+          <a:lnRef idx="2">
+            <a:schemeClr val="dk1"/>
+          </a:lnRef>
+          <a:fillRef idx="0">
+            <a:schemeClr val="dk1"/>
+          </a:fillRef>
+          <a:effectRef idx="1">
+            <a:schemeClr val="dk1"/>
+          </a:effectRef>
+          <a:fontRef idx="minor">
+            <a:schemeClr val="tx1"/>
+          </a:fontRef>
+        </p:style>
+      </p:cxnSp>
+      <p:cxnSp>
+        <p:nvCxnSpPr>
+          <p:cNvPr id="16" name="Straight Arrow Connector 15">
+            <a:extLst>
+              <a:ext uri="{FF2B5EF4-FFF2-40B4-BE49-F238E27FC236}">
+                <a16:creationId xmlns:a16="http://schemas.microsoft.com/office/drawing/2014/main" id="{9769240F-27DC-D4AE-A0CE-427366D35DE4}"/>
+              </a:ext>
+            </a:extLst>
+          </p:cNvPr>
+          <p:cNvCxnSpPr>
+            <a:stCxn id="4" idx="4"/>
+            <a:endCxn id="7" idx="0"/>
+          </p:cNvCxnSpPr>
+          <p:nvPr/>
+        </p:nvCxnSpPr>
+        <p:spPr>
+          <a:xfrm flipH="1">
+            <a:off x="3015039" y="2966957"/>
+            <a:ext cx="421667" cy="1276270"/>
+          </a:xfrm>
+          <a:prstGeom prst="straightConnector1">
+            <a:avLst/>
+          </a:prstGeom>
+          <a:ln>
+            <a:tailEnd type="triangle"/>
+          </a:ln>
+        </p:spPr>
+        <p:style>
+          <a:lnRef idx="2">
+            <a:schemeClr val="dk1"/>
+          </a:lnRef>
+          <a:fillRef idx="0">
+            <a:schemeClr val="dk1"/>
+          </a:fillRef>
+          <a:effectRef idx="1">
+            <a:schemeClr val="dk1"/>
+          </a:effectRef>
+          <a:fontRef idx="minor">
+            <a:schemeClr val="tx1"/>
+          </a:fontRef>
+        </p:style>
+      </p:cxnSp>
+      <p:cxnSp>
+        <p:nvCxnSpPr>
+          <p:cNvPr id="18" name="Straight Arrow Connector 17">
+            <a:extLst>
+              <a:ext uri="{FF2B5EF4-FFF2-40B4-BE49-F238E27FC236}">
+                <a16:creationId xmlns:a16="http://schemas.microsoft.com/office/drawing/2014/main" id="{270D09B6-5058-E08D-F483-F5CA2667FF03}"/>
+              </a:ext>
+            </a:extLst>
+          </p:cNvPr>
+          <p:cNvCxnSpPr>
+            <a:stCxn id="4" idx="4"/>
+            <a:endCxn id="8" idx="0"/>
+          </p:cNvCxnSpPr>
+          <p:nvPr/>
+        </p:nvCxnSpPr>
+        <p:spPr>
+          <a:xfrm>
+            <a:off x="3436706" y="2966957"/>
+            <a:ext cx="464481" cy="1276270"/>
+          </a:xfrm>
+          <a:prstGeom prst="straightConnector1">
+            <a:avLst/>
+          </a:prstGeom>
+          <a:ln>
+            <a:tailEnd type="triangle"/>
+          </a:ln>
+        </p:spPr>
+        <p:style>
+          <a:lnRef idx="2">
+            <a:schemeClr val="dk1"/>
+          </a:lnRef>
+          <a:fillRef idx="0">
+            <a:schemeClr val="dk1"/>
+          </a:fillRef>
+          <a:effectRef idx="1">
+            <a:schemeClr val="dk1"/>
+          </a:effectRef>
+          <a:fontRef idx="minor">
+            <a:schemeClr val="tx1"/>
+          </a:fontRef>
+        </p:style>
+      </p:cxnSp>
+      <p:cxnSp>
+        <p:nvCxnSpPr>
+          <p:cNvPr id="20" name="Straight Arrow Connector 19">
+            <a:extLst>
+              <a:ext uri="{FF2B5EF4-FFF2-40B4-BE49-F238E27FC236}">
+                <a16:creationId xmlns:a16="http://schemas.microsoft.com/office/drawing/2014/main" id="{929E13C1-4095-00C2-D78E-8DA8376AC342}"/>
+              </a:ext>
+            </a:extLst>
+          </p:cNvPr>
+          <p:cNvCxnSpPr>
+            <a:stCxn id="4" idx="4"/>
+            <a:endCxn id="9" idx="0"/>
+          </p:cNvCxnSpPr>
+          <p:nvPr/>
+        </p:nvCxnSpPr>
+        <p:spPr>
+          <a:xfrm>
+            <a:off x="3436706" y="2966957"/>
+            <a:ext cx="1350629" cy="1276270"/>
+          </a:xfrm>
+          <a:prstGeom prst="straightConnector1">
+            <a:avLst/>
+          </a:prstGeom>
+          <a:ln>
+            <a:tailEnd type="triangle"/>
+          </a:ln>
+        </p:spPr>
+        <p:style>
+          <a:lnRef idx="2">
+            <a:schemeClr val="dk1"/>
+          </a:lnRef>
+          <a:fillRef idx="0">
+            <a:schemeClr val="dk1"/>
+          </a:fillRef>
+          <a:effectRef idx="1">
+            <a:schemeClr val="dk1"/>
+          </a:effectRef>
+          <a:fontRef idx="minor">
+            <a:schemeClr val="tx1"/>
+          </a:fontRef>
+        </p:style>
+      </p:cxnSp>
+      <p:cxnSp>
+        <p:nvCxnSpPr>
+          <p:cNvPr id="22" name="Straight Arrow Connector 21">
+            <a:extLst>
+              <a:ext uri="{FF2B5EF4-FFF2-40B4-BE49-F238E27FC236}">
+                <a16:creationId xmlns:a16="http://schemas.microsoft.com/office/drawing/2014/main" id="{B6E0CEB4-4EF5-EF46-645E-57ADBE58FB9D}"/>
+              </a:ext>
+            </a:extLst>
+          </p:cNvPr>
+          <p:cNvCxnSpPr>
+            <a:stCxn id="4" idx="4"/>
+            <a:endCxn id="10" idx="0"/>
+          </p:cNvCxnSpPr>
+          <p:nvPr/>
+        </p:nvCxnSpPr>
+        <p:spPr>
+          <a:xfrm>
+            <a:off x="3436706" y="2966957"/>
+            <a:ext cx="2268454" cy="1276270"/>
+          </a:xfrm>
+          <a:prstGeom prst="straightConnector1">
+            <a:avLst/>
+          </a:prstGeom>
+          <a:ln>
+            <a:tailEnd type="triangle"/>
+          </a:ln>
+        </p:spPr>
+        <p:style>
+          <a:lnRef idx="2">
+            <a:schemeClr val="dk1"/>
+          </a:lnRef>
+          <a:fillRef idx="0">
+            <a:schemeClr val="dk1"/>
+          </a:fillRef>
+          <a:effectRef idx="1">
+            <a:schemeClr val="dk1"/>
+          </a:effectRef>
+          <a:fontRef idx="minor">
+            <a:schemeClr val="tx1"/>
+          </a:fontRef>
+        </p:style>
+      </p:cxnSp>
+      <p:sp>
+        <p:nvSpPr>
+          <p:cNvPr id="23" name="Oval 22">
+            <a:extLst>
+              <a:ext uri="{FF2B5EF4-FFF2-40B4-BE49-F238E27FC236}">
+                <a16:creationId xmlns:a16="http://schemas.microsoft.com/office/drawing/2014/main" id="{A9DBB59B-7576-F931-ED28-F0716485B33D}"/>
+              </a:ext>
+            </a:extLst>
+          </p:cNvPr>
+          <p:cNvSpPr/>
+          <p:nvPr/>
+        </p:nvSpPr>
+        <p:spPr>
+          <a:xfrm>
+            <a:off x="923014" y="5318589"/>
+            <a:ext cx="482886" cy="359596"/>
+          </a:xfrm>
+          <a:prstGeom prst="ellipse">
+            <a:avLst/>
+          </a:prstGeom>
+        </p:spPr>
+        <p:style>
+          <a:lnRef idx="2">
+            <a:schemeClr val="dk1"/>
+          </a:lnRef>
+          <a:fillRef idx="1">
+            <a:schemeClr val="lt1"/>
+          </a:fillRef>
+          <a:effectRef idx="0">
+            <a:schemeClr val="dk1"/>
+          </a:effectRef>
+          <a:fontRef idx="minor">
+            <a:schemeClr val="dk1"/>
+          </a:fontRef>
+        </p:style>
+        <p:txBody>
+          <a:bodyPr rtlCol="0" anchor="ctr"/>
+          <a:lstStyle/>
+          <a:p>
+            <a:pPr algn="ctr"/>
+            <a:r>
+              <a:rPr lang="en-US" sz="1100" dirty="0"/>
+              <a:t>e1</a:t>
+            </a:r>
+            <a:endParaRPr lang="en-GB" sz="1100" dirty="0"/>
+          </a:p>
+        </p:txBody>
+      </p:sp>
+      <p:cxnSp>
+        <p:nvCxnSpPr>
+          <p:cNvPr id="33" name="Straight Arrow Connector 32">
+            <a:extLst>
+              <a:ext uri="{FF2B5EF4-FFF2-40B4-BE49-F238E27FC236}">
+                <a16:creationId xmlns:a16="http://schemas.microsoft.com/office/drawing/2014/main" id="{74C71207-9013-A04B-CE82-92CA636EAC56}"/>
+              </a:ext>
+            </a:extLst>
+          </p:cNvPr>
+          <p:cNvCxnSpPr>
+            <a:stCxn id="23" idx="0"/>
+            <a:endCxn id="5" idx="2"/>
+          </p:cNvCxnSpPr>
+          <p:nvPr/>
+        </p:nvCxnSpPr>
+        <p:spPr>
+          <a:xfrm flipH="1" flipV="1">
+            <a:off x="1163977" y="4941870"/>
+            <a:ext cx="480" cy="376719"/>
+          </a:xfrm>
+          <a:prstGeom prst="straightConnector1">
+            <a:avLst/>
+          </a:prstGeom>
+          <a:ln>
+            <a:tailEnd type="triangle"/>
+          </a:ln>
+        </p:spPr>
+        <p:style>
+          <a:lnRef idx="2">
+            <a:schemeClr val="dk1"/>
+          </a:lnRef>
+          <a:fillRef idx="0">
+            <a:schemeClr val="dk1"/>
+          </a:fillRef>
+          <a:effectRef idx="1">
+            <a:schemeClr val="dk1"/>
+          </a:effectRef>
+          <a:fontRef idx="minor">
+            <a:schemeClr val="tx1"/>
+          </a:fontRef>
+        </p:style>
+      </p:cxnSp>
+      <p:sp>
+        <p:nvSpPr>
+          <p:cNvPr id="34" name="Oval 33">
+            <a:extLst>
+              <a:ext uri="{FF2B5EF4-FFF2-40B4-BE49-F238E27FC236}">
+                <a16:creationId xmlns:a16="http://schemas.microsoft.com/office/drawing/2014/main" id="{5847361A-7063-F845-FF38-E489E3CDB8EF}"/>
+              </a:ext>
+            </a:extLst>
+          </p:cNvPr>
+          <p:cNvSpPr/>
+          <p:nvPr/>
+        </p:nvSpPr>
+        <p:spPr>
+          <a:xfrm>
+            <a:off x="1831797" y="5318589"/>
+            <a:ext cx="482886" cy="359596"/>
+          </a:xfrm>
+          <a:prstGeom prst="ellipse">
+            <a:avLst/>
+          </a:prstGeom>
+        </p:spPr>
+        <p:style>
+          <a:lnRef idx="2">
+            <a:schemeClr val="dk1"/>
+          </a:lnRef>
+          <a:fillRef idx="1">
+            <a:schemeClr val="lt1"/>
+          </a:fillRef>
+          <a:effectRef idx="0">
+            <a:schemeClr val="dk1"/>
+          </a:effectRef>
+          <a:fontRef idx="minor">
+            <a:schemeClr val="dk1"/>
+          </a:fontRef>
+        </p:style>
+        <p:txBody>
+          <a:bodyPr rtlCol="0" anchor="ctr"/>
+          <a:lstStyle/>
+          <a:p>
+            <a:pPr algn="ctr"/>
+            <a:r>
+              <a:rPr lang="en-US" sz="1100" dirty="0"/>
+              <a:t>e2</a:t>
+            </a:r>
+            <a:endParaRPr lang="en-GB" sz="1100" dirty="0"/>
+          </a:p>
+        </p:txBody>
+      </p:sp>
+      <p:cxnSp>
+        <p:nvCxnSpPr>
+          <p:cNvPr id="35" name="Straight Arrow Connector 34">
+            <a:extLst>
+              <a:ext uri="{FF2B5EF4-FFF2-40B4-BE49-F238E27FC236}">
+                <a16:creationId xmlns:a16="http://schemas.microsoft.com/office/drawing/2014/main" id="{E9271572-D46A-4724-3178-D0C21402313E}"/>
+              </a:ext>
+            </a:extLst>
+          </p:cNvPr>
+          <p:cNvCxnSpPr>
+            <a:stCxn id="34" idx="0"/>
+          </p:cNvCxnSpPr>
+          <p:nvPr/>
+        </p:nvCxnSpPr>
+        <p:spPr>
+          <a:xfrm flipH="1" flipV="1">
+            <a:off x="2072760" y="4941870"/>
+            <a:ext cx="480" cy="376719"/>
+          </a:xfrm>
+          <a:prstGeom prst="straightConnector1">
+            <a:avLst/>
+          </a:prstGeom>
+          <a:ln>
+            <a:tailEnd type="triangle"/>
+          </a:ln>
+        </p:spPr>
+        <p:style>
+          <a:lnRef idx="2">
+            <a:schemeClr val="dk1"/>
+          </a:lnRef>
+          <a:fillRef idx="0">
+            <a:schemeClr val="dk1"/>
+          </a:fillRef>
+          <a:effectRef idx="1">
+            <a:schemeClr val="dk1"/>
+          </a:effectRef>
+          <a:fontRef idx="minor">
+            <a:schemeClr val="tx1"/>
+          </a:fontRef>
+        </p:style>
+      </p:cxnSp>
+      <p:sp>
+        <p:nvSpPr>
+          <p:cNvPr id="36" name="Oval 35">
+            <a:extLst>
+              <a:ext uri="{FF2B5EF4-FFF2-40B4-BE49-F238E27FC236}">
+                <a16:creationId xmlns:a16="http://schemas.microsoft.com/office/drawing/2014/main" id="{760C6089-3509-6CE0-00BD-EE6AEF8CB12E}"/>
+              </a:ext>
+            </a:extLst>
+          </p:cNvPr>
+          <p:cNvSpPr/>
+          <p:nvPr/>
+        </p:nvSpPr>
+        <p:spPr>
+          <a:xfrm>
+            <a:off x="2775738" y="5318589"/>
+            <a:ext cx="482886" cy="359596"/>
+          </a:xfrm>
+          <a:prstGeom prst="ellipse">
+            <a:avLst/>
+          </a:prstGeom>
+        </p:spPr>
+        <p:style>
+          <a:lnRef idx="2">
+            <a:schemeClr val="dk1"/>
+          </a:lnRef>
+          <a:fillRef idx="1">
+            <a:schemeClr val="lt1"/>
+          </a:fillRef>
+          <a:effectRef idx="0">
+            <a:schemeClr val="dk1"/>
+          </a:effectRef>
+          <a:fontRef idx="minor">
+            <a:schemeClr val="dk1"/>
+          </a:fontRef>
+        </p:style>
+        <p:txBody>
+          <a:bodyPr rtlCol="0" anchor="ctr"/>
+          <a:lstStyle/>
+          <a:p>
+            <a:pPr algn="ctr"/>
+            <a:r>
+              <a:rPr lang="en-US" sz="1100" dirty="0"/>
+              <a:t>e3</a:t>
+            </a:r>
+            <a:endParaRPr lang="en-GB" sz="1100" dirty="0"/>
+          </a:p>
+        </p:txBody>
+      </p:sp>
+      <p:cxnSp>
+        <p:nvCxnSpPr>
+          <p:cNvPr id="37" name="Straight Arrow Connector 36">
+            <a:extLst>
+              <a:ext uri="{FF2B5EF4-FFF2-40B4-BE49-F238E27FC236}">
+                <a16:creationId xmlns:a16="http://schemas.microsoft.com/office/drawing/2014/main" id="{362385FF-FE9B-8CDE-4DAD-0B59948E5689}"/>
+              </a:ext>
+            </a:extLst>
+          </p:cNvPr>
+          <p:cNvCxnSpPr>
+            <a:stCxn id="36" idx="0"/>
+          </p:cNvCxnSpPr>
+          <p:nvPr/>
+        </p:nvCxnSpPr>
+        <p:spPr>
+          <a:xfrm flipH="1" flipV="1">
+            <a:off x="3016701" y="4941870"/>
+            <a:ext cx="480" cy="376719"/>
+          </a:xfrm>
+          <a:prstGeom prst="straightConnector1">
+            <a:avLst/>
+          </a:prstGeom>
+          <a:ln>
+            <a:tailEnd type="triangle"/>
+          </a:ln>
+        </p:spPr>
+        <p:style>
+          <a:lnRef idx="2">
+            <a:schemeClr val="dk1"/>
+          </a:lnRef>
+          <a:fillRef idx="0">
+            <a:schemeClr val="dk1"/>
+          </a:fillRef>
+          <a:effectRef idx="1">
+            <a:schemeClr val="dk1"/>
+          </a:effectRef>
+          <a:fontRef idx="minor">
+            <a:schemeClr val="tx1"/>
+          </a:fontRef>
+        </p:style>
+      </p:cxnSp>
+      <p:sp>
+        <p:nvSpPr>
+          <p:cNvPr id="38" name="Oval 37">
+            <a:extLst>
+              <a:ext uri="{FF2B5EF4-FFF2-40B4-BE49-F238E27FC236}">
+                <a16:creationId xmlns:a16="http://schemas.microsoft.com/office/drawing/2014/main" id="{1EDD7E2A-881D-8BB4-37F9-D32E61E53B9A}"/>
+              </a:ext>
+            </a:extLst>
+          </p:cNvPr>
+          <p:cNvSpPr/>
+          <p:nvPr/>
+        </p:nvSpPr>
+        <p:spPr>
+          <a:xfrm>
+            <a:off x="3659744" y="5318589"/>
+            <a:ext cx="482886" cy="359596"/>
+          </a:xfrm>
+          <a:prstGeom prst="ellipse">
+            <a:avLst/>
+          </a:prstGeom>
+        </p:spPr>
+        <p:style>
+          <a:lnRef idx="2">
+            <a:schemeClr val="dk1"/>
+          </a:lnRef>
+          <a:fillRef idx="1">
+            <a:schemeClr val="lt1"/>
+          </a:fillRef>
+          <a:effectRef idx="0">
+            <a:schemeClr val="dk1"/>
+          </a:effectRef>
+          <a:fontRef idx="minor">
+            <a:schemeClr val="dk1"/>
+          </a:fontRef>
+        </p:style>
+        <p:txBody>
+          <a:bodyPr rtlCol="0" anchor="ctr"/>
+          <a:lstStyle/>
+          <a:p>
+            <a:pPr algn="ctr"/>
+            <a:r>
+              <a:rPr lang="en-US" sz="1100" dirty="0"/>
+              <a:t>e4</a:t>
+            </a:r>
+            <a:endParaRPr lang="en-GB" sz="1100" dirty="0"/>
+          </a:p>
+        </p:txBody>
+      </p:sp>
+      <p:cxnSp>
+        <p:nvCxnSpPr>
+          <p:cNvPr id="39" name="Straight Arrow Connector 38">
+            <a:extLst>
+              <a:ext uri="{FF2B5EF4-FFF2-40B4-BE49-F238E27FC236}">
+                <a16:creationId xmlns:a16="http://schemas.microsoft.com/office/drawing/2014/main" id="{041CF9A4-E739-CECC-45BA-39944FE6A004}"/>
+              </a:ext>
+            </a:extLst>
+          </p:cNvPr>
+          <p:cNvCxnSpPr>
+            <a:stCxn id="38" idx="0"/>
+          </p:cNvCxnSpPr>
+          <p:nvPr/>
+        </p:nvCxnSpPr>
+        <p:spPr>
+          <a:xfrm flipH="1" flipV="1">
+            <a:off x="3900707" y="4941870"/>
+            <a:ext cx="480" cy="376719"/>
+          </a:xfrm>
+          <a:prstGeom prst="straightConnector1">
+            <a:avLst/>
+          </a:prstGeom>
+          <a:ln>
+            <a:tailEnd type="triangle"/>
+          </a:ln>
+        </p:spPr>
+        <p:style>
+          <a:lnRef idx="2">
+            <a:schemeClr val="dk1"/>
+          </a:lnRef>
+          <a:fillRef idx="0">
+            <a:schemeClr val="dk1"/>
+          </a:fillRef>
+          <a:effectRef idx="1">
+            <a:schemeClr val="dk1"/>
+          </a:effectRef>
+          <a:fontRef idx="minor">
+            <a:schemeClr val="tx1"/>
+          </a:fontRef>
+        </p:style>
+      </p:cxnSp>
+      <p:sp>
+        <p:nvSpPr>
+          <p:cNvPr id="40" name="Oval 39">
+            <a:extLst>
+              <a:ext uri="{FF2B5EF4-FFF2-40B4-BE49-F238E27FC236}">
+                <a16:creationId xmlns:a16="http://schemas.microsoft.com/office/drawing/2014/main" id="{B1741CF1-A578-D18E-022D-F03C2EB65BF5}"/>
+              </a:ext>
+            </a:extLst>
+          </p:cNvPr>
+          <p:cNvSpPr/>
+          <p:nvPr/>
+        </p:nvSpPr>
+        <p:spPr>
+          <a:xfrm>
+            <a:off x="4562489" y="5318589"/>
+            <a:ext cx="482886" cy="359596"/>
+          </a:xfrm>
+          <a:prstGeom prst="ellipse">
+            <a:avLst/>
+          </a:prstGeom>
+        </p:spPr>
+        <p:style>
+          <a:lnRef idx="2">
+            <a:schemeClr val="dk1"/>
+          </a:lnRef>
+          <a:fillRef idx="1">
+            <a:schemeClr val="lt1"/>
+          </a:fillRef>
+          <a:effectRef idx="0">
+            <a:schemeClr val="dk1"/>
+          </a:effectRef>
+          <a:fontRef idx="minor">
+            <a:schemeClr val="dk1"/>
+          </a:fontRef>
+        </p:style>
+        <p:txBody>
+          <a:bodyPr rtlCol="0" anchor="ctr"/>
+          <a:lstStyle/>
+          <a:p>
+            <a:pPr algn="ctr"/>
+            <a:r>
+              <a:rPr lang="en-US" sz="1100" dirty="0"/>
+              <a:t>e5</a:t>
+            </a:r>
+            <a:endParaRPr lang="en-GB" sz="1100" dirty="0"/>
+          </a:p>
+        </p:txBody>
+      </p:sp>
+      <p:cxnSp>
+        <p:nvCxnSpPr>
+          <p:cNvPr id="41" name="Straight Arrow Connector 40">
+            <a:extLst>
+              <a:ext uri="{FF2B5EF4-FFF2-40B4-BE49-F238E27FC236}">
+                <a16:creationId xmlns:a16="http://schemas.microsoft.com/office/drawing/2014/main" id="{68D3CAA5-D459-96E7-7D90-113825461102}"/>
+              </a:ext>
+            </a:extLst>
+          </p:cNvPr>
+          <p:cNvCxnSpPr>
+            <a:stCxn id="40" idx="0"/>
+          </p:cNvCxnSpPr>
+          <p:nvPr/>
+        </p:nvCxnSpPr>
+        <p:spPr>
+          <a:xfrm flipH="1" flipV="1">
+            <a:off x="4803452" y="4941870"/>
+            <a:ext cx="480" cy="376719"/>
+          </a:xfrm>
+          <a:prstGeom prst="straightConnector1">
+            <a:avLst/>
+          </a:prstGeom>
+          <a:ln>
+            <a:tailEnd type="triangle"/>
+          </a:ln>
+        </p:spPr>
+        <p:style>
+          <a:lnRef idx="2">
+            <a:schemeClr val="dk1"/>
+          </a:lnRef>
+          <a:fillRef idx="0">
+            <a:schemeClr val="dk1"/>
+          </a:fillRef>
+          <a:effectRef idx="1">
+            <a:schemeClr val="dk1"/>
+          </a:effectRef>
+          <a:fontRef idx="minor">
+            <a:schemeClr val="tx1"/>
+          </a:fontRef>
+        </p:style>
+      </p:cxnSp>
+      <p:sp>
+        <p:nvSpPr>
+          <p:cNvPr id="42" name="Oval 41">
+            <a:extLst>
+              <a:ext uri="{FF2B5EF4-FFF2-40B4-BE49-F238E27FC236}">
+                <a16:creationId xmlns:a16="http://schemas.microsoft.com/office/drawing/2014/main" id="{C5115A12-E42C-B35E-B95F-AE5DBB0E6A80}"/>
+              </a:ext>
+            </a:extLst>
+          </p:cNvPr>
+          <p:cNvSpPr/>
+          <p:nvPr/>
+        </p:nvSpPr>
+        <p:spPr>
+          <a:xfrm>
+            <a:off x="5444969" y="5300314"/>
+            <a:ext cx="482886" cy="359596"/>
+          </a:xfrm>
+          <a:prstGeom prst="ellipse">
+            <a:avLst/>
+          </a:prstGeom>
+        </p:spPr>
+        <p:style>
+          <a:lnRef idx="2">
+            <a:schemeClr val="dk1"/>
+          </a:lnRef>
+          <a:fillRef idx="1">
+            <a:schemeClr val="lt1"/>
+          </a:fillRef>
+          <a:effectRef idx="0">
+            <a:schemeClr val="dk1"/>
+          </a:effectRef>
+          <a:fontRef idx="minor">
+            <a:schemeClr val="dk1"/>
+          </a:fontRef>
+        </p:style>
+        <p:txBody>
+          <a:bodyPr rtlCol="0" anchor="ctr"/>
+          <a:lstStyle/>
+          <a:p>
+            <a:pPr algn="ctr"/>
+            <a:r>
+              <a:rPr lang="en-US" sz="1100" dirty="0"/>
+              <a:t>e6</a:t>
+            </a:r>
+            <a:endParaRPr lang="en-GB" sz="1100" dirty="0"/>
+          </a:p>
+        </p:txBody>
+      </p:sp>
+      <p:cxnSp>
+        <p:nvCxnSpPr>
+          <p:cNvPr id="43" name="Straight Arrow Connector 42">
+            <a:extLst>
+              <a:ext uri="{FF2B5EF4-FFF2-40B4-BE49-F238E27FC236}">
+                <a16:creationId xmlns:a16="http://schemas.microsoft.com/office/drawing/2014/main" id="{47728D60-376B-0D75-8D3E-ED133F34BF89}"/>
+              </a:ext>
+            </a:extLst>
+          </p:cNvPr>
+          <p:cNvCxnSpPr>
+            <a:stCxn id="42" idx="0"/>
+          </p:cNvCxnSpPr>
+          <p:nvPr/>
+        </p:nvCxnSpPr>
+        <p:spPr>
+          <a:xfrm flipH="1" flipV="1">
+            <a:off x="5685932" y="4923595"/>
+            <a:ext cx="480" cy="376719"/>
+          </a:xfrm>
+          <a:prstGeom prst="straightConnector1">
+            <a:avLst/>
+          </a:prstGeom>
+          <a:ln>
+            <a:tailEnd type="triangle"/>
+          </a:ln>
+        </p:spPr>
+        <p:style>
+          <a:lnRef idx="2">
+            <a:schemeClr val="dk1"/>
+          </a:lnRef>
+          <a:fillRef idx="0">
+            <a:schemeClr val="dk1"/>
+          </a:fillRef>
+          <a:effectRef idx="1">
+            <a:schemeClr val="dk1"/>
+          </a:effectRef>
+          <a:fontRef idx="minor">
+            <a:schemeClr val="tx1"/>
+          </a:fontRef>
+        </p:style>
+      </p:cxnSp>
+      <p:sp>
+        <p:nvSpPr>
+          <p:cNvPr id="44" name="TextBox 43">
+            <a:extLst>
+              <a:ext uri="{FF2B5EF4-FFF2-40B4-BE49-F238E27FC236}">
+                <a16:creationId xmlns:a16="http://schemas.microsoft.com/office/drawing/2014/main" id="{2DC8B3A5-AA6B-41C6-FD8F-57AF2B148068}"/>
+              </a:ext>
+            </a:extLst>
+          </p:cNvPr>
+          <p:cNvSpPr txBox="1"/>
+          <p:nvPr/>
+        </p:nvSpPr>
+        <p:spPr>
+          <a:xfrm>
+            <a:off x="7809646" y="1065935"/>
+            <a:ext cx="3661452" cy="5078313"/>
+          </a:xfrm>
+          <a:prstGeom prst="rect">
+            <a:avLst/>
+          </a:prstGeom>
+          <a:noFill/>
+        </p:spPr>
+        <p:txBody>
+          <a:bodyPr wrap="square" rtlCol="0">
+            <a:spAutoFit/>
+          </a:bodyPr>
+          <a:lstStyle/>
+          <a:p>
+            <a:r>
+              <a:rPr lang="en-US" dirty="0"/>
+              <a:t>Los </a:t>
+            </a:r>
+            <a:r>
+              <a:rPr lang="en-US" dirty="0" err="1"/>
+              <a:t>modelos</a:t>
+            </a:r>
+            <a:r>
+              <a:rPr lang="en-US" dirty="0"/>
+              <a:t> </a:t>
+            </a:r>
+            <a:r>
+              <a:rPr lang="en-US" dirty="0" err="1"/>
+              <a:t>estadístico</a:t>
+            </a:r>
+            <a:r>
+              <a:rPr lang="en-US" dirty="0"/>
+              <a:t> </a:t>
+            </a:r>
+            <a:r>
+              <a:rPr lang="en-US" dirty="0" err="1"/>
+              <a:t>reflexivos</a:t>
+            </a:r>
+            <a:r>
+              <a:rPr lang="en-US" dirty="0"/>
+              <a:t> </a:t>
+            </a:r>
+            <a:r>
+              <a:rPr lang="en-US" dirty="0" err="1"/>
+              <a:t>proponen</a:t>
+            </a:r>
+            <a:r>
+              <a:rPr lang="en-US" dirty="0"/>
+              <a:t> que la </a:t>
+            </a:r>
+            <a:r>
+              <a:rPr lang="en-US" dirty="0" err="1"/>
+              <a:t>variaci</a:t>
+            </a:r>
+            <a:r>
+              <a:rPr lang="es-MX" dirty="0" err="1"/>
+              <a:t>ón</a:t>
+            </a:r>
+            <a:r>
+              <a:rPr lang="es-MX" dirty="0"/>
+              <a:t> observada tiene dos fuentes:</a:t>
+            </a:r>
+          </a:p>
+          <a:p>
+            <a:endParaRPr lang="es-MX" dirty="0"/>
+          </a:p>
+          <a:p>
+            <a:r>
+              <a:rPr lang="es-MX" dirty="0"/>
+              <a:t>La variabilidad atribuible (</a:t>
+            </a:r>
+            <a:r>
+              <a:rPr lang="el-GR" dirty="0">
+                <a:solidFill>
+                  <a:srgbClr val="FF0000"/>
+                </a:solidFill>
+                <a:latin typeface="Times New Roman" panose="02020603050405020304" pitchFamily="18" charset="0"/>
+                <a:cs typeface="Times New Roman" panose="02020603050405020304" pitchFamily="18" charset="0"/>
+              </a:rPr>
+              <a:t>λ</a:t>
+            </a:r>
+            <a:r>
+              <a:rPr lang="es-MX" dirty="0">
+                <a:solidFill>
+                  <a:srgbClr val="FF0000"/>
+                </a:solidFill>
+                <a:latin typeface="Times New Roman" panose="02020603050405020304" pitchFamily="18" charset="0"/>
+                <a:cs typeface="Times New Roman" panose="02020603050405020304" pitchFamily="18" charset="0"/>
+              </a:rPr>
+              <a:t>1-</a:t>
+            </a:r>
+            <a:r>
+              <a:rPr lang="el-GR" dirty="0">
+                <a:solidFill>
+                  <a:srgbClr val="FF0000"/>
+                </a:solidFill>
+                <a:latin typeface="Times New Roman" panose="02020603050405020304" pitchFamily="18" charset="0"/>
+                <a:cs typeface="Times New Roman" panose="02020603050405020304" pitchFamily="18" charset="0"/>
+              </a:rPr>
+              <a:t>λ</a:t>
+            </a:r>
+            <a:r>
+              <a:rPr lang="es-MX" dirty="0">
+                <a:solidFill>
+                  <a:srgbClr val="FF0000"/>
+                </a:solidFill>
+                <a:latin typeface="Times New Roman" panose="02020603050405020304" pitchFamily="18" charset="0"/>
+                <a:cs typeface="Times New Roman" panose="02020603050405020304" pitchFamily="18" charset="0"/>
+              </a:rPr>
+              <a:t>6</a:t>
+            </a:r>
+            <a:r>
+              <a:rPr lang="es-MX" dirty="0"/>
+              <a:t>) del fenómeno de interés</a:t>
+            </a:r>
+          </a:p>
+          <a:p>
+            <a:endParaRPr lang="es-MX" dirty="0"/>
+          </a:p>
+          <a:p>
+            <a:r>
+              <a:rPr lang="es-MX" dirty="0"/>
+              <a:t>La variabilidad que no proviene del fenómeno de interés</a:t>
+            </a:r>
+          </a:p>
+          <a:p>
+            <a:endParaRPr lang="es-MX" dirty="0"/>
+          </a:p>
+          <a:p>
+            <a:r>
+              <a:rPr lang="es-MX" dirty="0"/>
+              <a:t>Error de medición: Toda aquella variabilidad que no es de nuestro interés </a:t>
+            </a:r>
+          </a:p>
+          <a:p>
+            <a:endParaRPr lang="es-MX" dirty="0"/>
+          </a:p>
+          <a:p>
+            <a:r>
+              <a:rPr lang="es-MX" dirty="0"/>
+              <a:t>Si el error es 100%, la variación es atribuible a la suerte. La probabilidad de ser pobre dados los indicadores es 50%</a:t>
+            </a:r>
+          </a:p>
+        </p:txBody>
+      </p:sp>
+      <p:sp>
+        <p:nvSpPr>
+          <p:cNvPr id="45" name="TextBox 44">
+            <a:extLst>
+              <a:ext uri="{FF2B5EF4-FFF2-40B4-BE49-F238E27FC236}">
+                <a16:creationId xmlns:a16="http://schemas.microsoft.com/office/drawing/2014/main" id="{EB21E6E5-458A-7933-25BE-8CEB6D8BB7CE}"/>
+              </a:ext>
+            </a:extLst>
+          </p:cNvPr>
+          <p:cNvSpPr txBox="1"/>
+          <p:nvPr/>
+        </p:nvSpPr>
+        <p:spPr>
+          <a:xfrm>
+            <a:off x="1682351" y="3339101"/>
+            <a:ext cx="446540" cy="369332"/>
+          </a:xfrm>
+          <a:prstGeom prst="rect">
+            <a:avLst/>
+          </a:prstGeom>
+          <a:noFill/>
+        </p:spPr>
+        <p:txBody>
+          <a:bodyPr wrap="square" rtlCol="0">
+            <a:spAutoFit/>
+          </a:bodyPr>
+          <a:lstStyle/>
+          <a:p>
+            <a:r>
+              <a:rPr lang="el-GR" dirty="0">
+                <a:solidFill>
+                  <a:srgbClr val="FF0000"/>
+                </a:solidFill>
+                <a:latin typeface="Times New Roman" panose="02020603050405020304" pitchFamily="18" charset="0"/>
+                <a:cs typeface="Times New Roman" panose="02020603050405020304" pitchFamily="18" charset="0"/>
+              </a:rPr>
+              <a:t>λ</a:t>
+            </a:r>
+            <a:r>
+              <a:rPr lang="es-MX" dirty="0">
+                <a:solidFill>
+                  <a:srgbClr val="FF0000"/>
+                </a:solidFill>
+                <a:latin typeface="Times New Roman" panose="02020603050405020304" pitchFamily="18" charset="0"/>
+                <a:cs typeface="Times New Roman" panose="02020603050405020304" pitchFamily="18" charset="0"/>
+              </a:rPr>
+              <a:t>1</a:t>
+            </a:r>
+            <a:endParaRPr lang="en-GB" dirty="0">
+              <a:solidFill>
+                <a:srgbClr val="FF0000"/>
+              </a:solidFill>
+            </a:endParaRPr>
+          </a:p>
+        </p:txBody>
+      </p:sp>
+      <p:sp>
+        <p:nvSpPr>
+          <p:cNvPr id="46" name="TextBox 45">
+            <a:extLst>
+              <a:ext uri="{FF2B5EF4-FFF2-40B4-BE49-F238E27FC236}">
+                <a16:creationId xmlns:a16="http://schemas.microsoft.com/office/drawing/2014/main" id="{EAA9E18D-F0A0-7125-787F-F5B120C29A51}"/>
+              </a:ext>
+            </a:extLst>
+          </p:cNvPr>
+          <p:cNvSpPr txBox="1"/>
+          <p:nvPr/>
+        </p:nvSpPr>
+        <p:spPr>
+          <a:xfrm>
+            <a:off x="4762462" y="3339101"/>
+            <a:ext cx="446540" cy="369332"/>
+          </a:xfrm>
+          <a:prstGeom prst="rect">
+            <a:avLst/>
+          </a:prstGeom>
+          <a:noFill/>
+        </p:spPr>
+        <p:txBody>
+          <a:bodyPr wrap="square" rtlCol="0">
+            <a:spAutoFit/>
+          </a:bodyPr>
+          <a:lstStyle/>
+          <a:p>
+            <a:r>
+              <a:rPr lang="el-GR" dirty="0">
+                <a:solidFill>
+                  <a:srgbClr val="FF0000"/>
+                </a:solidFill>
+                <a:latin typeface="Times New Roman" panose="02020603050405020304" pitchFamily="18" charset="0"/>
+                <a:cs typeface="Times New Roman" panose="02020603050405020304" pitchFamily="18" charset="0"/>
+              </a:rPr>
+              <a:t>λ</a:t>
+            </a:r>
+            <a:r>
+              <a:rPr lang="es-MX" dirty="0">
+                <a:solidFill>
+                  <a:srgbClr val="FF0000"/>
+                </a:solidFill>
+                <a:latin typeface="Times New Roman" panose="02020603050405020304" pitchFamily="18" charset="0"/>
+                <a:cs typeface="Times New Roman" panose="02020603050405020304" pitchFamily="18" charset="0"/>
+              </a:rPr>
+              <a:t>6</a:t>
+            </a:r>
+            <a:endParaRPr lang="en-GB" dirty="0">
+              <a:solidFill>
+                <a:srgbClr val="FF0000"/>
+              </a:solidFill>
+            </a:endParaRPr>
+          </a:p>
+        </p:txBody>
+      </p:sp>
+      <p:sp>
+        <p:nvSpPr>
+          <p:cNvPr id="47" name="Oval 46">
+            <a:extLst>
+              <a:ext uri="{FF2B5EF4-FFF2-40B4-BE49-F238E27FC236}">
+                <a16:creationId xmlns:a16="http://schemas.microsoft.com/office/drawing/2014/main" id="{75CC9199-74EA-322A-1B82-6DEB0A5F7DB0}"/>
+              </a:ext>
+            </a:extLst>
+          </p:cNvPr>
+          <p:cNvSpPr/>
+          <p:nvPr/>
+        </p:nvSpPr>
+        <p:spPr>
+          <a:xfrm>
+            <a:off x="1163977" y="3123344"/>
+            <a:ext cx="4521955" cy="760287"/>
+          </a:xfrm>
+          <a:prstGeom prst="ellipse">
+            <a:avLst/>
+          </a:prstGeom>
+          <a:noFill/>
+        </p:spPr>
+        <p:style>
+          <a:lnRef idx="2">
+            <a:schemeClr val="accent2"/>
+          </a:lnRef>
+          <a:fillRef idx="1">
+            <a:schemeClr val="lt1"/>
+          </a:fillRef>
+          <a:effectRef idx="0">
+            <a:schemeClr val="accent2"/>
+          </a:effectRef>
+          <a:fontRef idx="minor">
+            <a:schemeClr val="dk1"/>
+          </a:fontRef>
+        </p:style>
+        <p:txBody>
+          <a:bodyPr rtlCol="0" anchor="ctr"/>
+          <a:lstStyle/>
+          <a:p>
+            <a:pPr algn="ctr"/>
+            <a:endParaRPr lang="en-GB"/>
+          </a:p>
+        </p:txBody>
+      </p:sp>
+      <p:sp>
+        <p:nvSpPr>
+          <p:cNvPr id="48" name="Oval 47">
+            <a:extLst>
+              <a:ext uri="{FF2B5EF4-FFF2-40B4-BE49-F238E27FC236}">
+                <a16:creationId xmlns:a16="http://schemas.microsoft.com/office/drawing/2014/main" id="{BA768F63-C175-0CA8-2605-A43C776D9700}"/>
+              </a:ext>
+            </a:extLst>
+          </p:cNvPr>
+          <p:cNvSpPr/>
+          <p:nvPr/>
+        </p:nvSpPr>
+        <p:spPr>
+          <a:xfrm>
+            <a:off x="578490" y="5067996"/>
+            <a:ext cx="5790528" cy="949236"/>
+          </a:xfrm>
+          <a:prstGeom prst="ellipse">
+            <a:avLst/>
+          </a:prstGeom>
+          <a:noFill/>
+          <a:ln>
+            <a:solidFill>
+              <a:schemeClr val="accent5">
+                <a:lumMod val="75000"/>
+              </a:schemeClr>
+            </a:solidFill>
+          </a:ln>
+        </p:spPr>
+        <p:style>
+          <a:lnRef idx="2">
+            <a:schemeClr val="accent2"/>
+          </a:lnRef>
+          <a:fillRef idx="1">
+            <a:schemeClr val="lt1"/>
+          </a:fillRef>
+          <a:effectRef idx="0">
+            <a:schemeClr val="accent2"/>
+          </a:effectRef>
+          <a:fontRef idx="minor">
+            <a:schemeClr val="dk1"/>
+          </a:fontRef>
+        </p:style>
+        <p:txBody>
+          <a:bodyPr rtlCol="0" anchor="ctr"/>
+          <a:lstStyle/>
+          <a:p>
+            <a:pPr algn="ctr"/>
+            <a:endParaRPr lang="en-GB" dirty="0"/>
+          </a:p>
+        </p:txBody>
+      </p:sp>
     </p:spTree>
     <p:extLst>
       <p:ext uri="{BB962C8B-B14F-4D97-AF65-F5344CB8AC3E}">
-        <p14:creationId xmlns:p14="http://schemas.microsoft.com/office/powerpoint/2010/main" val="1804762392"/>
+        <p14:creationId xmlns:p14="http://schemas.microsoft.com/office/powerpoint/2010/main" val="4089815280"/>
       </p:ext>
     </p:extLst>
   </p:cSld>
   <p:clrMapOvr>
     <a:masterClrMapping/>
   </p:clrMapOvr>
+  <p:timing>
+    <p:tnLst>
+      <p:par>
+        <p:cTn id="1" dur="indefinite" restart="never" nodeType="tmRoot">
+          <p:childTnLst>
+            <p:seq concurrent="1" nextAc="seek">
+              <p:cTn id="2" dur="indefinite" nodeType="mainSeq">
+                <p:childTnLst>
+                  <p:par>
+                    <p:cTn id="3" fill="hold">
+                      <p:stCondLst>
+                        <p:cond delay="indefinite"/>
+                      </p:stCondLst>
+                      <p:childTnLst>
+                        <p:par>
+                          <p:cTn id="4" fill="hold">
+                            <p:stCondLst>
+                              <p:cond delay="0"/>
+                            </p:stCondLst>
+                            <p:childTnLst>
+                              <p:par>
+                                <p:cTn id="5" presetID="2" presetClass="entr" presetSubtype="4" fill="hold" grpId="0" nodeType="clickEffect">
+                                  <p:stCondLst>
+                                    <p:cond delay="0"/>
+                                  </p:stCondLst>
+                                  <p:childTnLst>
+                                    <p:set>
+                                      <p:cBhvr>
+                                        <p:cTn id="6" dur="1" fill="hold">
+                                          <p:stCondLst>
+                                            <p:cond delay="0"/>
+                                          </p:stCondLst>
+                                        </p:cTn>
+                                        <p:tgtEl>
+                                          <p:spTgt spid="47"/>
+                                        </p:tgtEl>
+                                        <p:attrNameLst>
+                                          <p:attrName>style.visibility</p:attrName>
+                                        </p:attrNameLst>
+                                      </p:cBhvr>
+                                      <p:to>
+                                        <p:strVal val="visible"/>
+                                      </p:to>
+                                    </p:set>
+                                    <p:anim calcmode="lin" valueType="num">
+                                      <p:cBhvr additive="base">
+                                        <p:cTn id="7" dur="500" fill="hold"/>
+                                        <p:tgtEl>
+                                          <p:spTgt spid="47"/>
+                                        </p:tgtEl>
+                                        <p:attrNameLst>
+                                          <p:attrName>ppt_x</p:attrName>
+                                        </p:attrNameLst>
+                                      </p:cBhvr>
+                                      <p:tavLst>
+                                        <p:tav tm="0">
+                                          <p:val>
+                                            <p:strVal val="#ppt_x"/>
+                                          </p:val>
+                                        </p:tav>
+                                        <p:tav tm="100000">
+                                          <p:val>
+                                            <p:strVal val="#ppt_x"/>
+                                          </p:val>
+                                        </p:tav>
+                                      </p:tavLst>
+                                    </p:anim>
+                                    <p:anim calcmode="lin" valueType="num">
+                                      <p:cBhvr additive="base">
+                                        <p:cTn id="8" dur="500" fill="hold"/>
+                                        <p:tgtEl>
+                                          <p:spTgt spid="47"/>
+                                        </p:tgtEl>
+                                        <p:attrNameLst>
+                                          <p:attrName>ppt_y</p:attrName>
+                                        </p:attrNameLst>
+                                      </p:cBhvr>
+                                      <p:tavLst>
+                                        <p:tav tm="0">
+                                          <p:val>
+                                            <p:strVal val="1+#ppt_h/2"/>
+                                          </p:val>
+                                        </p:tav>
+                                        <p:tav tm="100000">
+                                          <p:val>
+                                            <p:strVal val="#ppt_y"/>
+                                          </p:val>
+                                        </p:tav>
+                                      </p:tavLst>
+                                    </p:anim>
+                                  </p:childTnLst>
+                                </p:cTn>
+                              </p:par>
+                            </p:childTnLst>
+                          </p:cTn>
+                        </p:par>
+                      </p:childTnLst>
+                    </p:cTn>
+                  </p:par>
+                  <p:par>
+                    <p:cTn id="9" fill="hold">
+                      <p:stCondLst>
+                        <p:cond delay="indefinite"/>
+                      </p:stCondLst>
+                      <p:childTnLst>
+                        <p:par>
+                          <p:cTn id="10" fill="hold">
+                            <p:stCondLst>
+                              <p:cond delay="0"/>
+                            </p:stCondLst>
+                            <p:childTnLst>
+                              <p:par>
+                                <p:cTn id="11" presetID="2" presetClass="entr" presetSubtype="4" fill="hold" grpId="0" nodeType="clickEffect">
+                                  <p:stCondLst>
+                                    <p:cond delay="0"/>
+                                  </p:stCondLst>
+                                  <p:childTnLst>
+                                    <p:set>
+                                      <p:cBhvr>
+                                        <p:cTn id="12" dur="1" fill="hold">
+                                          <p:stCondLst>
+                                            <p:cond delay="0"/>
+                                          </p:stCondLst>
+                                        </p:cTn>
+                                        <p:tgtEl>
+                                          <p:spTgt spid="48"/>
+                                        </p:tgtEl>
+                                        <p:attrNameLst>
+                                          <p:attrName>style.visibility</p:attrName>
+                                        </p:attrNameLst>
+                                      </p:cBhvr>
+                                      <p:to>
+                                        <p:strVal val="visible"/>
+                                      </p:to>
+                                    </p:set>
+                                    <p:anim calcmode="lin" valueType="num">
+                                      <p:cBhvr additive="base">
+                                        <p:cTn id="13" dur="500" fill="hold"/>
+                                        <p:tgtEl>
+                                          <p:spTgt spid="48"/>
+                                        </p:tgtEl>
+                                        <p:attrNameLst>
+                                          <p:attrName>ppt_x</p:attrName>
+                                        </p:attrNameLst>
+                                      </p:cBhvr>
+                                      <p:tavLst>
+                                        <p:tav tm="0">
+                                          <p:val>
+                                            <p:strVal val="#ppt_x"/>
+                                          </p:val>
+                                        </p:tav>
+                                        <p:tav tm="100000">
+                                          <p:val>
+                                            <p:strVal val="#ppt_x"/>
+                                          </p:val>
+                                        </p:tav>
+                                      </p:tavLst>
+                                    </p:anim>
+                                    <p:anim calcmode="lin" valueType="num">
+                                      <p:cBhvr additive="base">
+                                        <p:cTn id="14" dur="500" fill="hold"/>
+                                        <p:tgtEl>
+                                          <p:spTgt spid="48"/>
+                                        </p:tgtEl>
+                                        <p:attrNameLst>
+                                          <p:attrName>ppt_y</p:attrName>
+                                        </p:attrNameLst>
+                                      </p:cBhvr>
+                                      <p:tavLst>
+                                        <p:tav tm="0">
+                                          <p:val>
+                                            <p:strVal val="1+#ppt_h/2"/>
+                                          </p:val>
+                                        </p:tav>
+                                        <p:tav tm="100000">
+                                          <p:val>
+                                            <p:strVal val="#ppt_y"/>
+                                          </p:val>
+                                        </p:tav>
+                                      </p:tavLst>
+                                    </p:anim>
+                                  </p:childTnLst>
+                                </p:cTn>
+                              </p:par>
+                            </p:childTnLst>
+                          </p:cTn>
+                        </p:par>
+                      </p:childTnLst>
+                    </p:cTn>
+                  </p:par>
+                </p:childTnLst>
+              </p:cTn>
+              <p:prevCondLst>
+                <p:cond evt="onPrev" delay="0">
+                  <p:tgtEl>
+                    <p:sldTgt/>
+                  </p:tgtEl>
+                </p:cond>
+              </p:prevCondLst>
+              <p:nextCondLst>
+                <p:cond evt="onNext" delay="0">
+                  <p:tgtEl>
+                    <p:sldTgt/>
+                  </p:tgtEl>
+                </p:cond>
+              </p:nextCondLst>
+            </p:seq>
+          </p:childTnLst>
+        </p:cTn>
+      </p:par>
+    </p:tnLst>
+    <p:bldLst>
+      <p:bldP spid="47" grpId="0" animBg="1"/>
+      <p:bldP spid="48" grpId="0" animBg="1"/>
+    </p:bldLst>
+  </p:timing>
 </p:sld>
 </file>
 
@@ -7059,7 +9361,7 @@
         <p:cNvPr id="1" name="">
           <a:extLst>
             <a:ext uri="{FF2B5EF4-FFF2-40B4-BE49-F238E27FC236}">
-              <a16:creationId xmlns:a16="http://schemas.microsoft.com/office/drawing/2014/main" id="{42E93DC7-342C-9839-56FA-12F8741462D3}"/>
+              <a16:creationId xmlns:a16="http://schemas.microsoft.com/office/drawing/2014/main" id="{41735BA3-0E3B-608B-8617-81B8170D1CE2}"/>
             </a:ext>
           </a:extLst>
         </p:cNvPr>
@@ -7079,7 +9381,7 @@
           <p:cNvPr id="2" name="Title 1">
             <a:extLst>
               <a:ext uri="{FF2B5EF4-FFF2-40B4-BE49-F238E27FC236}">
-                <a16:creationId xmlns:a16="http://schemas.microsoft.com/office/drawing/2014/main" id="{7784A05C-1ABC-B25E-1945-FCF4B7F0A283}"/>
+                <a16:creationId xmlns:a16="http://schemas.microsoft.com/office/drawing/2014/main" id="{CF181C10-983A-09E4-6689-11665CECCF34}"/>
               </a:ext>
             </a:extLst>
           </p:cNvPr>
@@ -7096,19 +9398,1343 @@
           <a:lstStyle/>
           <a:p>
             <a:r>
+              <a:rPr lang="en-US" dirty="0" err="1"/>
+              <a:t>Confiabilidad</a:t>
+            </a:r>
+            <a:endParaRPr lang="en-GB" dirty="0"/>
+          </a:p>
+        </p:txBody>
+      </p:sp>
+      <p:sp>
+        <p:nvSpPr>
+          <p:cNvPr id="4" name="Oval 3">
+            <a:extLst>
+              <a:ext uri="{FF2B5EF4-FFF2-40B4-BE49-F238E27FC236}">
+                <a16:creationId xmlns:a16="http://schemas.microsoft.com/office/drawing/2014/main" id="{1076B8DD-FF44-D7C0-9C80-1B442623DC3A}"/>
+              </a:ext>
+            </a:extLst>
+          </p:cNvPr>
+          <p:cNvSpPr/>
+          <p:nvPr/>
+        </p:nvSpPr>
+        <p:spPr>
+          <a:xfrm>
+            <a:off x="2527443" y="1641395"/>
+            <a:ext cx="1818526" cy="1325562"/>
+          </a:xfrm>
+          <a:prstGeom prst="ellipse">
+            <a:avLst/>
+          </a:prstGeom>
+        </p:spPr>
+        <p:style>
+          <a:lnRef idx="2">
+            <a:schemeClr val="dk1"/>
+          </a:lnRef>
+          <a:fillRef idx="1">
+            <a:schemeClr val="lt1"/>
+          </a:fillRef>
+          <a:effectRef idx="0">
+            <a:schemeClr val="dk1"/>
+          </a:effectRef>
+          <a:fontRef idx="minor">
+            <a:schemeClr val="dk1"/>
+          </a:fontRef>
+        </p:style>
+        <p:txBody>
+          <a:bodyPr rtlCol="0" anchor="ctr"/>
+          <a:lstStyle/>
+          <a:p>
+            <a:pPr algn="ctr"/>
+            <a:r>
+              <a:rPr lang="en-US" dirty="0" err="1"/>
+              <a:t>Pobreza</a:t>
+            </a:r>
+            <a:endParaRPr lang="en-GB" dirty="0"/>
+          </a:p>
+        </p:txBody>
+      </p:sp>
+      <p:sp>
+        <p:nvSpPr>
+          <p:cNvPr id="5" name="Rectangle 4">
+            <a:extLst>
+              <a:ext uri="{FF2B5EF4-FFF2-40B4-BE49-F238E27FC236}">
+                <a16:creationId xmlns:a16="http://schemas.microsoft.com/office/drawing/2014/main" id="{DB18E065-516E-0DD8-FD31-E0EDCC0E3CDD}"/>
+              </a:ext>
+            </a:extLst>
+          </p:cNvPr>
+          <p:cNvSpPr/>
+          <p:nvPr/>
+        </p:nvSpPr>
+        <p:spPr>
+          <a:xfrm>
+            <a:off x="838200" y="4243227"/>
+            <a:ext cx="651553" cy="698643"/>
+          </a:xfrm>
+          <a:prstGeom prst="rect">
+            <a:avLst/>
+          </a:prstGeom>
+        </p:spPr>
+        <p:style>
+          <a:lnRef idx="2">
+            <a:schemeClr val="dk1"/>
+          </a:lnRef>
+          <a:fillRef idx="1">
+            <a:schemeClr val="lt1"/>
+          </a:fillRef>
+          <a:effectRef idx="0">
+            <a:schemeClr val="dk1"/>
+          </a:effectRef>
+          <a:fontRef idx="minor">
+            <a:schemeClr val="dk1"/>
+          </a:fontRef>
+        </p:style>
+        <p:txBody>
+          <a:bodyPr rtlCol="0" anchor="ctr"/>
+          <a:lstStyle/>
+          <a:p>
+            <a:pPr algn="ctr"/>
+            <a:r>
+              <a:rPr lang="en-US" dirty="0"/>
+              <a:t>X1</a:t>
+            </a:r>
+            <a:endParaRPr lang="en-GB" dirty="0"/>
+          </a:p>
+        </p:txBody>
+      </p:sp>
+      <p:sp>
+        <p:nvSpPr>
+          <p:cNvPr id="6" name="Rectangle 5">
+            <a:extLst>
+              <a:ext uri="{FF2B5EF4-FFF2-40B4-BE49-F238E27FC236}">
+                <a16:creationId xmlns:a16="http://schemas.microsoft.com/office/drawing/2014/main" id="{4404EFAA-A05A-7CFE-B1A0-7AFC8A967F01}"/>
+              </a:ext>
+            </a:extLst>
+          </p:cNvPr>
+          <p:cNvSpPr/>
+          <p:nvPr/>
+        </p:nvSpPr>
+        <p:spPr>
+          <a:xfrm>
+            <a:off x="1763731" y="4243227"/>
+            <a:ext cx="651553" cy="698643"/>
+          </a:xfrm>
+          <a:prstGeom prst="rect">
+            <a:avLst/>
+          </a:prstGeom>
+        </p:spPr>
+        <p:style>
+          <a:lnRef idx="2">
+            <a:schemeClr val="dk1"/>
+          </a:lnRef>
+          <a:fillRef idx="1">
+            <a:schemeClr val="lt1"/>
+          </a:fillRef>
+          <a:effectRef idx="0">
+            <a:schemeClr val="dk1"/>
+          </a:effectRef>
+          <a:fontRef idx="minor">
+            <a:schemeClr val="dk1"/>
+          </a:fontRef>
+        </p:style>
+        <p:txBody>
+          <a:bodyPr rtlCol="0" anchor="ctr"/>
+          <a:lstStyle/>
+          <a:p>
+            <a:pPr algn="ctr"/>
+            <a:r>
+              <a:rPr lang="en-US" dirty="0"/>
+              <a:t>X2</a:t>
+            </a:r>
+            <a:endParaRPr lang="en-GB" dirty="0"/>
+          </a:p>
+        </p:txBody>
+      </p:sp>
+      <p:sp>
+        <p:nvSpPr>
+          <p:cNvPr id="7" name="Rectangle 6">
+            <a:extLst>
+              <a:ext uri="{FF2B5EF4-FFF2-40B4-BE49-F238E27FC236}">
+                <a16:creationId xmlns:a16="http://schemas.microsoft.com/office/drawing/2014/main" id="{AF129DFC-5DEC-CC71-AB4E-653F6A4254E0}"/>
+              </a:ext>
+            </a:extLst>
+          </p:cNvPr>
+          <p:cNvSpPr/>
+          <p:nvPr/>
+        </p:nvSpPr>
+        <p:spPr>
+          <a:xfrm>
+            <a:off x="2689262" y="4243227"/>
+            <a:ext cx="651553" cy="698643"/>
+          </a:xfrm>
+          <a:prstGeom prst="rect">
+            <a:avLst/>
+          </a:prstGeom>
+        </p:spPr>
+        <p:style>
+          <a:lnRef idx="2">
+            <a:schemeClr val="dk1"/>
+          </a:lnRef>
+          <a:fillRef idx="1">
+            <a:schemeClr val="lt1"/>
+          </a:fillRef>
+          <a:effectRef idx="0">
+            <a:schemeClr val="dk1"/>
+          </a:effectRef>
+          <a:fontRef idx="minor">
+            <a:schemeClr val="dk1"/>
+          </a:fontRef>
+        </p:style>
+        <p:txBody>
+          <a:bodyPr rtlCol="0" anchor="ctr"/>
+          <a:lstStyle/>
+          <a:p>
+            <a:pPr algn="ctr"/>
+            <a:r>
+              <a:rPr lang="en-US" dirty="0"/>
+              <a:t>X3</a:t>
+            </a:r>
+            <a:endParaRPr lang="en-GB" dirty="0"/>
+          </a:p>
+        </p:txBody>
+      </p:sp>
+      <p:sp>
+        <p:nvSpPr>
+          <p:cNvPr id="8" name="Rectangle 7">
+            <a:extLst>
+              <a:ext uri="{FF2B5EF4-FFF2-40B4-BE49-F238E27FC236}">
+                <a16:creationId xmlns:a16="http://schemas.microsoft.com/office/drawing/2014/main" id="{6A95657C-0FAE-DE0B-FD79-23E4AC7BE5A1}"/>
+              </a:ext>
+            </a:extLst>
+          </p:cNvPr>
+          <p:cNvSpPr/>
+          <p:nvPr/>
+        </p:nvSpPr>
+        <p:spPr>
+          <a:xfrm>
+            <a:off x="3575410" y="4243227"/>
+            <a:ext cx="651553" cy="698643"/>
+          </a:xfrm>
+          <a:prstGeom prst="rect">
+            <a:avLst/>
+          </a:prstGeom>
+        </p:spPr>
+        <p:style>
+          <a:lnRef idx="2">
+            <a:schemeClr val="dk1"/>
+          </a:lnRef>
+          <a:fillRef idx="1">
+            <a:schemeClr val="lt1"/>
+          </a:fillRef>
+          <a:effectRef idx="0">
+            <a:schemeClr val="dk1"/>
+          </a:effectRef>
+          <a:fontRef idx="minor">
+            <a:schemeClr val="dk1"/>
+          </a:fontRef>
+        </p:style>
+        <p:txBody>
+          <a:bodyPr rtlCol="0" anchor="ctr"/>
+          <a:lstStyle/>
+          <a:p>
+            <a:pPr algn="ctr"/>
+            <a:r>
+              <a:rPr lang="en-US" dirty="0"/>
+              <a:t>X4</a:t>
+            </a:r>
+            <a:endParaRPr lang="en-GB" dirty="0"/>
+          </a:p>
+        </p:txBody>
+      </p:sp>
+      <p:sp>
+        <p:nvSpPr>
+          <p:cNvPr id="9" name="Rectangle 8">
+            <a:extLst>
+              <a:ext uri="{FF2B5EF4-FFF2-40B4-BE49-F238E27FC236}">
+                <a16:creationId xmlns:a16="http://schemas.microsoft.com/office/drawing/2014/main" id="{07905128-B8E3-58E9-9607-9EC3CB4297E6}"/>
+              </a:ext>
+            </a:extLst>
+          </p:cNvPr>
+          <p:cNvSpPr/>
+          <p:nvPr/>
+        </p:nvSpPr>
+        <p:spPr>
+          <a:xfrm>
+            <a:off x="4461558" y="4243227"/>
+            <a:ext cx="651553" cy="698643"/>
+          </a:xfrm>
+          <a:prstGeom prst="rect">
+            <a:avLst/>
+          </a:prstGeom>
+        </p:spPr>
+        <p:style>
+          <a:lnRef idx="2">
+            <a:schemeClr val="dk1"/>
+          </a:lnRef>
+          <a:fillRef idx="1">
+            <a:schemeClr val="lt1"/>
+          </a:fillRef>
+          <a:effectRef idx="0">
+            <a:schemeClr val="dk1"/>
+          </a:effectRef>
+          <a:fontRef idx="minor">
+            <a:schemeClr val="dk1"/>
+          </a:fontRef>
+        </p:style>
+        <p:txBody>
+          <a:bodyPr rtlCol="0" anchor="ctr"/>
+          <a:lstStyle/>
+          <a:p>
+            <a:pPr algn="ctr"/>
+            <a:r>
+              <a:rPr lang="en-US" dirty="0"/>
+              <a:t>X5</a:t>
+            </a:r>
+            <a:endParaRPr lang="en-GB" dirty="0"/>
+          </a:p>
+        </p:txBody>
+      </p:sp>
+      <p:sp>
+        <p:nvSpPr>
+          <p:cNvPr id="10" name="Rectangle 9">
+            <a:extLst>
+              <a:ext uri="{FF2B5EF4-FFF2-40B4-BE49-F238E27FC236}">
+                <a16:creationId xmlns:a16="http://schemas.microsoft.com/office/drawing/2014/main" id="{E49F4A06-09BC-3DDD-F965-ECBEEDECFA2F}"/>
+              </a:ext>
+            </a:extLst>
+          </p:cNvPr>
+          <p:cNvSpPr/>
+          <p:nvPr/>
+        </p:nvSpPr>
+        <p:spPr>
+          <a:xfrm>
+            <a:off x="5379383" y="4243227"/>
+            <a:ext cx="651553" cy="698643"/>
+          </a:xfrm>
+          <a:prstGeom prst="rect">
+            <a:avLst/>
+          </a:prstGeom>
+        </p:spPr>
+        <p:style>
+          <a:lnRef idx="2">
+            <a:schemeClr val="dk1"/>
+          </a:lnRef>
+          <a:fillRef idx="1">
+            <a:schemeClr val="lt1"/>
+          </a:fillRef>
+          <a:effectRef idx="0">
+            <a:schemeClr val="dk1"/>
+          </a:effectRef>
+          <a:fontRef idx="minor">
+            <a:schemeClr val="dk1"/>
+          </a:fontRef>
+        </p:style>
+        <p:txBody>
+          <a:bodyPr rtlCol="0" anchor="ctr"/>
+          <a:lstStyle/>
+          <a:p>
+            <a:pPr algn="ctr"/>
+            <a:r>
+              <a:rPr lang="en-US" dirty="0"/>
+              <a:t>X6</a:t>
+            </a:r>
+            <a:endParaRPr lang="en-GB" dirty="0"/>
+          </a:p>
+        </p:txBody>
+      </p:sp>
+      <p:cxnSp>
+        <p:nvCxnSpPr>
+          <p:cNvPr id="12" name="Straight Arrow Connector 11">
+            <a:extLst>
+              <a:ext uri="{FF2B5EF4-FFF2-40B4-BE49-F238E27FC236}">
+                <a16:creationId xmlns:a16="http://schemas.microsoft.com/office/drawing/2014/main" id="{B08B2EB2-EF25-F789-1278-8914A95AD2B6}"/>
+              </a:ext>
+            </a:extLst>
+          </p:cNvPr>
+          <p:cNvCxnSpPr>
+            <a:stCxn id="4" idx="4"/>
+            <a:endCxn id="5" idx="0"/>
+          </p:cNvCxnSpPr>
+          <p:nvPr/>
+        </p:nvCxnSpPr>
+        <p:spPr>
+          <a:xfrm flipH="1">
+            <a:off x="1163977" y="2966957"/>
+            <a:ext cx="2272729" cy="1276270"/>
+          </a:xfrm>
+          <a:prstGeom prst="straightConnector1">
+            <a:avLst/>
+          </a:prstGeom>
+          <a:ln>
+            <a:tailEnd type="triangle"/>
+          </a:ln>
+        </p:spPr>
+        <p:style>
+          <a:lnRef idx="2">
+            <a:schemeClr val="dk1"/>
+          </a:lnRef>
+          <a:fillRef idx="0">
+            <a:schemeClr val="dk1"/>
+          </a:fillRef>
+          <a:effectRef idx="1">
+            <a:schemeClr val="dk1"/>
+          </a:effectRef>
+          <a:fontRef idx="minor">
+            <a:schemeClr val="tx1"/>
+          </a:fontRef>
+        </p:style>
+      </p:cxnSp>
+      <p:cxnSp>
+        <p:nvCxnSpPr>
+          <p:cNvPr id="14" name="Straight Arrow Connector 13">
+            <a:extLst>
+              <a:ext uri="{FF2B5EF4-FFF2-40B4-BE49-F238E27FC236}">
+                <a16:creationId xmlns:a16="http://schemas.microsoft.com/office/drawing/2014/main" id="{2E405EA0-3D7E-E7A3-463B-5ED2BF3D3990}"/>
+              </a:ext>
+            </a:extLst>
+          </p:cNvPr>
+          <p:cNvCxnSpPr>
+            <a:stCxn id="4" idx="4"/>
+            <a:endCxn id="6" idx="0"/>
+          </p:cNvCxnSpPr>
+          <p:nvPr/>
+        </p:nvCxnSpPr>
+        <p:spPr>
+          <a:xfrm flipH="1">
+            <a:off x="2089508" y="2966957"/>
+            <a:ext cx="1347198" cy="1276270"/>
+          </a:xfrm>
+          <a:prstGeom prst="straightConnector1">
+            <a:avLst/>
+          </a:prstGeom>
+          <a:ln>
+            <a:tailEnd type="triangle"/>
+          </a:ln>
+        </p:spPr>
+        <p:style>
+          <a:lnRef idx="2">
+            <a:schemeClr val="dk1"/>
+          </a:lnRef>
+          <a:fillRef idx="0">
+            <a:schemeClr val="dk1"/>
+          </a:fillRef>
+          <a:effectRef idx="1">
+            <a:schemeClr val="dk1"/>
+          </a:effectRef>
+          <a:fontRef idx="minor">
+            <a:schemeClr val="tx1"/>
+          </a:fontRef>
+        </p:style>
+      </p:cxnSp>
+      <p:cxnSp>
+        <p:nvCxnSpPr>
+          <p:cNvPr id="16" name="Straight Arrow Connector 15">
+            <a:extLst>
+              <a:ext uri="{FF2B5EF4-FFF2-40B4-BE49-F238E27FC236}">
+                <a16:creationId xmlns:a16="http://schemas.microsoft.com/office/drawing/2014/main" id="{98AE5273-48E9-2AB1-F9DB-62BF9ECF2986}"/>
+              </a:ext>
+            </a:extLst>
+          </p:cNvPr>
+          <p:cNvCxnSpPr>
+            <a:stCxn id="4" idx="4"/>
+            <a:endCxn id="7" idx="0"/>
+          </p:cNvCxnSpPr>
+          <p:nvPr/>
+        </p:nvCxnSpPr>
+        <p:spPr>
+          <a:xfrm flipH="1">
+            <a:off x="3015039" y="2966957"/>
+            <a:ext cx="421667" cy="1276270"/>
+          </a:xfrm>
+          <a:prstGeom prst="straightConnector1">
+            <a:avLst/>
+          </a:prstGeom>
+          <a:ln>
+            <a:tailEnd type="triangle"/>
+          </a:ln>
+        </p:spPr>
+        <p:style>
+          <a:lnRef idx="2">
+            <a:schemeClr val="dk1"/>
+          </a:lnRef>
+          <a:fillRef idx="0">
+            <a:schemeClr val="dk1"/>
+          </a:fillRef>
+          <a:effectRef idx="1">
+            <a:schemeClr val="dk1"/>
+          </a:effectRef>
+          <a:fontRef idx="minor">
+            <a:schemeClr val="tx1"/>
+          </a:fontRef>
+        </p:style>
+      </p:cxnSp>
+      <p:cxnSp>
+        <p:nvCxnSpPr>
+          <p:cNvPr id="18" name="Straight Arrow Connector 17">
+            <a:extLst>
+              <a:ext uri="{FF2B5EF4-FFF2-40B4-BE49-F238E27FC236}">
+                <a16:creationId xmlns:a16="http://schemas.microsoft.com/office/drawing/2014/main" id="{D90EF7D3-96A1-6003-429C-9D0E45B71D60}"/>
+              </a:ext>
+            </a:extLst>
+          </p:cNvPr>
+          <p:cNvCxnSpPr>
+            <a:stCxn id="4" idx="4"/>
+            <a:endCxn id="8" idx="0"/>
+          </p:cNvCxnSpPr>
+          <p:nvPr/>
+        </p:nvCxnSpPr>
+        <p:spPr>
+          <a:xfrm>
+            <a:off x="3436706" y="2966957"/>
+            <a:ext cx="464481" cy="1276270"/>
+          </a:xfrm>
+          <a:prstGeom prst="straightConnector1">
+            <a:avLst/>
+          </a:prstGeom>
+          <a:ln>
+            <a:tailEnd type="triangle"/>
+          </a:ln>
+        </p:spPr>
+        <p:style>
+          <a:lnRef idx="2">
+            <a:schemeClr val="dk1"/>
+          </a:lnRef>
+          <a:fillRef idx="0">
+            <a:schemeClr val="dk1"/>
+          </a:fillRef>
+          <a:effectRef idx="1">
+            <a:schemeClr val="dk1"/>
+          </a:effectRef>
+          <a:fontRef idx="minor">
+            <a:schemeClr val="tx1"/>
+          </a:fontRef>
+        </p:style>
+      </p:cxnSp>
+      <p:cxnSp>
+        <p:nvCxnSpPr>
+          <p:cNvPr id="20" name="Straight Arrow Connector 19">
+            <a:extLst>
+              <a:ext uri="{FF2B5EF4-FFF2-40B4-BE49-F238E27FC236}">
+                <a16:creationId xmlns:a16="http://schemas.microsoft.com/office/drawing/2014/main" id="{A9D53BA1-C4AB-6182-C51C-009F79651884}"/>
+              </a:ext>
+            </a:extLst>
+          </p:cNvPr>
+          <p:cNvCxnSpPr>
+            <a:stCxn id="4" idx="4"/>
+            <a:endCxn id="9" idx="0"/>
+          </p:cNvCxnSpPr>
+          <p:nvPr/>
+        </p:nvCxnSpPr>
+        <p:spPr>
+          <a:xfrm>
+            <a:off x="3436706" y="2966957"/>
+            <a:ext cx="1350629" cy="1276270"/>
+          </a:xfrm>
+          <a:prstGeom prst="straightConnector1">
+            <a:avLst/>
+          </a:prstGeom>
+          <a:ln>
+            <a:tailEnd type="triangle"/>
+          </a:ln>
+        </p:spPr>
+        <p:style>
+          <a:lnRef idx="2">
+            <a:schemeClr val="dk1"/>
+          </a:lnRef>
+          <a:fillRef idx="0">
+            <a:schemeClr val="dk1"/>
+          </a:fillRef>
+          <a:effectRef idx="1">
+            <a:schemeClr val="dk1"/>
+          </a:effectRef>
+          <a:fontRef idx="minor">
+            <a:schemeClr val="tx1"/>
+          </a:fontRef>
+        </p:style>
+      </p:cxnSp>
+      <p:cxnSp>
+        <p:nvCxnSpPr>
+          <p:cNvPr id="22" name="Straight Arrow Connector 21">
+            <a:extLst>
+              <a:ext uri="{FF2B5EF4-FFF2-40B4-BE49-F238E27FC236}">
+                <a16:creationId xmlns:a16="http://schemas.microsoft.com/office/drawing/2014/main" id="{253748F2-5AFE-128C-AA6C-E02392A32DF1}"/>
+              </a:ext>
+            </a:extLst>
+          </p:cNvPr>
+          <p:cNvCxnSpPr>
+            <a:stCxn id="4" idx="4"/>
+            <a:endCxn id="10" idx="0"/>
+          </p:cNvCxnSpPr>
+          <p:nvPr/>
+        </p:nvCxnSpPr>
+        <p:spPr>
+          <a:xfrm>
+            <a:off x="3436706" y="2966957"/>
+            <a:ext cx="2268454" cy="1276270"/>
+          </a:xfrm>
+          <a:prstGeom prst="straightConnector1">
+            <a:avLst/>
+          </a:prstGeom>
+          <a:ln>
+            <a:tailEnd type="triangle"/>
+          </a:ln>
+        </p:spPr>
+        <p:style>
+          <a:lnRef idx="2">
+            <a:schemeClr val="dk1"/>
+          </a:lnRef>
+          <a:fillRef idx="0">
+            <a:schemeClr val="dk1"/>
+          </a:fillRef>
+          <a:effectRef idx="1">
+            <a:schemeClr val="dk1"/>
+          </a:effectRef>
+          <a:fontRef idx="minor">
+            <a:schemeClr val="tx1"/>
+          </a:fontRef>
+        </p:style>
+      </p:cxnSp>
+      <p:sp>
+        <p:nvSpPr>
+          <p:cNvPr id="23" name="Oval 22">
+            <a:extLst>
+              <a:ext uri="{FF2B5EF4-FFF2-40B4-BE49-F238E27FC236}">
+                <a16:creationId xmlns:a16="http://schemas.microsoft.com/office/drawing/2014/main" id="{E8C8BB0C-CF4E-8C98-67D8-F67FCC08EF53}"/>
+              </a:ext>
+            </a:extLst>
+          </p:cNvPr>
+          <p:cNvSpPr/>
+          <p:nvPr/>
+        </p:nvSpPr>
+        <p:spPr>
+          <a:xfrm>
+            <a:off x="923014" y="5318589"/>
+            <a:ext cx="482886" cy="359596"/>
+          </a:xfrm>
+          <a:prstGeom prst="ellipse">
+            <a:avLst/>
+          </a:prstGeom>
+        </p:spPr>
+        <p:style>
+          <a:lnRef idx="2">
+            <a:schemeClr val="dk1"/>
+          </a:lnRef>
+          <a:fillRef idx="1">
+            <a:schemeClr val="lt1"/>
+          </a:fillRef>
+          <a:effectRef idx="0">
+            <a:schemeClr val="dk1"/>
+          </a:effectRef>
+          <a:fontRef idx="minor">
+            <a:schemeClr val="dk1"/>
+          </a:fontRef>
+        </p:style>
+        <p:txBody>
+          <a:bodyPr rtlCol="0" anchor="ctr"/>
+          <a:lstStyle/>
+          <a:p>
+            <a:pPr algn="ctr"/>
+            <a:r>
+              <a:rPr lang="en-US" sz="1100" dirty="0"/>
+              <a:t>e1</a:t>
+            </a:r>
+            <a:endParaRPr lang="en-GB" sz="1100" dirty="0"/>
+          </a:p>
+        </p:txBody>
+      </p:sp>
+      <p:cxnSp>
+        <p:nvCxnSpPr>
+          <p:cNvPr id="33" name="Straight Arrow Connector 32">
+            <a:extLst>
+              <a:ext uri="{FF2B5EF4-FFF2-40B4-BE49-F238E27FC236}">
+                <a16:creationId xmlns:a16="http://schemas.microsoft.com/office/drawing/2014/main" id="{5CAE06AE-259F-A94E-E726-1EC4CA54D208}"/>
+              </a:ext>
+            </a:extLst>
+          </p:cNvPr>
+          <p:cNvCxnSpPr>
+            <a:stCxn id="23" idx="0"/>
+            <a:endCxn id="5" idx="2"/>
+          </p:cNvCxnSpPr>
+          <p:nvPr/>
+        </p:nvCxnSpPr>
+        <p:spPr>
+          <a:xfrm flipH="1" flipV="1">
+            <a:off x="1163977" y="4941870"/>
+            <a:ext cx="480" cy="376719"/>
+          </a:xfrm>
+          <a:prstGeom prst="straightConnector1">
+            <a:avLst/>
+          </a:prstGeom>
+          <a:ln>
+            <a:tailEnd type="triangle"/>
+          </a:ln>
+        </p:spPr>
+        <p:style>
+          <a:lnRef idx="2">
+            <a:schemeClr val="dk1"/>
+          </a:lnRef>
+          <a:fillRef idx="0">
+            <a:schemeClr val="dk1"/>
+          </a:fillRef>
+          <a:effectRef idx="1">
+            <a:schemeClr val="dk1"/>
+          </a:effectRef>
+          <a:fontRef idx="minor">
+            <a:schemeClr val="tx1"/>
+          </a:fontRef>
+        </p:style>
+      </p:cxnSp>
+      <p:sp>
+        <p:nvSpPr>
+          <p:cNvPr id="34" name="Oval 33">
+            <a:extLst>
+              <a:ext uri="{FF2B5EF4-FFF2-40B4-BE49-F238E27FC236}">
+                <a16:creationId xmlns:a16="http://schemas.microsoft.com/office/drawing/2014/main" id="{24D258F1-D76B-3E5C-06DF-579D85E94113}"/>
+              </a:ext>
+            </a:extLst>
+          </p:cNvPr>
+          <p:cNvSpPr/>
+          <p:nvPr/>
+        </p:nvSpPr>
+        <p:spPr>
+          <a:xfrm>
+            <a:off x="1831797" y="5318589"/>
+            <a:ext cx="482886" cy="359596"/>
+          </a:xfrm>
+          <a:prstGeom prst="ellipse">
+            <a:avLst/>
+          </a:prstGeom>
+        </p:spPr>
+        <p:style>
+          <a:lnRef idx="2">
+            <a:schemeClr val="dk1"/>
+          </a:lnRef>
+          <a:fillRef idx="1">
+            <a:schemeClr val="lt1"/>
+          </a:fillRef>
+          <a:effectRef idx="0">
+            <a:schemeClr val="dk1"/>
+          </a:effectRef>
+          <a:fontRef idx="minor">
+            <a:schemeClr val="dk1"/>
+          </a:fontRef>
+        </p:style>
+        <p:txBody>
+          <a:bodyPr rtlCol="0" anchor="ctr"/>
+          <a:lstStyle/>
+          <a:p>
+            <a:pPr algn="ctr"/>
+            <a:r>
+              <a:rPr lang="en-US" sz="1100" dirty="0"/>
+              <a:t>e2</a:t>
+            </a:r>
+            <a:endParaRPr lang="en-GB" sz="1100" dirty="0"/>
+          </a:p>
+        </p:txBody>
+      </p:sp>
+      <p:cxnSp>
+        <p:nvCxnSpPr>
+          <p:cNvPr id="35" name="Straight Arrow Connector 34">
+            <a:extLst>
+              <a:ext uri="{FF2B5EF4-FFF2-40B4-BE49-F238E27FC236}">
+                <a16:creationId xmlns:a16="http://schemas.microsoft.com/office/drawing/2014/main" id="{4711E37A-22ED-0006-5707-F264D68D1800}"/>
+              </a:ext>
+            </a:extLst>
+          </p:cNvPr>
+          <p:cNvCxnSpPr>
+            <a:stCxn id="34" idx="0"/>
+          </p:cNvCxnSpPr>
+          <p:nvPr/>
+        </p:nvCxnSpPr>
+        <p:spPr>
+          <a:xfrm flipH="1" flipV="1">
+            <a:off x="2072760" y="4941870"/>
+            <a:ext cx="480" cy="376719"/>
+          </a:xfrm>
+          <a:prstGeom prst="straightConnector1">
+            <a:avLst/>
+          </a:prstGeom>
+          <a:ln>
+            <a:tailEnd type="triangle"/>
+          </a:ln>
+        </p:spPr>
+        <p:style>
+          <a:lnRef idx="2">
+            <a:schemeClr val="dk1"/>
+          </a:lnRef>
+          <a:fillRef idx="0">
+            <a:schemeClr val="dk1"/>
+          </a:fillRef>
+          <a:effectRef idx="1">
+            <a:schemeClr val="dk1"/>
+          </a:effectRef>
+          <a:fontRef idx="minor">
+            <a:schemeClr val="tx1"/>
+          </a:fontRef>
+        </p:style>
+      </p:cxnSp>
+      <p:sp>
+        <p:nvSpPr>
+          <p:cNvPr id="36" name="Oval 35">
+            <a:extLst>
+              <a:ext uri="{FF2B5EF4-FFF2-40B4-BE49-F238E27FC236}">
+                <a16:creationId xmlns:a16="http://schemas.microsoft.com/office/drawing/2014/main" id="{D01DF299-CDCF-B906-DC6F-8EBD1D561C17}"/>
+              </a:ext>
+            </a:extLst>
+          </p:cNvPr>
+          <p:cNvSpPr/>
+          <p:nvPr/>
+        </p:nvSpPr>
+        <p:spPr>
+          <a:xfrm>
+            <a:off x="2775738" y="5318589"/>
+            <a:ext cx="482886" cy="359596"/>
+          </a:xfrm>
+          <a:prstGeom prst="ellipse">
+            <a:avLst/>
+          </a:prstGeom>
+        </p:spPr>
+        <p:style>
+          <a:lnRef idx="2">
+            <a:schemeClr val="dk1"/>
+          </a:lnRef>
+          <a:fillRef idx="1">
+            <a:schemeClr val="lt1"/>
+          </a:fillRef>
+          <a:effectRef idx="0">
+            <a:schemeClr val="dk1"/>
+          </a:effectRef>
+          <a:fontRef idx="minor">
+            <a:schemeClr val="dk1"/>
+          </a:fontRef>
+        </p:style>
+        <p:txBody>
+          <a:bodyPr rtlCol="0" anchor="ctr"/>
+          <a:lstStyle/>
+          <a:p>
+            <a:pPr algn="ctr"/>
+            <a:r>
+              <a:rPr lang="en-US" sz="1100" dirty="0"/>
+              <a:t>e3</a:t>
+            </a:r>
+            <a:endParaRPr lang="en-GB" sz="1100" dirty="0"/>
+          </a:p>
+        </p:txBody>
+      </p:sp>
+      <p:cxnSp>
+        <p:nvCxnSpPr>
+          <p:cNvPr id="37" name="Straight Arrow Connector 36">
+            <a:extLst>
+              <a:ext uri="{FF2B5EF4-FFF2-40B4-BE49-F238E27FC236}">
+                <a16:creationId xmlns:a16="http://schemas.microsoft.com/office/drawing/2014/main" id="{EEBFD1B0-9D9E-A057-F423-93D2933ACB50}"/>
+              </a:ext>
+            </a:extLst>
+          </p:cNvPr>
+          <p:cNvCxnSpPr>
+            <a:stCxn id="36" idx="0"/>
+          </p:cNvCxnSpPr>
+          <p:nvPr/>
+        </p:nvCxnSpPr>
+        <p:spPr>
+          <a:xfrm flipH="1" flipV="1">
+            <a:off x="3016701" y="4941870"/>
+            <a:ext cx="480" cy="376719"/>
+          </a:xfrm>
+          <a:prstGeom prst="straightConnector1">
+            <a:avLst/>
+          </a:prstGeom>
+          <a:ln>
+            <a:tailEnd type="triangle"/>
+          </a:ln>
+        </p:spPr>
+        <p:style>
+          <a:lnRef idx="2">
+            <a:schemeClr val="dk1"/>
+          </a:lnRef>
+          <a:fillRef idx="0">
+            <a:schemeClr val="dk1"/>
+          </a:fillRef>
+          <a:effectRef idx="1">
+            <a:schemeClr val="dk1"/>
+          </a:effectRef>
+          <a:fontRef idx="minor">
+            <a:schemeClr val="tx1"/>
+          </a:fontRef>
+        </p:style>
+      </p:cxnSp>
+      <p:sp>
+        <p:nvSpPr>
+          <p:cNvPr id="38" name="Oval 37">
+            <a:extLst>
+              <a:ext uri="{FF2B5EF4-FFF2-40B4-BE49-F238E27FC236}">
+                <a16:creationId xmlns:a16="http://schemas.microsoft.com/office/drawing/2014/main" id="{201CF77C-6FDF-6E41-6A5E-848785FA5937}"/>
+              </a:ext>
+            </a:extLst>
+          </p:cNvPr>
+          <p:cNvSpPr/>
+          <p:nvPr/>
+        </p:nvSpPr>
+        <p:spPr>
+          <a:xfrm>
+            <a:off x="3659744" y="5318589"/>
+            <a:ext cx="482886" cy="359596"/>
+          </a:xfrm>
+          <a:prstGeom prst="ellipse">
+            <a:avLst/>
+          </a:prstGeom>
+        </p:spPr>
+        <p:style>
+          <a:lnRef idx="2">
+            <a:schemeClr val="dk1"/>
+          </a:lnRef>
+          <a:fillRef idx="1">
+            <a:schemeClr val="lt1"/>
+          </a:fillRef>
+          <a:effectRef idx="0">
+            <a:schemeClr val="dk1"/>
+          </a:effectRef>
+          <a:fontRef idx="minor">
+            <a:schemeClr val="dk1"/>
+          </a:fontRef>
+        </p:style>
+        <p:txBody>
+          <a:bodyPr rtlCol="0" anchor="ctr"/>
+          <a:lstStyle/>
+          <a:p>
+            <a:pPr algn="ctr"/>
+            <a:r>
+              <a:rPr lang="en-US" sz="1100" dirty="0"/>
+              <a:t>e4</a:t>
+            </a:r>
+            <a:endParaRPr lang="en-GB" sz="1100" dirty="0"/>
+          </a:p>
+        </p:txBody>
+      </p:sp>
+      <p:cxnSp>
+        <p:nvCxnSpPr>
+          <p:cNvPr id="39" name="Straight Arrow Connector 38">
+            <a:extLst>
+              <a:ext uri="{FF2B5EF4-FFF2-40B4-BE49-F238E27FC236}">
+                <a16:creationId xmlns:a16="http://schemas.microsoft.com/office/drawing/2014/main" id="{1FA649B5-C214-9694-2F08-7D9454531AB0}"/>
+              </a:ext>
+            </a:extLst>
+          </p:cNvPr>
+          <p:cNvCxnSpPr>
+            <a:stCxn id="38" idx="0"/>
+          </p:cNvCxnSpPr>
+          <p:nvPr/>
+        </p:nvCxnSpPr>
+        <p:spPr>
+          <a:xfrm flipH="1" flipV="1">
+            <a:off x="3900707" y="4941870"/>
+            <a:ext cx="480" cy="376719"/>
+          </a:xfrm>
+          <a:prstGeom prst="straightConnector1">
+            <a:avLst/>
+          </a:prstGeom>
+          <a:ln>
+            <a:tailEnd type="triangle"/>
+          </a:ln>
+        </p:spPr>
+        <p:style>
+          <a:lnRef idx="2">
+            <a:schemeClr val="dk1"/>
+          </a:lnRef>
+          <a:fillRef idx="0">
+            <a:schemeClr val="dk1"/>
+          </a:fillRef>
+          <a:effectRef idx="1">
+            <a:schemeClr val="dk1"/>
+          </a:effectRef>
+          <a:fontRef idx="minor">
+            <a:schemeClr val="tx1"/>
+          </a:fontRef>
+        </p:style>
+      </p:cxnSp>
+      <p:sp>
+        <p:nvSpPr>
+          <p:cNvPr id="40" name="Oval 39">
+            <a:extLst>
+              <a:ext uri="{FF2B5EF4-FFF2-40B4-BE49-F238E27FC236}">
+                <a16:creationId xmlns:a16="http://schemas.microsoft.com/office/drawing/2014/main" id="{19CEE8EE-4053-A8BC-EBFE-5A64B3D27091}"/>
+              </a:ext>
+            </a:extLst>
+          </p:cNvPr>
+          <p:cNvSpPr/>
+          <p:nvPr/>
+        </p:nvSpPr>
+        <p:spPr>
+          <a:xfrm>
+            <a:off x="4562489" y="5318589"/>
+            <a:ext cx="482886" cy="359596"/>
+          </a:xfrm>
+          <a:prstGeom prst="ellipse">
+            <a:avLst/>
+          </a:prstGeom>
+        </p:spPr>
+        <p:style>
+          <a:lnRef idx="2">
+            <a:schemeClr val="dk1"/>
+          </a:lnRef>
+          <a:fillRef idx="1">
+            <a:schemeClr val="lt1"/>
+          </a:fillRef>
+          <a:effectRef idx="0">
+            <a:schemeClr val="dk1"/>
+          </a:effectRef>
+          <a:fontRef idx="minor">
+            <a:schemeClr val="dk1"/>
+          </a:fontRef>
+        </p:style>
+        <p:txBody>
+          <a:bodyPr rtlCol="0" anchor="ctr"/>
+          <a:lstStyle/>
+          <a:p>
+            <a:pPr algn="ctr"/>
+            <a:r>
+              <a:rPr lang="en-US" sz="1100" dirty="0"/>
+              <a:t>e5</a:t>
+            </a:r>
+            <a:endParaRPr lang="en-GB" sz="1100" dirty="0"/>
+          </a:p>
+        </p:txBody>
+      </p:sp>
+      <p:cxnSp>
+        <p:nvCxnSpPr>
+          <p:cNvPr id="41" name="Straight Arrow Connector 40">
+            <a:extLst>
+              <a:ext uri="{FF2B5EF4-FFF2-40B4-BE49-F238E27FC236}">
+                <a16:creationId xmlns:a16="http://schemas.microsoft.com/office/drawing/2014/main" id="{72D399F5-EF46-1761-EBDD-3C2C9FC1902C}"/>
+              </a:ext>
+            </a:extLst>
+          </p:cNvPr>
+          <p:cNvCxnSpPr>
+            <a:stCxn id="40" idx="0"/>
+          </p:cNvCxnSpPr>
+          <p:nvPr/>
+        </p:nvCxnSpPr>
+        <p:spPr>
+          <a:xfrm flipH="1" flipV="1">
+            <a:off x="4803452" y="4941870"/>
+            <a:ext cx="480" cy="376719"/>
+          </a:xfrm>
+          <a:prstGeom prst="straightConnector1">
+            <a:avLst/>
+          </a:prstGeom>
+          <a:ln>
+            <a:tailEnd type="triangle"/>
+          </a:ln>
+        </p:spPr>
+        <p:style>
+          <a:lnRef idx="2">
+            <a:schemeClr val="dk1"/>
+          </a:lnRef>
+          <a:fillRef idx="0">
+            <a:schemeClr val="dk1"/>
+          </a:fillRef>
+          <a:effectRef idx="1">
+            <a:schemeClr val="dk1"/>
+          </a:effectRef>
+          <a:fontRef idx="minor">
+            <a:schemeClr val="tx1"/>
+          </a:fontRef>
+        </p:style>
+      </p:cxnSp>
+      <p:sp>
+        <p:nvSpPr>
+          <p:cNvPr id="42" name="Oval 41">
+            <a:extLst>
+              <a:ext uri="{FF2B5EF4-FFF2-40B4-BE49-F238E27FC236}">
+                <a16:creationId xmlns:a16="http://schemas.microsoft.com/office/drawing/2014/main" id="{E94C3148-7A76-4EBE-0549-8CB1FEC162CD}"/>
+              </a:ext>
+            </a:extLst>
+          </p:cNvPr>
+          <p:cNvSpPr/>
+          <p:nvPr/>
+        </p:nvSpPr>
+        <p:spPr>
+          <a:xfrm>
+            <a:off x="5444969" y="5300314"/>
+            <a:ext cx="482886" cy="359596"/>
+          </a:xfrm>
+          <a:prstGeom prst="ellipse">
+            <a:avLst/>
+          </a:prstGeom>
+        </p:spPr>
+        <p:style>
+          <a:lnRef idx="2">
+            <a:schemeClr val="dk1"/>
+          </a:lnRef>
+          <a:fillRef idx="1">
+            <a:schemeClr val="lt1"/>
+          </a:fillRef>
+          <a:effectRef idx="0">
+            <a:schemeClr val="dk1"/>
+          </a:effectRef>
+          <a:fontRef idx="minor">
+            <a:schemeClr val="dk1"/>
+          </a:fontRef>
+        </p:style>
+        <p:txBody>
+          <a:bodyPr rtlCol="0" anchor="ctr"/>
+          <a:lstStyle/>
+          <a:p>
+            <a:pPr algn="ctr"/>
+            <a:r>
+              <a:rPr lang="en-US" sz="1100" dirty="0"/>
+              <a:t>e6</a:t>
+            </a:r>
+            <a:endParaRPr lang="en-GB" sz="1100" dirty="0"/>
+          </a:p>
+        </p:txBody>
+      </p:sp>
+      <p:cxnSp>
+        <p:nvCxnSpPr>
+          <p:cNvPr id="43" name="Straight Arrow Connector 42">
+            <a:extLst>
+              <a:ext uri="{FF2B5EF4-FFF2-40B4-BE49-F238E27FC236}">
+                <a16:creationId xmlns:a16="http://schemas.microsoft.com/office/drawing/2014/main" id="{7989C9FF-6E70-0C8A-7173-8DF635F340DB}"/>
+              </a:ext>
+            </a:extLst>
+          </p:cNvPr>
+          <p:cNvCxnSpPr>
+            <a:stCxn id="42" idx="0"/>
+          </p:cNvCxnSpPr>
+          <p:nvPr/>
+        </p:nvCxnSpPr>
+        <p:spPr>
+          <a:xfrm flipH="1" flipV="1">
+            <a:off x="5685932" y="4923595"/>
+            <a:ext cx="480" cy="376719"/>
+          </a:xfrm>
+          <a:prstGeom prst="straightConnector1">
+            <a:avLst/>
+          </a:prstGeom>
+          <a:ln>
+            <a:tailEnd type="triangle"/>
+          </a:ln>
+        </p:spPr>
+        <p:style>
+          <a:lnRef idx="2">
+            <a:schemeClr val="dk1"/>
+          </a:lnRef>
+          <a:fillRef idx="0">
+            <a:schemeClr val="dk1"/>
+          </a:fillRef>
+          <a:effectRef idx="1">
+            <a:schemeClr val="dk1"/>
+          </a:effectRef>
+          <a:fontRef idx="minor">
+            <a:schemeClr val="tx1"/>
+          </a:fontRef>
+        </p:style>
+      </p:cxnSp>
+      <p:sp>
+        <p:nvSpPr>
+          <p:cNvPr id="44" name="TextBox 43">
+            <a:extLst>
+              <a:ext uri="{FF2B5EF4-FFF2-40B4-BE49-F238E27FC236}">
+                <a16:creationId xmlns:a16="http://schemas.microsoft.com/office/drawing/2014/main" id="{6366D5B1-DC52-BCA8-8177-34FED48D8BAC}"/>
+              </a:ext>
+            </a:extLst>
+          </p:cNvPr>
+          <p:cNvSpPr txBox="1"/>
+          <p:nvPr/>
+        </p:nvSpPr>
+        <p:spPr>
+          <a:xfrm>
+            <a:off x="7640977" y="1687263"/>
+            <a:ext cx="4054236" cy="3139321"/>
+          </a:xfrm>
+          <a:prstGeom prst="rect">
+            <a:avLst/>
+          </a:prstGeom>
+          <a:noFill/>
+        </p:spPr>
+        <p:txBody>
+          <a:bodyPr wrap="square" rtlCol="0">
+            <a:spAutoFit/>
+          </a:bodyPr>
+          <a:lstStyle/>
+          <a:p>
+            <a:r>
               <a:rPr lang="es-MX" dirty="0"/>
-              <a:t>Error de medición: Consecuencias </a:t>
-            </a:r>
-            <a:endParaRPr lang="en-GB" dirty="0"/>
-          </a:p>
-        </p:txBody>
-      </p:sp>
-      <p:sp>
-        <p:nvSpPr>
-          <p:cNvPr id="3" name="Content Placeholder 2">
-            <a:extLst>
-              <a:ext uri="{FF2B5EF4-FFF2-40B4-BE49-F238E27FC236}">
-                <a16:creationId xmlns:a16="http://schemas.microsoft.com/office/drawing/2014/main" id="{F454703F-5796-7B5F-5D8A-5EDF64CE53E0}"/>
+              <a:t>Los modelos estadístico reflexivos además:</a:t>
+            </a:r>
+          </a:p>
+          <a:p>
+            <a:endParaRPr lang="es-MX" dirty="0"/>
+          </a:p>
+          <a:p>
+            <a:r>
+              <a:rPr lang="es-MX" dirty="0"/>
+              <a:t>La calidad de la medición radica en los parámetros (hipótesis) del modelo y no en los indicadores</a:t>
+            </a:r>
+          </a:p>
+          <a:p>
+            <a:endParaRPr lang="es-MX" dirty="0"/>
+          </a:p>
+          <a:p>
+            <a:r>
+              <a:rPr lang="es-MX" dirty="0"/>
+              <a:t>Los indicadores son intercambiables en clave de los parámetros (son muestras de parámetros las que me importan, no de indicadores)</a:t>
+            </a:r>
+          </a:p>
+        </p:txBody>
+      </p:sp>
+      <p:sp>
+        <p:nvSpPr>
+          <p:cNvPr id="45" name="TextBox 44">
+            <a:extLst>
+              <a:ext uri="{FF2B5EF4-FFF2-40B4-BE49-F238E27FC236}">
+                <a16:creationId xmlns:a16="http://schemas.microsoft.com/office/drawing/2014/main" id="{FB664ACA-CCFD-7A15-9A2B-CA7E100BECF1}"/>
+              </a:ext>
+            </a:extLst>
+          </p:cNvPr>
+          <p:cNvSpPr txBox="1"/>
+          <p:nvPr/>
+        </p:nvSpPr>
+        <p:spPr>
+          <a:xfrm>
+            <a:off x="1682351" y="3339101"/>
+            <a:ext cx="446540" cy="369332"/>
+          </a:xfrm>
+          <a:prstGeom prst="rect">
+            <a:avLst/>
+          </a:prstGeom>
+          <a:noFill/>
+        </p:spPr>
+        <p:txBody>
+          <a:bodyPr wrap="square" rtlCol="0">
+            <a:spAutoFit/>
+          </a:bodyPr>
+          <a:lstStyle/>
+          <a:p>
+            <a:r>
+              <a:rPr lang="el-GR" dirty="0">
+                <a:solidFill>
+                  <a:srgbClr val="FF0000"/>
+                </a:solidFill>
+                <a:latin typeface="Times New Roman" panose="02020603050405020304" pitchFamily="18" charset="0"/>
+                <a:cs typeface="Times New Roman" panose="02020603050405020304" pitchFamily="18" charset="0"/>
+              </a:rPr>
+              <a:t>λ</a:t>
+            </a:r>
+            <a:r>
+              <a:rPr lang="es-MX" dirty="0">
+                <a:solidFill>
+                  <a:srgbClr val="FF0000"/>
+                </a:solidFill>
+                <a:latin typeface="Times New Roman" panose="02020603050405020304" pitchFamily="18" charset="0"/>
+                <a:cs typeface="Times New Roman" panose="02020603050405020304" pitchFamily="18" charset="0"/>
+              </a:rPr>
+              <a:t>1</a:t>
+            </a:r>
+            <a:endParaRPr lang="en-GB" dirty="0">
+              <a:solidFill>
+                <a:srgbClr val="FF0000"/>
+              </a:solidFill>
+            </a:endParaRPr>
+          </a:p>
+        </p:txBody>
+      </p:sp>
+      <p:sp>
+        <p:nvSpPr>
+          <p:cNvPr id="46" name="TextBox 45">
+            <a:extLst>
+              <a:ext uri="{FF2B5EF4-FFF2-40B4-BE49-F238E27FC236}">
+                <a16:creationId xmlns:a16="http://schemas.microsoft.com/office/drawing/2014/main" id="{41605697-2322-0BCA-555A-4FE7C227917B}"/>
+              </a:ext>
+            </a:extLst>
+          </p:cNvPr>
+          <p:cNvSpPr txBox="1"/>
+          <p:nvPr/>
+        </p:nvSpPr>
+        <p:spPr>
+          <a:xfrm>
+            <a:off x="4762462" y="3339101"/>
+            <a:ext cx="446540" cy="369332"/>
+          </a:xfrm>
+          <a:prstGeom prst="rect">
+            <a:avLst/>
+          </a:prstGeom>
+          <a:noFill/>
+        </p:spPr>
+        <p:txBody>
+          <a:bodyPr wrap="square" rtlCol="0">
+            <a:spAutoFit/>
+          </a:bodyPr>
+          <a:lstStyle/>
+          <a:p>
+            <a:r>
+              <a:rPr lang="el-GR" dirty="0">
+                <a:solidFill>
+                  <a:srgbClr val="FF0000"/>
+                </a:solidFill>
+                <a:latin typeface="Times New Roman" panose="02020603050405020304" pitchFamily="18" charset="0"/>
+                <a:cs typeface="Times New Roman" panose="02020603050405020304" pitchFamily="18" charset="0"/>
+              </a:rPr>
+              <a:t>λ</a:t>
+            </a:r>
+            <a:r>
+              <a:rPr lang="es-MX" dirty="0">
+                <a:solidFill>
+                  <a:srgbClr val="FF0000"/>
+                </a:solidFill>
+                <a:latin typeface="Times New Roman" panose="02020603050405020304" pitchFamily="18" charset="0"/>
+                <a:cs typeface="Times New Roman" panose="02020603050405020304" pitchFamily="18" charset="0"/>
+              </a:rPr>
+              <a:t>6</a:t>
+            </a:r>
+            <a:endParaRPr lang="en-GB" dirty="0">
+              <a:solidFill>
+                <a:srgbClr val="FF0000"/>
+              </a:solidFill>
+            </a:endParaRPr>
+          </a:p>
+        </p:txBody>
+      </p:sp>
+    </p:spTree>
+    <p:extLst>
+      <p:ext uri="{BB962C8B-B14F-4D97-AF65-F5344CB8AC3E}">
+        <p14:creationId xmlns:p14="http://schemas.microsoft.com/office/powerpoint/2010/main" val="222760171"/>
+      </p:ext>
+    </p:extLst>
+  </p:cSld>
+  <p:clrMapOvr>
+    <a:masterClrMapping/>
+  </p:clrMapOvr>
+</p:sld>
+</file>
+
+<file path=ppt/slides/slide9.xml><?xml version="1.0" encoding="utf-8"?>
+<p:sld xmlns:a="http://schemas.openxmlformats.org/drawingml/2006/main" xmlns:r="http://schemas.openxmlformats.org/officeDocument/2006/relationships" xmlns:p="http://schemas.openxmlformats.org/presentationml/2006/main">
+  <p:cSld>
+    <p:spTree>
+      <p:nvGrpSpPr>
+        <p:cNvPr id="1" name="">
+          <a:extLst>
+            <a:ext uri="{FF2B5EF4-FFF2-40B4-BE49-F238E27FC236}">
+              <a16:creationId xmlns:a16="http://schemas.microsoft.com/office/drawing/2014/main" id="{87123B22-783C-D054-D532-F43E776E4BF8}"/>
+            </a:ext>
+          </a:extLst>
+        </p:cNvPr>
+        <p:cNvGrpSpPr/>
+        <p:nvPr/>
+      </p:nvGrpSpPr>
+      <p:grpSpPr>
+        <a:xfrm>
+          <a:off x="0" y="0"/>
+          <a:ext cx="0" cy="0"/>
+          <a:chOff x="0" y="0"/>
+          <a:chExt cx="0" cy="0"/>
+        </a:xfrm>
+      </p:grpSpPr>
+      <p:sp>
+        <p:nvSpPr>
+          <p:cNvPr id="2" name="Title 1">
+            <a:extLst>
+              <a:ext uri="{FF2B5EF4-FFF2-40B4-BE49-F238E27FC236}">
+                <a16:creationId xmlns:a16="http://schemas.microsoft.com/office/drawing/2014/main" id="{0FAE98BD-FBD6-40F2-04F8-6368D4726ADB}"/>
               </a:ext>
             </a:extLst>
           </p:cNvPr>
@@ -7116,87 +10742,1386 @@
             <a:spLocks noGrp="1"/>
           </p:cNvSpPr>
           <p:nvPr>
-            <p:ph idx="1"/>
+            <p:ph type="title"/>
           </p:nvPr>
         </p:nvSpPr>
+        <p:spPr/>
+        <p:txBody>
+          <a:bodyPr/>
+          <a:lstStyle/>
+          <a:p>
+            <a:r>
+              <a:rPr lang="en-US" dirty="0" err="1"/>
+              <a:t>Validez</a:t>
+            </a:r>
+            <a:endParaRPr lang="en-GB" dirty="0"/>
+          </a:p>
+        </p:txBody>
+      </p:sp>
+      <p:sp>
+        <p:nvSpPr>
+          <p:cNvPr id="4" name="Oval 3">
+            <a:extLst>
+              <a:ext uri="{FF2B5EF4-FFF2-40B4-BE49-F238E27FC236}">
+                <a16:creationId xmlns:a16="http://schemas.microsoft.com/office/drawing/2014/main" id="{1E516469-43B5-36B5-9864-C903286579E7}"/>
+              </a:ext>
+            </a:extLst>
+          </p:cNvPr>
+          <p:cNvSpPr/>
+          <p:nvPr/>
+        </p:nvSpPr>
         <p:spPr>
           <a:xfrm>
-            <a:off x="838200" y="1825625"/>
-            <a:ext cx="11079822" cy="4739562"/>
-          </a:xfrm>
-        </p:spPr>
-        <p:txBody>
-          <a:bodyPr/>
+            <a:off x="2527443" y="1641395"/>
+            <a:ext cx="1818526" cy="1325562"/>
+          </a:xfrm>
+          <a:prstGeom prst="ellipse">
+            <a:avLst/>
+          </a:prstGeom>
+        </p:spPr>
+        <p:style>
+          <a:lnRef idx="2">
+            <a:schemeClr val="dk1"/>
+          </a:lnRef>
+          <a:fillRef idx="1">
+            <a:schemeClr val="lt1"/>
+          </a:fillRef>
+          <a:effectRef idx="0">
+            <a:schemeClr val="dk1"/>
+          </a:effectRef>
+          <a:fontRef idx="minor">
+            <a:schemeClr val="dk1"/>
+          </a:fontRef>
+        </p:style>
+        <p:txBody>
+          <a:bodyPr rtlCol="0" anchor="ctr"/>
+          <a:lstStyle/>
+          <a:p>
+            <a:pPr algn="ctr"/>
+            <a:r>
+              <a:rPr lang="en-US" dirty="0" err="1"/>
+              <a:t>Pobreza</a:t>
+            </a:r>
+            <a:endParaRPr lang="en-GB" dirty="0"/>
+          </a:p>
+        </p:txBody>
+      </p:sp>
+      <p:sp>
+        <p:nvSpPr>
+          <p:cNvPr id="5" name="Rectangle 4">
+            <a:extLst>
+              <a:ext uri="{FF2B5EF4-FFF2-40B4-BE49-F238E27FC236}">
+                <a16:creationId xmlns:a16="http://schemas.microsoft.com/office/drawing/2014/main" id="{782AF12E-8780-B83C-9ED4-04A601FE5A6B}"/>
+              </a:ext>
+            </a:extLst>
+          </p:cNvPr>
+          <p:cNvSpPr/>
+          <p:nvPr/>
+        </p:nvSpPr>
+        <p:spPr>
+          <a:xfrm>
+            <a:off x="838200" y="4243227"/>
+            <a:ext cx="651553" cy="698643"/>
+          </a:xfrm>
+          <a:prstGeom prst="rect">
+            <a:avLst/>
+          </a:prstGeom>
+        </p:spPr>
+        <p:style>
+          <a:lnRef idx="2">
+            <a:schemeClr val="dk1"/>
+          </a:lnRef>
+          <a:fillRef idx="1">
+            <a:schemeClr val="lt1"/>
+          </a:fillRef>
+          <a:effectRef idx="0">
+            <a:schemeClr val="dk1"/>
+          </a:effectRef>
+          <a:fontRef idx="minor">
+            <a:schemeClr val="dk1"/>
+          </a:fontRef>
+        </p:style>
+        <p:txBody>
+          <a:bodyPr rtlCol="0" anchor="ctr"/>
+          <a:lstStyle/>
+          <a:p>
+            <a:pPr algn="ctr"/>
+            <a:r>
+              <a:rPr lang="en-US" dirty="0"/>
+              <a:t>X1</a:t>
+            </a:r>
+            <a:endParaRPr lang="en-GB" dirty="0"/>
+          </a:p>
+        </p:txBody>
+      </p:sp>
+      <p:sp>
+        <p:nvSpPr>
+          <p:cNvPr id="6" name="Rectangle 5">
+            <a:extLst>
+              <a:ext uri="{FF2B5EF4-FFF2-40B4-BE49-F238E27FC236}">
+                <a16:creationId xmlns:a16="http://schemas.microsoft.com/office/drawing/2014/main" id="{CAF48F8A-965B-D2DB-6808-261BD5B6F88E}"/>
+              </a:ext>
+            </a:extLst>
+          </p:cNvPr>
+          <p:cNvSpPr/>
+          <p:nvPr/>
+        </p:nvSpPr>
+        <p:spPr>
+          <a:xfrm>
+            <a:off x="1763731" y="4243227"/>
+            <a:ext cx="651553" cy="698643"/>
+          </a:xfrm>
+          <a:prstGeom prst="rect">
+            <a:avLst/>
+          </a:prstGeom>
+        </p:spPr>
+        <p:style>
+          <a:lnRef idx="2">
+            <a:schemeClr val="dk1"/>
+          </a:lnRef>
+          <a:fillRef idx="1">
+            <a:schemeClr val="lt1"/>
+          </a:fillRef>
+          <a:effectRef idx="0">
+            <a:schemeClr val="dk1"/>
+          </a:effectRef>
+          <a:fontRef idx="minor">
+            <a:schemeClr val="dk1"/>
+          </a:fontRef>
+        </p:style>
+        <p:txBody>
+          <a:bodyPr rtlCol="0" anchor="ctr"/>
+          <a:lstStyle/>
+          <a:p>
+            <a:pPr algn="ctr"/>
+            <a:r>
+              <a:rPr lang="en-US" dirty="0"/>
+              <a:t>X2</a:t>
+            </a:r>
+            <a:endParaRPr lang="en-GB" dirty="0"/>
+          </a:p>
+        </p:txBody>
+      </p:sp>
+      <p:sp>
+        <p:nvSpPr>
+          <p:cNvPr id="7" name="Rectangle 6">
+            <a:extLst>
+              <a:ext uri="{FF2B5EF4-FFF2-40B4-BE49-F238E27FC236}">
+                <a16:creationId xmlns:a16="http://schemas.microsoft.com/office/drawing/2014/main" id="{23BDB681-AE24-E4A3-8F97-85A4E903AB36}"/>
+              </a:ext>
+            </a:extLst>
+          </p:cNvPr>
+          <p:cNvSpPr/>
+          <p:nvPr/>
+        </p:nvSpPr>
+        <p:spPr>
+          <a:xfrm>
+            <a:off x="2689262" y="4243227"/>
+            <a:ext cx="651553" cy="698643"/>
+          </a:xfrm>
+          <a:prstGeom prst="rect">
+            <a:avLst/>
+          </a:prstGeom>
+        </p:spPr>
+        <p:style>
+          <a:lnRef idx="2">
+            <a:schemeClr val="dk1"/>
+          </a:lnRef>
+          <a:fillRef idx="1">
+            <a:schemeClr val="lt1"/>
+          </a:fillRef>
+          <a:effectRef idx="0">
+            <a:schemeClr val="dk1"/>
+          </a:effectRef>
+          <a:fontRef idx="minor">
+            <a:schemeClr val="dk1"/>
+          </a:fontRef>
+        </p:style>
+        <p:txBody>
+          <a:bodyPr rtlCol="0" anchor="ctr"/>
+          <a:lstStyle/>
+          <a:p>
+            <a:pPr algn="ctr"/>
+            <a:r>
+              <a:rPr lang="en-US" dirty="0"/>
+              <a:t>X3</a:t>
+            </a:r>
+            <a:endParaRPr lang="en-GB" dirty="0"/>
+          </a:p>
+        </p:txBody>
+      </p:sp>
+      <p:sp>
+        <p:nvSpPr>
+          <p:cNvPr id="8" name="Rectangle 7">
+            <a:extLst>
+              <a:ext uri="{FF2B5EF4-FFF2-40B4-BE49-F238E27FC236}">
+                <a16:creationId xmlns:a16="http://schemas.microsoft.com/office/drawing/2014/main" id="{2F01F04C-9C21-A45B-428E-2E2AD341ECB0}"/>
+              </a:ext>
+            </a:extLst>
+          </p:cNvPr>
+          <p:cNvSpPr/>
+          <p:nvPr/>
+        </p:nvSpPr>
+        <p:spPr>
+          <a:xfrm>
+            <a:off x="3575410" y="4243227"/>
+            <a:ext cx="651553" cy="698643"/>
+          </a:xfrm>
+          <a:prstGeom prst="rect">
+            <a:avLst/>
+          </a:prstGeom>
+        </p:spPr>
+        <p:style>
+          <a:lnRef idx="2">
+            <a:schemeClr val="dk1"/>
+          </a:lnRef>
+          <a:fillRef idx="1">
+            <a:schemeClr val="lt1"/>
+          </a:fillRef>
+          <a:effectRef idx="0">
+            <a:schemeClr val="dk1"/>
+          </a:effectRef>
+          <a:fontRef idx="minor">
+            <a:schemeClr val="dk1"/>
+          </a:fontRef>
+        </p:style>
+        <p:txBody>
+          <a:bodyPr rtlCol="0" anchor="ctr"/>
+          <a:lstStyle/>
+          <a:p>
+            <a:pPr algn="ctr"/>
+            <a:r>
+              <a:rPr lang="en-US" dirty="0"/>
+              <a:t>X4</a:t>
+            </a:r>
+            <a:endParaRPr lang="en-GB" dirty="0"/>
+          </a:p>
+        </p:txBody>
+      </p:sp>
+      <p:sp>
+        <p:nvSpPr>
+          <p:cNvPr id="9" name="Rectangle 8">
+            <a:extLst>
+              <a:ext uri="{FF2B5EF4-FFF2-40B4-BE49-F238E27FC236}">
+                <a16:creationId xmlns:a16="http://schemas.microsoft.com/office/drawing/2014/main" id="{A98E4A93-CE81-1E4C-7A68-439A8E915BDE}"/>
+              </a:ext>
+            </a:extLst>
+          </p:cNvPr>
+          <p:cNvSpPr/>
+          <p:nvPr/>
+        </p:nvSpPr>
+        <p:spPr>
+          <a:xfrm>
+            <a:off x="4461558" y="4243227"/>
+            <a:ext cx="651553" cy="698643"/>
+          </a:xfrm>
+          <a:prstGeom prst="rect">
+            <a:avLst/>
+          </a:prstGeom>
+        </p:spPr>
+        <p:style>
+          <a:lnRef idx="2">
+            <a:schemeClr val="dk1"/>
+          </a:lnRef>
+          <a:fillRef idx="1">
+            <a:schemeClr val="lt1"/>
+          </a:fillRef>
+          <a:effectRef idx="0">
+            <a:schemeClr val="dk1"/>
+          </a:effectRef>
+          <a:fontRef idx="minor">
+            <a:schemeClr val="dk1"/>
+          </a:fontRef>
+        </p:style>
+        <p:txBody>
+          <a:bodyPr rtlCol="0" anchor="ctr"/>
+          <a:lstStyle/>
+          <a:p>
+            <a:pPr algn="ctr"/>
+            <a:r>
+              <a:rPr lang="en-US" dirty="0"/>
+              <a:t>X5</a:t>
+            </a:r>
+            <a:endParaRPr lang="en-GB" dirty="0"/>
+          </a:p>
+        </p:txBody>
+      </p:sp>
+      <p:sp>
+        <p:nvSpPr>
+          <p:cNvPr id="10" name="Rectangle 9">
+            <a:extLst>
+              <a:ext uri="{FF2B5EF4-FFF2-40B4-BE49-F238E27FC236}">
+                <a16:creationId xmlns:a16="http://schemas.microsoft.com/office/drawing/2014/main" id="{286F9209-BF9D-415F-96AD-EC8026E78187}"/>
+              </a:ext>
+            </a:extLst>
+          </p:cNvPr>
+          <p:cNvSpPr/>
+          <p:nvPr/>
+        </p:nvSpPr>
+        <p:spPr>
+          <a:xfrm>
+            <a:off x="5379383" y="4243227"/>
+            <a:ext cx="651553" cy="698643"/>
+          </a:xfrm>
+          <a:prstGeom prst="rect">
+            <a:avLst/>
+          </a:prstGeom>
+        </p:spPr>
+        <p:style>
+          <a:lnRef idx="2">
+            <a:schemeClr val="dk1"/>
+          </a:lnRef>
+          <a:fillRef idx="1">
+            <a:schemeClr val="lt1"/>
+          </a:fillRef>
+          <a:effectRef idx="0">
+            <a:schemeClr val="dk1"/>
+          </a:effectRef>
+          <a:fontRef idx="minor">
+            <a:schemeClr val="dk1"/>
+          </a:fontRef>
+        </p:style>
+        <p:txBody>
+          <a:bodyPr rtlCol="0" anchor="ctr"/>
+          <a:lstStyle/>
+          <a:p>
+            <a:pPr algn="ctr"/>
+            <a:r>
+              <a:rPr lang="en-US" dirty="0"/>
+              <a:t>X6</a:t>
+            </a:r>
+            <a:endParaRPr lang="en-GB" dirty="0"/>
+          </a:p>
+        </p:txBody>
+      </p:sp>
+      <p:cxnSp>
+        <p:nvCxnSpPr>
+          <p:cNvPr id="12" name="Straight Arrow Connector 11">
+            <a:extLst>
+              <a:ext uri="{FF2B5EF4-FFF2-40B4-BE49-F238E27FC236}">
+                <a16:creationId xmlns:a16="http://schemas.microsoft.com/office/drawing/2014/main" id="{682BB61F-9CAE-EDA6-4AA8-37E0C0F37284}"/>
+              </a:ext>
+            </a:extLst>
+          </p:cNvPr>
+          <p:cNvCxnSpPr>
+            <a:stCxn id="4" idx="4"/>
+            <a:endCxn id="5" idx="0"/>
+          </p:cNvCxnSpPr>
+          <p:nvPr/>
+        </p:nvCxnSpPr>
+        <p:spPr>
+          <a:xfrm flipH="1">
+            <a:off x="1163977" y="2966957"/>
+            <a:ext cx="2272729" cy="1276270"/>
+          </a:xfrm>
+          <a:prstGeom prst="straightConnector1">
+            <a:avLst/>
+          </a:prstGeom>
+          <a:ln>
+            <a:tailEnd type="triangle"/>
+          </a:ln>
+        </p:spPr>
+        <p:style>
+          <a:lnRef idx="2">
+            <a:schemeClr val="dk1"/>
+          </a:lnRef>
+          <a:fillRef idx="0">
+            <a:schemeClr val="dk1"/>
+          </a:fillRef>
+          <a:effectRef idx="1">
+            <a:schemeClr val="dk1"/>
+          </a:effectRef>
+          <a:fontRef idx="minor">
+            <a:schemeClr val="tx1"/>
+          </a:fontRef>
+        </p:style>
+      </p:cxnSp>
+      <p:cxnSp>
+        <p:nvCxnSpPr>
+          <p:cNvPr id="14" name="Straight Arrow Connector 13">
+            <a:extLst>
+              <a:ext uri="{FF2B5EF4-FFF2-40B4-BE49-F238E27FC236}">
+                <a16:creationId xmlns:a16="http://schemas.microsoft.com/office/drawing/2014/main" id="{00C6CD58-E484-A4BD-5497-DB56B011800A}"/>
+              </a:ext>
+            </a:extLst>
+          </p:cNvPr>
+          <p:cNvCxnSpPr>
+            <a:stCxn id="4" idx="4"/>
+            <a:endCxn id="6" idx="0"/>
+          </p:cNvCxnSpPr>
+          <p:nvPr/>
+        </p:nvCxnSpPr>
+        <p:spPr>
+          <a:xfrm flipH="1">
+            <a:off x="2089508" y="2966957"/>
+            <a:ext cx="1347198" cy="1276270"/>
+          </a:xfrm>
+          <a:prstGeom prst="straightConnector1">
+            <a:avLst/>
+          </a:prstGeom>
+          <a:ln>
+            <a:tailEnd type="triangle"/>
+          </a:ln>
+        </p:spPr>
+        <p:style>
+          <a:lnRef idx="2">
+            <a:schemeClr val="dk1"/>
+          </a:lnRef>
+          <a:fillRef idx="0">
+            <a:schemeClr val="dk1"/>
+          </a:fillRef>
+          <a:effectRef idx="1">
+            <a:schemeClr val="dk1"/>
+          </a:effectRef>
+          <a:fontRef idx="minor">
+            <a:schemeClr val="tx1"/>
+          </a:fontRef>
+        </p:style>
+      </p:cxnSp>
+      <p:cxnSp>
+        <p:nvCxnSpPr>
+          <p:cNvPr id="16" name="Straight Arrow Connector 15">
+            <a:extLst>
+              <a:ext uri="{FF2B5EF4-FFF2-40B4-BE49-F238E27FC236}">
+                <a16:creationId xmlns:a16="http://schemas.microsoft.com/office/drawing/2014/main" id="{8E997CEC-D4AD-B159-7F77-BF7C3F57AB00}"/>
+              </a:ext>
+            </a:extLst>
+          </p:cNvPr>
+          <p:cNvCxnSpPr>
+            <a:stCxn id="4" idx="4"/>
+            <a:endCxn id="7" idx="0"/>
+          </p:cNvCxnSpPr>
+          <p:nvPr/>
+        </p:nvCxnSpPr>
+        <p:spPr>
+          <a:xfrm flipH="1">
+            <a:off x="3015039" y="2966957"/>
+            <a:ext cx="421667" cy="1276270"/>
+          </a:xfrm>
+          <a:prstGeom prst="straightConnector1">
+            <a:avLst/>
+          </a:prstGeom>
+          <a:ln>
+            <a:tailEnd type="triangle"/>
+          </a:ln>
+        </p:spPr>
+        <p:style>
+          <a:lnRef idx="2">
+            <a:schemeClr val="dk1"/>
+          </a:lnRef>
+          <a:fillRef idx="0">
+            <a:schemeClr val="dk1"/>
+          </a:fillRef>
+          <a:effectRef idx="1">
+            <a:schemeClr val="dk1"/>
+          </a:effectRef>
+          <a:fontRef idx="minor">
+            <a:schemeClr val="tx1"/>
+          </a:fontRef>
+        </p:style>
+      </p:cxnSp>
+      <p:cxnSp>
+        <p:nvCxnSpPr>
+          <p:cNvPr id="18" name="Straight Arrow Connector 17">
+            <a:extLst>
+              <a:ext uri="{FF2B5EF4-FFF2-40B4-BE49-F238E27FC236}">
+                <a16:creationId xmlns:a16="http://schemas.microsoft.com/office/drawing/2014/main" id="{97576EDB-FE13-845C-4FBE-55A0805A873E}"/>
+              </a:ext>
+            </a:extLst>
+          </p:cNvPr>
+          <p:cNvCxnSpPr>
+            <a:stCxn id="4" idx="4"/>
+            <a:endCxn id="8" idx="0"/>
+          </p:cNvCxnSpPr>
+          <p:nvPr/>
+        </p:nvCxnSpPr>
+        <p:spPr>
+          <a:xfrm>
+            <a:off x="3436706" y="2966957"/>
+            <a:ext cx="464481" cy="1276270"/>
+          </a:xfrm>
+          <a:prstGeom prst="straightConnector1">
+            <a:avLst/>
+          </a:prstGeom>
+          <a:ln>
+            <a:tailEnd type="triangle"/>
+          </a:ln>
+        </p:spPr>
+        <p:style>
+          <a:lnRef idx="2">
+            <a:schemeClr val="dk1"/>
+          </a:lnRef>
+          <a:fillRef idx="0">
+            <a:schemeClr val="dk1"/>
+          </a:fillRef>
+          <a:effectRef idx="1">
+            <a:schemeClr val="dk1"/>
+          </a:effectRef>
+          <a:fontRef idx="minor">
+            <a:schemeClr val="tx1"/>
+          </a:fontRef>
+        </p:style>
+      </p:cxnSp>
+      <p:cxnSp>
+        <p:nvCxnSpPr>
+          <p:cNvPr id="20" name="Straight Arrow Connector 19">
+            <a:extLst>
+              <a:ext uri="{FF2B5EF4-FFF2-40B4-BE49-F238E27FC236}">
+                <a16:creationId xmlns:a16="http://schemas.microsoft.com/office/drawing/2014/main" id="{E410546C-0A05-1EBF-4429-4D4693016E97}"/>
+              </a:ext>
+            </a:extLst>
+          </p:cNvPr>
+          <p:cNvCxnSpPr>
+            <a:stCxn id="4" idx="4"/>
+            <a:endCxn id="9" idx="0"/>
+          </p:cNvCxnSpPr>
+          <p:nvPr/>
+        </p:nvCxnSpPr>
+        <p:spPr>
+          <a:xfrm>
+            <a:off x="3436706" y="2966957"/>
+            <a:ext cx="1350629" cy="1276270"/>
+          </a:xfrm>
+          <a:prstGeom prst="straightConnector1">
+            <a:avLst/>
+          </a:prstGeom>
+          <a:ln>
+            <a:tailEnd type="triangle"/>
+          </a:ln>
+        </p:spPr>
+        <p:style>
+          <a:lnRef idx="2">
+            <a:schemeClr val="dk1"/>
+          </a:lnRef>
+          <a:fillRef idx="0">
+            <a:schemeClr val="dk1"/>
+          </a:fillRef>
+          <a:effectRef idx="1">
+            <a:schemeClr val="dk1"/>
+          </a:effectRef>
+          <a:fontRef idx="minor">
+            <a:schemeClr val="tx1"/>
+          </a:fontRef>
+        </p:style>
+      </p:cxnSp>
+      <p:cxnSp>
+        <p:nvCxnSpPr>
+          <p:cNvPr id="22" name="Straight Arrow Connector 21">
+            <a:extLst>
+              <a:ext uri="{FF2B5EF4-FFF2-40B4-BE49-F238E27FC236}">
+                <a16:creationId xmlns:a16="http://schemas.microsoft.com/office/drawing/2014/main" id="{9BCFCDEE-AF25-E63F-B66A-5207B1A2F430}"/>
+              </a:ext>
+            </a:extLst>
+          </p:cNvPr>
+          <p:cNvCxnSpPr>
+            <a:stCxn id="4" idx="4"/>
+            <a:endCxn id="10" idx="0"/>
+          </p:cNvCxnSpPr>
+          <p:nvPr/>
+        </p:nvCxnSpPr>
+        <p:spPr>
+          <a:xfrm>
+            <a:off x="3436706" y="2966957"/>
+            <a:ext cx="2268454" cy="1276270"/>
+          </a:xfrm>
+          <a:prstGeom prst="straightConnector1">
+            <a:avLst/>
+          </a:prstGeom>
+          <a:ln>
+            <a:tailEnd type="triangle"/>
+          </a:ln>
+        </p:spPr>
+        <p:style>
+          <a:lnRef idx="2">
+            <a:schemeClr val="dk1"/>
+          </a:lnRef>
+          <a:fillRef idx="0">
+            <a:schemeClr val="dk1"/>
+          </a:fillRef>
+          <a:effectRef idx="1">
+            <a:schemeClr val="dk1"/>
+          </a:effectRef>
+          <a:fontRef idx="minor">
+            <a:schemeClr val="tx1"/>
+          </a:fontRef>
+        </p:style>
+      </p:cxnSp>
+      <p:sp>
+        <p:nvSpPr>
+          <p:cNvPr id="23" name="Oval 22">
+            <a:extLst>
+              <a:ext uri="{FF2B5EF4-FFF2-40B4-BE49-F238E27FC236}">
+                <a16:creationId xmlns:a16="http://schemas.microsoft.com/office/drawing/2014/main" id="{50E9DE7E-24C0-6C21-9687-E3E3F48B01A1}"/>
+              </a:ext>
+            </a:extLst>
+          </p:cNvPr>
+          <p:cNvSpPr/>
+          <p:nvPr/>
+        </p:nvSpPr>
+        <p:spPr>
+          <a:xfrm>
+            <a:off x="923014" y="5318589"/>
+            <a:ext cx="482886" cy="359596"/>
+          </a:xfrm>
+          <a:prstGeom prst="ellipse">
+            <a:avLst/>
+          </a:prstGeom>
+        </p:spPr>
+        <p:style>
+          <a:lnRef idx="2">
+            <a:schemeClr val="dk1"/>
+          </a:lnRef>
+          <a:fillRef idx="1">
+            <a:schemeClr val="lt1"/>
+          </a:fillRef>
+          <a:effectRef idx="0">
+            <a:schemeClr val="dk1"/>
+          </a:effectRef>
+          <a:fontRef idx="minor">
+            <a:schemeClr val="dk1"/>
+          </a:fontRef>
+        </p:style>
+        <p:txBody>
+          <a:bodyPr rtlCol="0" anchor="ctr"/>
+          <a:lstStyle/>
+          <a:p>
+            <a:pPr algn="ctr"/>
+            <a:r>
+              <a:rPr lang="en-US" sz="1100" dirty="0"/>
+              <a:t>e1</a:t>
+            </a:r>
+            <a:endParaRPr lang="en-GB" sz="1100" dirty="0"/>
+          </a:p>
+        </p:txBody>
+      </p:sp>
+      <p:cxnSp>
+        <p:nvCxnSpPr>
+          <p:cNvPr id="33" name="Straight Arrow Connector 32">
+            <a:extLst>
+              <a:ext uri="{FF2B5EF4-FFF2-40B4-BE49-F238E27FC236}">
+                <a16:creationId xmlns:a16="http://schemas.microsoft.com/office/drawing/2014/main" id="{FDA62376-2700-AFB6-C012-8B83C562E5F4}"/>
+              </a:ext>
+            </a:extLst>
+          </p:cNvPr>
+          <p:cNvCxnSpPr>
+            <a:stCxn id="23" idx="0"/>
+            <a:endCxn id="5" idx="2"/>
+          </p:cNvCxnSpPr>
+          <p:nvPr/>
+        </p:nvCxnSpPr>
+        <p:spPr>
+          <a:xfrm flipH="1" flipV="1">
+            <a:off x="1163977" y="4941870"/>
+            <a:ext cx="480" cy="376719"/>
+          </a:xfrm>
+          <a:prstGeom prst="straightConnector1">
+            <a:avLst/>
+          </a:prstGeom>
+          <a:ln>
+            <a:tailEnd type="triangle"/>
+          </a:ln>
+        </p:spPr>
+        <p:style>
+          <a:lnRef idx="2">
+            <a:schemeClr val="dk1"/>
+          </a:lnRef>
+          <a:fillRef idx="0">
+            <a:schemeClr val="dk1"/>
+          </a:fillRef>
+          <a:effectRef idx="1">
+            <a:schemeClr val="dk1"/>
+          </a:effectRef>
+          <a:fontRef idx="minor">
+            <a:schemeClr val="tx1"/>
+          </a:fontRef>
+        </p:style>
+      </p:cxnSp>
+      <p:sp>
+        <p:nvSpPr>
+          <p:cNvPr id="34" name="Oval 33">
+            <a:extLst>
+              <a:ext uri="{FF2B5EF4-FFF2-40B4-BE49-F238E27FC236}">
+                <a16:creationId xmlns:a16="http://schemas.microsoft.com/office/drawing/2014/main" id="{7D779D78-AC12-F8A9-CEF7-A79817B26703}"/>
+              </a:ext>
+            </a:extLst>
+          </p:cNvPr>
+          <p:cNvSpPr/>
+          <p:nvPr/>
+        </p:nvSpPr>
+        <p:spPr>
+          <a:xfrm>
+            <a:off x="1831797" y="5318589"/>
+            <a:ext cx="482886" cy="359596"/>
+          </a:xfrm>
+          <a:prstGeom prst="ellipse">
+            <a:avLst/>
+          </a:prstGeom>
+        </p:spPr>
+        <p:style>
+          <a:lnRef idx="2">
+            <a:schemeClr val="dk1"/>
+          </a:lnRef>
+          <a:fillRef idx="1">
+            <a:schemeClr val="lt1"/>
+          </a:fillRef>
+          <a:effectRef idx="0">
+            <a:schemeClr val="dk1"/>
+          </a:effectRef>
+          <a:fontRef idx="minor">
+            <a:schemeClr val="dk1"/>
+          </a:fontRef>
+        </p:style>
+        <p:txBody>
+          <a:bodyPr rtlCol="0" anchor="ctr"/>
+          <a:lstStyle/>
+          <a:p>
+            <a:pPr algn="ctr"/>
+            <a:r>
+              <a:rPr lang="en-US" sz="1100" dirty="0"/>
+              <a:t>e2</a:t>
+            </a:r>
+            <a:endParaRPr lang="en-GB" sz="1100" dirty="0"/>
+          </a:p>
+        </p:txBody>
+      </p:sp>
+      <p:cxnSp>
+        <p:nvCxnSpPr>
+          <p:cNvPr id="35" name="Straight Arrow Connector 34">
+            <a:extLst>
+              <a:ext uri="{FF2B5EF4-FFF2-40B4-BE49-F238E27FC236}">
+                <a16:creationId xmlns:a16="http://schemas.microsoft.com/office/drawing/2014/main" id="{802D2C11-C858-2B88-C150-B4FA0E1EDE0C}"/>
+              </a:ext>
+            </a:extLst>
+          </p:cNvPr>
+          <p:cNvCxnSpPr>
+            <a:stCxn id="34" idx="0"/>
+          </p:cNvCxnSpPr>
+          <p:nvPr/>
+        </p:nvCxnSpPr>
+        <p:spPr>
+          <a:xfrm flipH="1" flipV="1">
+            <a:off x="2072760" y="4941870"/>
+            <a:ext cx="480" cy="376719"/>
+          </a:xfrm>
+          <a:prstGeom prst="straightConnector1">
+            <a:avLst/>
+          </a:prstGeom>
+          <a:ln>
+            <a:tailEnd type="triangle"/>
+          </a:ln>
+        </p:spPr>
+        <p:style>
+          <a:lnRef idx="2">
+            <a:schemeClr val="dk1"/>
+          </a:lnRef>
+          <a:fillRef idx="0">
+            <a:schemeClr val="dk1"/>
+          </a:fillRef>
+          <a:effectRef idx="1">
+            <a:schemeClr val="dk1"/>
+          </a:effectRef>
+          <a:fontRef idx="minor">
+            <a:schemeClr val="tx1"/>
+          </a:fontRef>
+        </p:style>
+      </p:cxnSp>
+      <p:sp>
+        <p:nvSpPr>
+          <p:cNvPr id="36" name="Oval 35">
+            <a:extLst>
+              <a:ext uri="{FF2B5EF4-FFF2-40B4-BE49-F238E27FC236}">
+                <a16:creationId xmlns:a16="http://schemas.microsoft.com/office/drawing/2014/main" id="{2C698CEA-0A3F-89F0-C706-DB650DBB4254}"/>
+              </a:ext>
+            </a:extLst>
+          </p:cNvPr>
+          <p:cNvSpPr/>
+          <p:nvPr/>
+        </p:nvSpPr>
+        <p:spPr>
+          <a:xfrm>
+            <a:off x="2775738" y="5318589"/>
+            <a:ext cx="482886" cy="359596"/>
+          </a:xfrm>
+          <a:prstGeom prst="ellipse">
+            <a:avLst/>
+          </a:prstGeom>
+        </p:spPr>
+        <p:style>
+          <a:lnRef idx="2">
+            <a:schemeClr val="dk1"/>
+          </a:lnRef>
+          <a:fillRef idx="1">
+            <a:schemeClr val="lt1"/>
+          </a:fillRef>
+          <a:effectRef idx="0">
+            <a:schemeClr val="dk1"/>
+          </a:effectRef>
+          <a:fontRef idx="minor">
+            <a:schemeClr val="dk1"/>
+          </a:fontRef>
+        </p:style>
+        <p:txBody>
+          <a:bodyPr rtlCol="0" anchor="ctr"/>
+          <a:lstStyle/>
+          <a:p>
+            <a:pPr algn="ctr"/>
+            <a:r>
+              <a:rPr lang="en-US" sz="1100" dirty="0"/>
+              <a:t>e3</a:t>
+            </a:r>
+            <a:endParaRPr lang="en-GB" sz="1100" dirty="0"/>
+          </a:p>
+        </p:txBody>
+      </p:sp>
+      <p:cxnSp>
+        <p:nvCxnSpPr>
+          <p:cNvPr id="37" name="Straight Arrow Connector 36">
+            <a:extLst>
+              <a:ext uri="{FF2B5EF4-FFF2-40B4-BE49-F238E27FC236}">
+                <a16:creationId xmlns:a16="http://schemas.microsoft.com/office/drawing/2014/main" id="{60122F44-B6CD-D56F-FE94-6A7167627A2E}"/>
+              </a:ext>
+            </a:extLst>
+          </p:cNvPr>
+          <p:cNvCxnSpPr>
+            <a:stCxn id="36" idx="0"/>
+          </p:cNvCxnSpPr>
+          <p:nvPr/>
+        </p:nvCxnSpPr>
+        <p:spPr>
+          <a:xfrm flipH="1" flipV="1">
+            <a:off x="3016701" y="4941870"/>
+            <a:ext cx="480" cy="376719"/>
+          </a:xfrm>
+          <a:prstGeom prst="straightConnector1">
+            <a:avLst/>
+          </a:prstGeom>
+          <a:ln>
+            <a:tailEnd type="triangle"/>
+          </a:ln>
+        </p:spPr>
+        <p:style>
+          <a:lnRef idx="2">
+            <a:schemeClr val="dk1"/>
+          </a:lnRef>
+          <a:fillRef idx="0">
+            <a:schemeClr val="dk1"/>
+          </a:fillRef>
+          <a:effectRef idx="1">
+            <a:schemeClr val="dk1"/>
+          </a:effectRef>
+          <a:fontRef idx="minor">
+            <a:schemeClr val="tx1"/>
+          </a:fontRef>
+        </p:style>
+      </p:cxnSp>
+      <p:sp>
+        <p:nvSpPr>
+          <p:cNvPr id="38" name="Oval 37">
+            <a:extLst>
+              <a:ext uri="{FF2B5EF4-FFF2-40B4-BE49-F238E27FC236}">
+                <a16:creationId xmlns:a16="http://schemas.microsoft.com/office/drawing/2014/main" id="{FA2D700A-4F9E-106C-7252-5D10D6DB2677}"/>
+              </a:ext>
+            </a:extLst>
+          </p:cNvPr>
+          <p:cNvSpPr/>
+          <p:nvPr/>
+        </p:nvSpPr>
+        <p:spPr>
+          <a:xfrm>
+            <a:off x="3659744" y="5318589"/>
+            <a:ext cx="482886" cy="359596"/>
+          </a:xfrm>
+          <a:prstGeom prst="ellipse">
+            <a:avLst/>
+          </a:prstGeom>
+        </p:spPr>
+        <p:style>
+          <a:lnRef idx="2">
+            <a:schemeClr val="dk1"/>
+          </a:lnRef>
+          <a:fillRef idx="1">
+            <a:schemeClr val="lt1"/>
+          </a:fillRef>
+          <a:effectRef idx="0">
+            <a:schemeClr val="dk1"/>
+          </a:effectRef>
+          <a:fontRef idx="minor">
+            <a:schemeClr val="dk1"/>
+          </a:fontRef>
+        </p:style>
+        <p:txBody>
+          <a:bodyPr rtlCol="0" anchor="ctr"/>
+          <a:lstStyle/>
+          <a:p>
+            <a:pPr algn="ctr"/>
+            <a:r>
+              <a:rPr lang="en-US" sz="1100" dirty="0"/>
+              <a:t>e4</a:t>
+            </a:r>
+            <a:endParaRPr lang="en-GB" sz="1100" dirty="0"/>
+          </a:p>
+        </p:txBody>
+      </p:sp>
+      <p:cxnSp>
+        <p:nvCxnSpPr>
+          <p:cNvPr id="39" name="Straight Arrow Connector 38">
+            <a:extLst>
+              <a:ext uri="{FF2B5EF4-FFF2-40B4-BE49-F238E27FC236}">
+                <a16:creationId xmlns:a16="http://schemas.microsoft.com/office/drawing/2014/main" id="{4D59B291-4B31-C42F-A3D5-8E0D8786264E}"/>
+              </a:ext>
+            </a:extLst>
+          </p:cNvPr>
+          <p:cNvCxnSpPr>
+            <a:stCxn id="38" idx="0"/>
+          </p:cNvCxnSpPr>
+          <p:nvPr/>
+        </p:nvCxnSpPr>
+        <p:spPr>
+          <a:xfrm flipH="1" flipV="1">
+            <a:off x="3900707" y="4941870"/>
+            <a:ext cx="480" cy="376719"/>
+          </a:xfrm>
+          <a:prstGeom prst="straightConnector1">
+            <a:avLst/>
+          </a:prstGeom>
+          <a:ln>
+            <a:tailEnd type="triangle"/>
+          </a:ln>
+        </p:spPr>
+        <p:style>
+          <a:lnRef idx="2">
+            <a:schemeClr val="dk1"/>
+          </a:lnRef>
+          <a:fillRef idx="0">
+            <a:schemeClr val="dk1"/>
+          </a:fillRef>
+          <a:effectRef idx="1">
+            <a:schemeClr val="dk1"/>
+          </a:effectRef>
+          <a:fontRef idx="minor">
+            <a:schemeClr val="tx1"/>
+          </a:fontRef>
+        </p:style>
+      </p:cxnSp>
+      <p:sp>
+        <p:nvSpPr>
+          <p:cNvPr id="40" name="Oval 39">
+            <a:extLst>
+              <a:ext uri="{FF2B5EF4-FFF2-40B4-BE49-F238E27FC236}">
+                <a16:creationId xmlns:a16="http://schemas.microsoft.com/office/drawing/2014/main" id="{ED5A9A4D-FAAE-F6E0-A2B0-9A651420C8FF}"/>
+              </a:ext>
+            </a:extLst>
+          </p:cNvPr>
+          <p:cNvSpPr/>
+          <p:nvPr/>
+        </p:nvSpPr>
+        <p:spPr>
+          <a:xfrm>
+            <a:off x="4562489" y="5318589"/>
+            <a:ext cx="482886" cy="359596"/>
+          </a:xfrm>
+          <a:prstGeom prst="ellipse">
+            <a:avLst/>
+          </a:prstGeom>
+        </p:spPr>
+        <p:style>
+          <a:lnRef idx="2">
+            <a:schemeClr val="dk1"/>
+          </a:lnRef>
+          <a:fillRef idx="1">
+            <a:schemeClr val="lt1"/>
+          </a:fillRef>
+          <a:effectRef idx="0">
+            <a:schemeClr val="dk1"/>
+          </a:effectRef>
+          <a:fontRef idx="minor">
+            <a:schemeClr val="dk1"/>
+          </a:fontRef>
+        </p:style>
+        <p:txBody>
+          <a:bodyPr rtlCol="0" anchor="ctr"/>
+          <a:lstStyle/>
+          <a:p>
+            <a:pPr algn="ctr"/>
+            <a:r>
+              <a:rPr lang="en-US" sz="1100" dirty="0"/>
+              <a:t>e5</a:t>
+            </a:r>
+            <a:endParaRPr lang="en-GB" sz="1100" dirty="0"/>
+          </a:p>
+        </p:txBody>
+      </p:sp>
+      <p:cxnSp>
+        <p:nvCxnSpPr>
+          <p:cNvPr id="41" name="Straight Arrow Connector 40">
+            <a:extLst>
+              <a:ext uri="{FF2B5EF4-FFF2-40B4-BE49-F238E27FC236}">
+                <a16:creationId xmlns:a16="http://schemas.microsoft.com/office/drawing/2014/main" id="{598D9F93-E0A7-539D-BFB2-1645BF123F48}"/>
+              </a:ext>
+            </a:extLst>
+          </p:cNvPr>
+          <p:cNvCxnSpPr>
+            <a:stCxn id="40" idx="0"/>
+          </p:cNvCxnSpPr>
+          <p:nvPr/>
+        </p:nvCxnSpPr>
+        <p:spPr>
+          <a:xfrm flipH="1" flipV="1">
+            <a:off x="4803452" y="4941870"/>
+            <a:ext cx="480" cy="376719"/>
+          </a:xfrm>
+          <a:prstGeom prst="straightConnector1">
+            <a:avLst/>
+          </a:prstGeom>
+          <a:ln>
+            <a:tailEnd type="triangle"/>
+          </a:ln>
+        </p:spPr>
+        <p:style>
+          <a:lnRef idx="2">
+            <a:schemeClr val="dk1"/>
+          </a:lnRef>
+          <a:fillRef idx="0">
+            <a:schemeClr val="dk1"/>
+          </a:fillRef>
+          <a:effectRef idx="1">
+            <a:schemeClr val="dk1"/>
+          </a:effectRef>
+          <a:fontRef idx="minor">
+            <a:schemeClr val="tx1"/>
+          </a:fontRef>
+        </p:style>
+      </p:cxnSp>
+      <p:sp>
+        <p:nvSpPr>
+          <p:cNvPr id="42" name="Oval 41">
+            <a:extLst>
+              <a:ext uri="{FF2B5EF4-FFF2-40B4-BE49-F238E27FC236}">
+                <a16:creationId xmlns:a16="http://schemas.microsoft.com/office/drawing/2014/main" id="{FC8D1ADF-6495-AE72-AB40-035A7AC58B37}"/>
+              </a:ext>
+            </a:extLst>
+          </p:cNvPr>
+          <p:cNvSpPr/>
+          <p:nvPr/>
+        </p:nvSpPr>
+        <p:spPr>
+          <a:xfrm>
+            <a:off x="5444969" y="5300314"/>
+            <a:ext cx="482886" cy="359596"/>
+          </a:xfrm>
+          <a:prstGeom prst="ellipse">
+            <a:avLst/>
+          </a:prstGeom>
+        </p:spPr>
+        <p:style>
+          <a:lnRef idx="2">
+            <a:schemeClr val="dk1"/>
+          </a:lnRef>
+          <a:fillRef idx="1">
+            <a:schemeClr val="lt1"/>
+          </a:fillRef>
+          <a:effectRef idx="0">
+            <a:schemeClr val="dk1"/>
+          </a:effectRef>
+          <a:fontRef idx="minor">
+            <a:schemeClr val="dk1"/>
+          </a:fontRef>
+        </p:style>
+        <p:txBody>
+          <a:bodyPr rtlCol="0" anchor="ctr"/>
+          <a:lstStyle/>
+          <a:p>
+            <a:pPr algn="ctr"/>
+            <a:r>
+              <a:rPr lang="en-US" sz="1100" dirty="0"/>
+              <a:t>e6</a:t>
+            </a:r>
+            <a:endParaRPr lang="en-GB" sz="1100" dirty="0"/>
+          </a:p>
+        </p:txBody>
+      </p:sp>
+      <p:cxnSp>
+        <p:nvCxnSpPr>
+          <p:cNvPr id="43" name="Straight Arrow Connector 42">
+            <a:extLst>
+              <a:ext uri="{FF2B5EF4-FFF2-40B4-BE49-F238E27FC236}">
+                <a16:creationId xmlns:a16="http://schemas.microsoft.com/office/drawing/2014/main" id="{C5703FF9-ACB9-0439-BE0C-3F6843CB0F84}"/>
+              </a:ext>
+            </a:extLst>
+          </p:cNvPr>
+          <p:cNvCxnSpPr>
+            <a:stCxn id="42" idx="0"/>
+          </p:cNvCxnSpPr>
+          <p:nvPr/>
+        </p:nvCxnSpPr>
+        <p:spPr>
+          <a:xfrm flipH="1" flipV="1">
+            <a:off x="5685932" y="4923595"/>
+            <a:ext cx="480" cy="376719"/>
+          </a:xfrm>
+          <a:prstGeom prst="straightConnector1">
+            <a:avLst/>
+          </a:prstGeom>
+          <a:ln>
+            <a:tailEnd type="triangle"/>
+          </a:ln>
+        </p:spPr>
+        <p:style>
+          <a:lnRef idx="2">
+            <a:schemeClr val="dk1"/>
+          </a:lnRef>
+          <a:fillRef idx="0">
+            <a:schemeClr val="dk1"/>
+          </a:fillRef>
+          <a:effectRef idx="1">
+            <a:schemeClr val="dk1"/>
+          </a:effectRef>
+          <a:fontRef idx="minor">
+            <a:schemeClr val="tx1"/>
+          </a:fontRef>
+        </p:style>
+      </p:cxnSp>
+      <p:sp>
+        <p:nvSpPr>
+          <p:cNvPr id="44" name="TextBox 43">
+            <a:extLst>
+              <a:ext uri="{FF2B5EF4-FFF2-40B4-BE49-F238E27FC236}">
+                <a16:creationId xmlns:a16="http://schemas.microsoft.com/office/drawing/2014/main" id="{30D9BDB2-1CF8-3CFB-3CD5-8B3C66EFEA38}"/>
+              </a:ext>
+            </a:extLst>
+          </p:cNvPr>
+          <p:cNvSpPr txBox="1"/>
+          <p:nvPr/>
+        </p:nvSpPr>
+        <p:spPr>
+          <a:xfrm>
+            <a:off x="7640977" y="1687263"/>
+            <a:ext cx="4054236" cy="1200329"/>
+          </a:xfrm>
+          <a:prstGeom prst="rect">
+            <a:avLst/>
+          </a:prstGeom>
+          <a:noFill/>
+        </p:spPr>
+        <p:txBody>
+          <a:bodyPr wrap="square" rtlCol="0">
+            <a:spAutoFit/>
+          </a:bodyPr>
           <a:lstStyle/>
           <a:p>
             <a:r>
               <a:rPr lang="es-MX" dirty="0"/>
-              <a:t>Falsos positivos y negativos: Sub/sobre estimación de la pobreza</a:t>
-            </a:r>
-          </a:p>
-          <a:p>
-            <a:endParaRPr lang="es-MX" dirty="0"/>
-          </a:p>
-          <a:p>
-            <a:pPr lvl="1"/>
+              <a:t>La validez depende de la consistencia global del modelo y de la evidencia a favor de que pobreza se comporta según las hipótesis del modelo</a:t>
+            </a:r>
+          </a:p>
+        </p:txBody>
+      </p:sp>
+      <p:sp>
+        <p:nvSpPr>
+          <p:cNvPr id="45" name="TextBox 44">
+            <a:extLst>
+              <a:ext uri="{FF2B5EF4-FFF2-40B4-BE49-F238E27FC236}">
+                <a16:creationId xmlns:a16="http://schemas.microsoft.com/office/drawing/2014/main" id="{91FC5CE3-6E49-A03A-1333-E80C770CCD77}"/>
+              </a:ext>
+            </a:extLst>
+          </p:cNvPr>
+          <p:cNvSpPr txBox="1"/>
+          <p:nvPr/>
+        </p:nvSpPr>
+        <p:spPr>
+          <a:xfrm>
+            <a:off x="1682351" y="3339101"/>
+            <a:ext cx="446540" cy="369332"/>
+          </a:xfrm>
+          <a:prstGeom prst="rect">
+            <a:avLst/>
+          </a:prstGeom>
+          <a:noFill/>
+        </p:spPr>
+        <p:txBody>
+          <a:bodyPr wrap="square" rtlCol="0">
+            <a:spAutoFit/>
+          </a:bodyPr>
+          <a:lstStyle/>
+          <a:p>
+            <a:r>
+              <a:rPr lang="el-GR" dirty="0">
+                <a:solidFill>
+                  <a:srgbClr val="FF0000"/>
+                </a:solidFill>
+                <a:latin typeface="Times New Roman" panose="02020603050405020304" pitchFamily="18" charset="0"/>
+                <a:cs typeface="Times New Roman" panose="02020603050405020304" pitchFamily="18" charset="0"/>
+              </a:rPr>
+              <a:t>λ</a:t>
+            </a:r>
+            <a:r>
+              <a:rPr lang="es-MX" dirty="0">
+                <a:solidFill>
+                  <a:srgbClr val="FF0000"/>
+                </a:solidFill>
+                <a:latin typeface="Times New Roman" panose="02020603050405020304" pitchFamily="18" charset="0"/>
+                <a:cs typeface="Times New Roman" panose="02020603050405020304" pitchFamily="18" charset="0"/>
+              </a:rPr>
+              <a:t>1</a:t>
+            </a:r>
+            <a:endParaRPr lang="en-GB" dirty="0">
+              <a:solidFill>
+                <a:srgbClr val="FF0000"/>
+              </a:solidFill>
+            </a:endParaRPr>
+          </a:p>
+        </p:txBody>
+      </p:sp>
+      <p:sp>
+        <p:nvSpPr>
+          <p:cNvPr id="46" name="TextBox 45">
+            <a:extLst>
+              <a:ext uri="{FF2B5EF4-FFF2-40B4-BE49-F238E27FC236}">
+                <a16:creationId xmlns:a16="http://schemas.microsoft.com/office/drawing/2014/main" id="{761FCB61-BBAF-EDBD-F4F2-7B9C8E7131ED}"/>
+              </a:ext>
+            </a:extLst>
+          </p:cNvPr>
+          <p:cNvSpPr txBox="1"/>
+          <p:nvPr/>
+        </p:nvSpPr>
+        <p:spPr>
+          <a:xfrm>
+            <a:off x="4762462" y="3339101"/>
+            <a:ext cx="446540" cy="369332"/>
+          </a:xfrm>
+          <a:prstGeom prst="rect">
+            <a:avLst/>
+          </a:prstGeom>
+          <a:noFill/>
+        </p:spPr>
+        <p:txBody>
+          <a:bodyPr wrap="square" rtlCol="0">
+            <a:spAutoFit/>
+          </a:bodyPr>
+          <a:lstStyle/>
+          <a:p>
+            <a:r>
+              <a:rPr lang="el-GR" dirty="0">
+                <a:solidFill>
+                  <a:srgbClr val="FF0000"/>
+                </a:solidFill>
+                <a:latin typeface="Times New Roman" panose="02020603050405020304" pitchFamily="18" charset="0"/>
+                <a:cs typeface="Times New Roman" panose="02020603050405020304" pitchFamily="18" charset="0"/>
+              </a:rPr>
+              <a:t>λ</a:t>
+            </a:r>
+            <a:r>
+              <a:rPr lang="es-MX" dirty="0">
+                <a:solidFill>
+                  <a:srgbClr val="FF0000"/>
+                </a:solidFill>
+                <a:latin typeface="Times New Roman" panose="02020603050405020304" pitchFamily="18" charset="0"/>
+                <a:cs typeface="Times New Roman" panose="02020603050405020304" pitchFamily="18" charset="0"/>
+              </a:rPr>
+              <a:t>6</a:t>
+            </a:r>
+            <a:endParaRPr lang="en-GB" dirty="0">
+              <a:solidFill>
+                <a:srgbClr val="FF0000"/>
+              </a:solidFill>
+            </a:endParaRPr>
+          </a:p>
+        </p:txBody>
+      </p:sp>
+      <p:sp>
+        <p:nvSpPr>
+          <p:cNvPr id="3" name="Oval 2">
+            <a:extLst>
+              <a:ext uri="{FF2B5EF4-FFF2-40B4-BE49-F238E27FC236}">
+                <a16:creationId xmlns:a16="http://schemas.microsoft.com/office/drawing/2014/main" id="{08D26AB3-BA4B-C6EE-042A-960510305483}"/>
+              </a:ext>
+            </a:extLst>
+          </p:cNvPr>
+          <p:cNvSpPr/>
+          <p:nvPr/>
+        </p:nvSpPr>
+        <p:spPr>
+          <a:xfrm>
+            <a:off x="5548045" y="1709412"/>
+            <a:ext cx="1705510" cy="1189528"/>
+          </a:xfrm>
+          <a:prstGeom prst="ellipse">
+            <a:avLst/>
+          </a:prstGeom>
+        </p:spPr>
+        <p:style>
+          <a:lnRef idx="2">
+            <a:schemeClr val="dk1"/>
+          </a:lnRef>
+          <a:fillRef idx="1">
+            <a:schemeClr val="lt1"/>
+          </a:fillRef>
+          <a:effectRef idx="0">
+            <a:schemeClr val="dk1"/>
+          </a:effectRef>
+          <a:fontRef idx="minor">
+            <a:schemeClr val="dk1"/>
+          </a:fontRef>
+        </p:style>
+        <p:txBody>
+          <a:bodyPr rtlCol="0" anchor="ctr"/>
+          <a:lstStyle/>
+          <a:p>
+            <a:pPr algn="ctr"/>
             <a:r>
               <a:rPr lang="es-MX" dirty="0"/>
-              <a:t>Pobre identificación para los modelos </a:t>
-            </a:r>
-            <a:r>
-              <a:rPr lang="es-MX" dirty="0" err="1"/>
-              <a:t>logit</a:t>
-            </a:r>
-            <a:r>
-              <a:rPr lang="es-MX" dirty="0"/>
-              <a:t>/</a:t>
-            </a:r>
-            <a:r>
-              <a:rPr lang="es-MX" dirty="0" err="1"/>
-              <a:t>probit</a:t>
-            </a:r>
-            <a:r>
-              <a:rPr lang="es-MX" dirty="0"/>
-              <a:t> de variables binarias</a:t>
-            </a:r>
-          </a:p>
-          <a:p>
-            <a:pPr lvl="1"/>
-            <a:endParaRPr lang="es-MX" dirty="0"/>
-          </a:p>
-          <a:p>
-            <a:pPr lvl="1"/>
-            <a:endParaRPr lang="es-MX" dirty="0"/>
-          </a:p>
-          <a:p>
-            <a:r>
-              <a:rPr lang="es-MX" dirty="0"/>
-              <a:t>Estimaciones inconsistentes y sesgadas (</a:t>
-            </a:r>
-            <a:r>
-              <a:rPr lang="es-MX" dirty="0" err="1"/>
-              <a:t>Hausman</a:t>
-            </a:r>
-            <a:r>
-              <a:rPr lang="es-MX" dirty="0"/>
-              <a:t> et al., 1999)</a:t>
-            </a:r>
-          </a:p>
-          <a:p>
-            <a:endParaRPr lang="es-MX" dirty="0"/>
-          </a:p>
-          <a:p>
-            <a:endParaRPr lang="es-MX" dirty="0"/>
-          </a:p>
-          <a:p>
+              <a:t>Recursos</a:t>
+            </a:r>
             <a:endParaRPr lang="en-GB" dirty="0"/>
           </a:p>
         </p:txBody>
       </p:sp>
+      <p:cxnSp>
+        <p:nvCxnSpPr>
+          <p:cNvPr id="13" name="Straight Arrow Connector 12">
+            <a:extLst>
+              <a:ext uri="{FF2B5EF4-FFF2-40B4-BE49-F238E27FC236}">
+                <a16:creationId xmlns:a16="http://schemas.microsoft.com/office/drawing/2014/main" id="{772E24A3-31D1-F751-79CB-17565FD729B3}"/>
+              </a:ext>
+            </a:extLst>
+          </p:cNvPr>
+          <p:cNvCxnSpPr>
+            <a:stCxn id="3" idx="2"/>
+            <a:endCxn id="4" idx="6"/>
+          </p:cNvCxnSpPr>
+          <p:nvPr/>
+        </p:nvCxnSpPr>
+        <p:spPr>
+          <a:xfrm flipH="1">
+            <a:off x="4345969" y="2304176"/>
+            <a:ext cx="1202076" cy="0"/>
+          </a:xfrm>
+          <a:prstGeom prst="straightConnector1">
+            <a:avLst/>
+          </a:prstGeom>
+          <a:ln>
+            <a:tailEnd type="triangle"/>
+          </a:ln>
+        </p:spPr>
+        <p:style>
+          <a:lnRef idx="2">
+            <a:schemeClr val="dk1"/>
+          </a:lnRef>
+          <a:fillRef idx="0">
+            <a:schemeClr val="dk1"/>
+          </a:fillRef>
+          <a:effectRef idx="1">
+            <a:schemeClr val="dk1"/>
+          </a:effectRef>
+          <a:fontRef idx="minor">
+            <a:schemeClr val="tx1"/>
+          </a:fontRef>
+        </p:style>
+      </p:cxnSp>
     </p:spTree>
     <p:extLst>
       <p:ext uri="{BB962C8B-B14F-4D97-AF65-F5344CB8AC3E}">
-        <p14:creationId xmlns:p14="http://schemas.microsoft.com/office/powerpoint/2010/main" val="118839557"/>
+        <p14:creationId xmlns:p14="http://schemas.microsoft.com/office/powerpoint/2010/main" val="1968035015"/>
       </p:ext>
     </p:extLst>
   </p:cSld>

--- a/Taller_MedicionPobreza.pptx
+++ b/Taller_MedicionPobreza.pptx
@@ -13,9 +13,11 @@
     <p:sldId id="567" r:id="rId7"/>
     <p:sldId id="647" r:id="rId8"/>
     <p:sldId id="648" r:id="rId9"/>
-    <p:sldId id="649" r:id="rId10"/>
-    <p:sldId id="645" r:id="rId11"/>
-    <p:sldId id="646" r:id="rId12"/>
+    <p:sldId id="650" r:id="rId10"/>
+    <p:sldId id="649" r:id="rId11"/>
+    <p:sldId id="645" r:id="rId12"/>
+    <p:sldId id="646" r:id="rId13"/>
+    <p:sldId id="651" r:id="rId14"/>
   </p:sldIdLst>
   <p:sldSz cx="12192000" cy="6858000"/>
   <p:notesSz cx="6858000" cy="9144000"/>
@@ -125,7 +127,7 @@
 <file path=ppt/revisionInfo.xml><?xml version="1.0" encoding="utf-8"?>
 <p1510:revInfo xmlns:a="http://schemas.openxmlformats.org/drawingml/2006/main" xmlns:r="http://schemas.openxmlformats.org/officeDocument/2006/relationships" xmlns:p1510="http://schemas.microsoft.com/office/powerpoint/2015/10/main">
   <p1510:revLst>
-    <p1510:client id="{614C782C-2287-4FEF-A0B3-7F7E663DC84B}" v="153" dt="2025-04-21T05:08:09.774"/>
+    <p1510:client id="{614C782C-2287-4FEF-A0B3-7F7E663DC84B}" v="156" dt="2025-04-21T05:18:20.923"/>
   </p1510:revLst>
 </p1510:revInfo>
 </file>
@@ -134,8 +136,8 @@
 <pc:chgInfo xmlns:a="http://schemas.openxmlformats.org/drawingml/2006/main" xmlns:r="http://schemas.openxmlformats.org/officeDocument/2006/relationships" xmlns:ac="http://schemas.microsoft.com/office/drawing/2013/main/command" xmlns:pc="http://schemas.microsoft.com/office/powerpoint/2013/main/command">
   <pc:docChgLst>
     <pc:chgData name="Hector Najera" userId="04fbcd51e4148ba7" providerId="LiveId" clId="{614C782C-2287-4FEF-A0B3-7F7E663DC84B}"/>
-    <pc:docChg chg="undo custSel addSld modSld">
-      <pc:chgData name="Hector Najera" userId="04fbcd51e4148ba7" providerId="LiveId" clId="{614C782C-2287-4FEF-A0B3-7F7E663DC84B}" dt="2025-04-21T05:10:00.569" v="1501" actId="20577"/>
+    <pc:docChg chg="undo custSel addSld delSld modSld">
+      <pc:chgData name="Hector Najera" userId="04fbcd51e4148ba7" providerId="LiveId" clId="{614C782C-2287-4FEF-A0B3-7F7E663DC84B}" dt="2025-04-21T05:18:45.434" v="1602" actId="1076"/>
       <pc:docMkLst>
         <pc:docMk/>
       </pc:docMkLst>
@@ -669,6 +671,83 @@
           </ac:cxnSpMkLst>
         </pc:cxnChg>
       </pc:sldChg>
+      <pc:sldChg chg="addSp delSp modSp new mod">
+        <pc:chgData name="Hector Najera" userId="04fbcd51e4148ba7" providerId="LiveId" clId="{614C782C-2287-4FEF-A0B3-7F7E663DC84B}" dt="2025-04-21T05:14:00.828" v="1562" actId="20577"/>
+        <pc:sldMkLst>
+          <pc:docMk/>
+          <pc:sldMk cId="2997281300" sldId="650"/>
+        </pc:sldMkLst>
+        <pc:spChg chg="mod">
+          <ac:chgData name="Hector Najera" userId="04fbcd51e4148ba7" providerId="LiveId" clId="{614C782C-2287-4FEF-A0B3-7F7E663DC84B}" dt="2025-04-21T05:14:00.828" v="1562" actId="20577"/>
+          <ac:spMkLst>
+            <pc:docMk/>
+            <pc:sldMk cId="2997281300" sldId="650"/>
+            <ac:spMk id="2" creationId="{08920181-DCC9-5048-B717-5555B776806F}"/>
+          </ac:spMkLst>
+        </pc:spChg>
+        <pc:spChg chg="del">
+          <ac:chgData name="Hector Najera" userId="04fbcd51e4148ba7" providerId="LiveId" clId="{614C782C-2287-4FEF-A0B3-7F7E663DC84B}" dt="2025-04-21T05:13:50.586" v="1503" actId="931"/>
+          <ac:spMkLst>
+            <pc:docMk/>
+            <pc:sldMk cId="2997281300" sldId="650"/>
+            <ac:spMk id="3" creationId="{1E1E8AD8-BF2F-E8E3-8832-16E54E53BB7B}"/>
+          </ac:spMkLst>
+        </pc:spChg>
+        <pc:picChg chg="add mod">
+          <ac:chgData name="Hector Najera" userId="04fbcd51e4148ba7" providerId="LiveId" clId="{614C782C-2287-4FEF-A0B3-7F7E663DC84B}" dt="2025-04-21T05:13:50.586" v="1503" actId="931"/>
+          <ac:picMkLst>
+            <pc:docMk/>
+            <pc:sldMk cId="2997281300" sldId="650"/>
+            <ac:picMk id="5" creationId="{552FDEBB-A83C-4FD9-4D26-25168185CF97}"/>
+          </ac:picMkLst>
+        </pc:picChg>
+      </pc:sldChg>
+      <pc:sldChg chg="addSp delSp modSp new mod">
+        <pc:chgData name="Hector Najera" userId="04fbcd51e4148ba7" providerId="LiveId" clId="{614C782C-2287-4FEF-A0B3-7F7E663DC84B}" dt="2025-04-21T05:18:45.434" v="1602" actId="1076"/>
+        <pc:sldMkLst>
+          <pc:docMk/>
+          <pc:sldMk cId="997146496" sldId="651"/>
+        </pc:sldMkLst>
+        <pc:spChg chg="mod">
+          <ac:chgData name="Hector Najera" userId="04fbcd51e4148ba7" providerId="LiveId" clId="{614C782C-2287-4FEF-A0B3-7F7E663DC84B}" dt="2025-04-21T05:14:20.293" v="1594" actId="20577"/>
+          <ac:spMkLst>
+            <pc:docMk/>
+            <pc:sldMk cId="997146496" sldId="651"/>
+            <ac:spMk id="2" creationId="{4959094A-EDD9-CCF3-085E-6030DC9B39EA}"/>
+          </ac:spMkLst>
+        </pc:spChg>
+        <pc:spChg chg="del">
+          <ac:chgData name="Hector Najera" userId="04fbcd51e4148ba7" providerId="LiveId" clId="{614C782C-2287-4FEF-A0B3-7F7E663DC84B}" dt="2025-04-21T05:14:23.125" v="1595" actId="478"/>
+          <ac:spMkLst>
+            <pc:docMk/>
+            <pc:sldMk cId="997146496" sldId="651"/>
+            <ac:spMk id="3" creationId="{8FD477E6-FE12-DD16-F095-01849789905C}"/>
+          </ac:spMkLst>
+        </pc:spChg>
+        <pc:picChg chg="add mod">
+          <ac:chgData name="Hector Najera" userId="04fbcd51e4148ba7" providerId="LiveId" clId="{614C782C-2287-4FEF-A0B3-7F7E663DC84B}" dt="2025-04-21T05:15:09.782" v="1599" actId="14100"/>
+          <ac:picMkLst>
+            <pc:docMk/>
+            <pc:sldMk cId="997146496" sldId="651"/>
+            <ac:picMk id="5" creationId="{E2E113D2-A70F-338E-39E4-D683338F8A42}"/>
+          </ac:picMkLst>
+        </pc:picChg>
+        <pc:picChg chg="add mod">
+          <ac:chgData name="Hector Najera" userId="04fbcd51e4148ba7" providerId="LiveId" clId="{614C782C-2287-4FEF-A0B3-7F7E663DC84B}" dt="2025-04-21T05:18:45.434" v="1602" actId="1076"/>
+          <ac:picMkLst>
+            <pc:docMk/>
+            <pc:sldMk cId="997146496" sldId="651"/>
+            <ac:picMk id="7" creationId="{6727936A-9A19-54B0-E55D-96B45262BCDA}"/>
+          </ac:picMkLst>
+        </pc:picChg>
+      </pc:sldChg>
+      <pc:sldChg chg="add del">
+        <pc:chgData name="Hector Najera" userId="04fbcd51e4148ba7" providerId="LiveId" clId="{614C782C-2287-4FEF-A0B3-7F7E663DC84B}" dt="2025-04-21T05:14:08.428" v="1564" actId="2890"/>
+        <pc:sldMkLst>
+          <pc:docMk/>
+          <pc:sldMk cId="1914549035" sldId="651"/>
+        </pc:sldMkLst>
+      </pc:sldChg>
     </pc:docChg>
   </pc:docChgLst>
 </pc:chgInfo>
@@ -4537,6 +4616,1431 @@
   <p:cSld>
     <p:spTree>
       <p:nvGrpSpPr>
+        <p:cNvPr id="1" name="">
+          <a:extLst>
+            <a:ext uri="{FF2B5EF4-FFF2-40B4-BE49-F238E27FC236}">
+              <a16:creationId xmlns:a16="http://schemas.microsoft.com/office/drawing/2014/main" id="{87123B22-783C-D054-D532-F43E776E4BF8}"/>
+            </a:ext>
+          </a:extLst>
+        </p:cNvPr>
+        <p:cNvGrpSpPr/>
+        <p:nvPr/>
+      </p:nvGrpSpPr>
+      <p:grpSpPr>
+        <a:xfrm>
+          <a:off x="0" y="0"/>
+          <a:ext cx="0" cy="0"/>
+          <a:chOff x="0" y="0"/>
+          <a:chExt cx="0" cy="0"/>
+        </a:xfrm>
+      </p:grpSpPr>
+      <p:sp>
+        <p:nvSpPr>
+          <p:cNvPr id="2" name="Title 1">
+            <a:extLst>
+              <a:ext uri="{FF2B5EF4-FFF2-40B4-BE49-F238E27FC236}">
+                <a16:creationId xmlns:a16="http://schemas.microsoft.com/office/drawing/2014/main" id="{0FAE98BD-FBD6-40F2-04F8-6368D4726ADB}"/>
+              </a:ext>
+            </a:extLst>
+          </p:cNvPr>
+          <p:cNvSpPr>
+            <a:spLocks noGrp="1"/>
+          </p:cNvSpPr>
+          <p:nvPr>
+            <p:ph type="title"/>
+          </p:nvPr>
+        </p:nvSpPr>
+        <p:spPr/>
+        <p:txBody>
+          <a:bodyPr/>
+          <a:lstStyle/>
+          <a:p>
+            <a:r>
+              <a:rPr lang="en-US" dirty="0" err="1"/>
+              <a:t>Validez</a:t>
+            </a:r>
+            <a:endParaRPr lang="en-GB" dirty="0"/>
+          </a:p>
+        </p:txBody>
+      </p:sp>
+      <p:sp>
+        <p:nvSpPr>
+          <p:cNvPr id="4" name="Oval 3">
+            <a:extLst>
+              <a:ext uri="{FF2B5EF4-FFF2-40B4-BE49-F238E27FC236}">
+                <a16:creationId xmlns:a16="http://schemas.microsoft.com/office/drawing/2014/main" id="{1E516469-43B5-36B5-9864-C903286579E7}"/>
+              </a:ext>
+            </a:extLst>
+          </p:cNvPr>
+          <p:cNvSpPr/>
+          <p:nvPr/>
+        </p:nvSpPr>
+        <p:spPr>
+          <a:xfrm>
+            <a:off x="2527443" y="1641395"/>
+            <a:ext cx="1818526" cy="1325562"/>
+          </a:xfrm>
+          <a:prstGeom prst="ellipse">
+            <a:avLst/>
+          </a:prstGeom>
+        </p:spPr>
+        <p:style>
+          <a:lnRef idx="2">
+            <a:schemeClr val="dk1"/>
+          </a:lnRef>
+          <a:fillRef idx="1">
+            <a:schemeClr val="lt1"/>
+          </a:fillRef>
+          <a:effectRef idx="0">
+            <a:schemeClr val="dk1"/>
+          </a:effectRef>
+          <a:fontRef idx="minor">
+            <a:schemeClr val="dk1"/>
+          </a:fontRef>
+        </p:style>
+        <p:txBody>
+          <a:bodyPr rtlCol="0" anchor="ctr"/>
+          <a:lstStyle/>
+          <a:p>
+            <a:pPr algn="ctr"/>
+            <a:r>
+              <a:rPr lang="en-US" dirty="0" err="1"/>
+              <a:t>Pobreza</a:t>
+            </a:r>
+            <a:endParaRPr lang="en-GB" dirty="0"/>
+          </a:p>
+        </p:txBody>
+      </p:sp>
+      <p:sp>
+        <p:nvSpPr>
+          <p:cNvPr id="5" name="Rectangle 4">
+            <a:extLst>
+              <a:ext uri="{FF2B5EF4-FFF2-40B4-BE49-F238E27FC236}">
+                <a16:creationId xmlns:a16="http://schemas.microsoft.com/office/drawing/2014/main" id="{782AF12E-8780-B83C-9ED4-04A601FE5A6B}"/>
+              </a:ext>
+            </a:extLst>
+          </p:cNvPr>
+          <p:cNvSpPr/>
+          <p:nvPr/>
+        </p:nvSpPr>
+        <p:spPr>
+          <a:xfrm>
+            <a:off x="838200" y="4243227"/>
+            <a:ext cx="651553" cy="698643"/>
+          </a:xfrm>
+          <a:prstGeom prst="rect">
+            <a:avLst/>
+          </a:prstGeom>
+        </p:spPr>
+        <p:style>
+          <a:lnRef idx="2">
+            <a:schemeClr val="dk1"/>
+          </a:lnRef>
+          <a:fillRef idx="1">
+            <a:schemeClr val="lt1"/>
+          </a:fillRef>
+          <a:effectRef idx="0">
+            <a:schemeClr val="dk1"/>
+          </a:effectRef>
+          <a:fontRef idx="minor">
+            <a:schemeClr val="dk1"/>
+          </a:fontRef>
+        </p:style>
+        <p:txBody>
+          <a:bodyPr rtlCol="0" anchor="ctr"/>
+          <a:lstStyle/>
+          <a:p>
+            <a:pPr algn="ctr"/>
+            <a:r>
+              <a:rPr lang="en-US" dirty="0"/>
+              <a:t>X1</a:t>
+            </a:r>
+            <a:endParaRPr lang="en-GB" dirty="0"/>
+          </a:p>
+        </p:txBody>
+      </p:sp>
+      <p:sp>
+        <p:nvSpPr>
+          <p:cNvPr id="6" name="Rectangle 5">
+            <a:extLst>
+              <a:ext uri="{FF2B5EF4-FFF2-40B4-BE49-F238E27FC236}">
+                <a16:creationId xmlns:a16="http://schemas.microsoft.com/office/drawing/2014/main" id="{CAF48F8A-965B-D2DB-6808-261BD5B6F88E}"/>
+              </a:ext>
+            </a:extLst>
+          </p:cNvPr>
+          <p:cNvSpPr/>
+          <p:nvPr/>
+        </p:nvSpPr>
+        <p:spPr>
+          <a:xfrm>
+            <a:off x="1763731" y="4243227"/>
+            <a:ext cx="651553" cy="698643"/>
+          </a:xfrm>
+          <a:prstGeom prst="rect">
+            <a:avLst/>
+          </a:prstGeom>
+        </p:spPr>
+        <p:style>
+          <a:lnRef idx="2">
+            <a:schemeClr val="dk1"/>
+          </a:lnRef>
+          <a:fillRef idx="1">
+            <a:schemeClr val="lt1"/>
+          </a:fillRef>
+          <a:effectRef idx="0">
+            <a:schemeClr val="dk1"/>
+          </a:effectRef>
+          <a:fontRef idx="minor">
+            <a:schemeClr val="dk1"/>
+          </a:fontRef>
+        </p:style>
+        <p:txBody>
+          <a:bodyPr rtlCol="0" anchor="ctr"/>
+          <a:lstStyle/>
+          <a:p>
+            <a:pPr algn="ctr"/>
+            <a:r>
+              <a:rPr lang="en-US" dirty="0"/>
+              <a:t>X2</a:t>
+            </a:r>
+            <a:endParaRPr lang="en-GB" dirty="0"/>
+          </a:p>
+        </p:txBody>
+      </p:sp>
+      <p:sp>
+        <p:nvSpPr>
+          <p:cNvPr id="7" name="Rectangle 6">
+            <a:extLst>
+              <a:ext uri="{FF2B5EF4-FFF2-40B4-BE49-F238E27FC236}">
+                <a16:creationId xmlns:a16="http://schemas.microsoft.com/office/drawing/2014/main" id="{23BDB681-AE24-E4A3-8F97-85A4E903AB36}"/>
+              </a:ext>
+            </a:extLst>
+          </p:cNvPr>
+          <p:cNvSpPr/>
+          <p:nvPr/>
+        </p:nvSpPr>
+        <p:spPr>
+          <a:xfrm>
+            <a:off x="2689262" y="4243227"/>
+            <a:ext cx="651553" cy="698643"/>
+          </a:xfrm>
+          <a:prstGeom prst="rect">
+            <a:avLst/>
+          </a:prstGeom>
+        </p:spPr>
+        <p:style>
+          <a:lnRef idx="2">
+            <a:schemeClr val="dk1"/>
+          </a:lnRef>
+          <a:fillRef idx="1">
+            <a:schemeClr val="lt1"/>
+          </a:fillRef>
+          <a:effectRef idx="0">
+            <a:schemeClr val="dk1"/>
+          </a:effectRef>
+          <a:fontRef idx="minor">
+            <a:schemeClr val="dk1"/>
+          </a:fontRef>
+        </p:style>
+        <p:txBody>
+          <a:bodyPr rtlCol="0" anchor="ctr"/>
+          <a:lstStyle/>
+          <a:p>
+            <a:pPr algn="ctr"/>
+            <a:r>
+              <a:rPr lang="en-US" dirty="0"/>
+              <a:t>X3</a:t>
+            </a:r>
+            <a:endParaRPr lang="en-GB" dirty="0"/>
+          </a:p>
+        </p:txBody>
+      </p:sp>
+      <p:sp>
+        <p:nvSpPr>
+          <p:cNvPr id="8" name="Rectangle 7">
+            <a:extLst>
+              <a:ext uri="{FF2B5EF4-FFF2-40B4-BE49-F238E27FC236}">
+                <a16:creationId xmlns:a16="http://schemas.microsoft.com/office/drawing/2014/main" id="{2F01F04C-9C21-A45B-428E-2E2AD341ECB0}"/>
+              </a:ext>
+            </a:extLst>
+          </p:cNvPr>
+          <p:cNvSpPr/>
+          <p:nvPr/>
+        </p:nvSpPr>
+        <p:spPr>
+          <a:xfrm>
+            <a:off x="3575410" y="4243227"/>
+            <a:ext cx="651553" cy="698643"/>
+          </a:xfrm>
+          <a:prstGeom prst="rect">
+            <a:avLst/>
+          </a:prstGeom>
+        </p:spPr>
+        <p:style>
+          <a:lnRef idx="2">
+            <a:schemeClr val="dk1"/>
+          </a:lnRef>
+          <a:fillRef idx="1">
+            <a:schemeClr val="lt1"/>
+          </a:fillRef>
+          <a:effectRef idx="0">
+            <a:schemeClr val="dk1"/>
+          </a:effectRef>
+          <a:fontRef idx="minor">
+            <a:schemeClr val="dk1"/>
+          </a:fontRef>
+        </p:style>
+        <p:txBody>
+          <a:bodyPr rtlCol="0" anchor="ctr"/>
+          <a:lstStyle/>
+          <a:p>
+            <a:pPr algn="ctr"/>
+            <a:r>
+              <a:rPr lang="en-US" dirty="0"/>
+              <a:t>X4</a:t>
+            </a:r>
+            <a:endParaRPr lang="en-GB" dirty="0"/>
+          </a:p>
+        </p:txBody>
+      </p:sp>
+      <p:sp>
+        <p:nvSpPr>
+          <p:cNvPr id="9" name="Rectangle 8">
+            <a:extLst>
+              <a:ext uri="{FF2B5EF4-FFF2-40B4-BE49-F238E27FC236}">
+                <a16:creationId xmlns:a16="http://schemas.microsoft.com/office/drawing/2014/main" id="{A98E4A93-CE81-1E4C-7A68-439A8E915BDE}"/>
+              </a:ext>
+            </a:extLst>
+          </p:cNvPr>
+          <p:cNvSpPr/>
+          <p:nvPr/>
+        </p:nvSpPr>
+        <p:spPr>
+          <a:xfrm>
+            <a:off x="4461558" y="4243227"/>
+            <a:ext cx="651553" cy="698643"/>
+          </a:xfrm>
+          <a:prstGeom prst="rect">
+            <a:avLst/>
+          </a:prstGeom>
+        </p:spPr>
+        <p:style>
+          <a:lnRef idx="2">
+            <a:schemeClr val="dk1"/>
+          </a:lnRef>
+          <a:fillRef idx="1">
+            <a:schemeClr val="lt1"/>
+          </a:fillRef>
+          <a:effectRef idx="0">
+            <a:schemeClr val="dk1"/>
+          </a:effectRef>
+          <a:fontRef idx="minor">
+            <a:schemeClr val="dk1"/>
+          </a:fontRef>
+        </p:style>
+        <p:txBody>
+          <a:bodyPr rtlCol="0" anchor="ctr"/>
+          <a:lstStyle/>
+          <a:p>
+            <a:pPr algn="ctr"/>
+            <a:r>
+              <a:rPr lang="en-US" dirty="0"/>
+              <a:t>X5</a:t>
+            </a:r>
+            <a:endParaRPr lang="en-GB" dirty="0"/>
+          </a:p>
+        </p:txBody>
+      </p:sp>
+      <p:sp>
+        <p:nvSpPr>
+          <p:cNvPr id="10" name="Rectangle 9">
+            <a:extLst>
+              <a:ext uri="{FF2B5EF4-FFF2-40B4-BE49-F238E27FC236}">
+                <a16:creationId xmlns:a16="http://schemas.microsoft.com/office/drawing/2014/main" id="{286F9209-BF9D-415F-96AD-EC8026E78187}"/>
+              </a:ext>
+            </a:extLst>
+          </p:cNvPr>
+          <p:cNvSpPr/>
+          <p:nvPr/>
+        </p:nvSpPr>
+        <p:spPr>
+          <a:xfrm>
+            <a:off x="5379383" y="4243227"/>
+            <a:ext cx="651553" cy="698643"/>
+          </a:xfrm>
+          <a:prstGeom prst="rect">
+            <a:avLst/>
+          </a:prstGeom>
+        </p:spPr>
+        <p:style>
+          <a:lnRef idx="2">
+            <a:schemeClr val="dk1"/>
+          </a:lnRef>
+          <a:fillRef idx="1">
+            <a:schemeClr val="lt1"/>
+          </a:fillRef>
+          <a:effectRef idx="0">
+            <a:schemeClr val="dk1"/>
+          </a:effectRef>
+          <a:fontRef idx="minor">
+            <a:schemeClr val="dk1"/>
+          </a:fontRef>
+        </p:style>
+        <p:txBody>
+          <a:bodyPr rtlCol="0" anchor="ctr"/>
+          <a:lstStyle/>
+          <a:p>
+            <a:pPr algn="ctr"/>
+            <a:r>
+              <a:rPr lang="en-US" dirty="0"/>
+              <a:t>X6</a:t>
+            </a:r>
+            <a:endParaRPr lang="en-GB" dirty="0"/>
+          </a:p>
+        </p:txBody>
+      </p:sp>
+      <p:cxnSp>
+        <p:nvCxnSpPr>
+          <p:cNvPr id="12" name="Straight Arrow Connector 11">
+            <a:extLst>
+              <a:ext uri="{FF2B5EF4-FFF2-40B4-BE49-F238E27FC236}">
+                <a16:creationId xmlns:a16="http://schemas.microsoft.com/office/drawing/2014/main" id="{682BB61F-9CAE-EDA6-4AA8-37E0C0F37284}"/>
+              </a:ext>
+            </a:extLst>
+          </p:cNvPr>
+          <p:cNvCxnSpPr>
+            <a:stCxn id="4" idx="4"/>
+            <a:endCxn id="5" idx="0"/>
+          </p:cNvCxnSpPr>
+          <p:nvPr/>
+        </p:nvCxnSpPr>
+        <p:spPr>
+          <a:xfrm flipH="1">
+            <a:off x="1163977" y="2966957"/>
+            <a:ext cx="2272729" cy="1276270"/>
+          </a:xfrm>
+          <a:prstGeom prst="straightConnector1">
+            <a:avLst/>
+          </a:prstGeom>
+          <a:ln>
+            <a:tailEnd type="triangle"/>
+          </a:ln>
+        </p:spPr>
+        <p:style>
+          <a:lnRef idx="2">
+            <a:schemeClr val="dk1"/>
+          </a:lnRef>
+          <a:fillRef idx="0">
+            <a:schemeClr val="dk1"/>
+          </a:fillRef>
+          <a:effectRef idx="1">
+            <a:schemeClr val="dk1"/>
+          </a:effectRef>
+          <a:fontRef idx="minor">
+            <a:schemeClr val="tx1"/>
+          </a:fontRef>
+        </p:style>
+      </p:cxnSp>
+      <p:cxnSp>
+        <p:nvCxnSpPr>
+          <p:cNvPr id="14" name="Straight Arrow Connector 13">
+            <a:extLst>
+              <a:ext uri="{FF2B5EF4-FFF2-40B4-BE49-F238E27FC236}">
+                <a16:creationId xmlns:a16="http://schemas.microsoft.com/office/drawing/2014/main" id="{00C6CD58-E484-A4BD-5497-DB56B011800A}"/>
+              </a:ext>
+            </a:extLst>
+          </p:cNvPr>
+          <p:cNvCxnSpPr>
+            <a:stCxn id="4" idx="4"/>
+            <a:endCxn id="6" idx="0"/>
+          </p:cNvCxnSpPr>
+          <p:nvPr/>
+        </p:nvCxnSpPr>
+        <p:spPr>
+          <a:xfrm flipH="1">
+            <a:off x="2089508" y="2966957"/>
+            <a:ext cx="1347198" cy="1276270"/>
+          </a:xfrm>
+          <a:prstGeom prst="straightConnector1">
+            <a:avLst/>
+          </a:prstGeom>
+          <a:ln>
+            <a:tailEnd type="triangle"/>
+          </a:ln>
+        </p:spPr>
+        <p:style>
+          <a:lnRef idx="2">
+            <a:schemeClr val="dk1"/>
+          </a:lnRef>
+          <a:fillRef idx="0">
+            <a:schemeClr val="dk1"/>
+          </a:fillRef>
+          <a:effectRef idx="1">
+            <a:schemeClr val="dk1"/>
+          </a:effectRef>
+          <a:fontRef idx="minor">
+            <a:schemeClr val="tx1"/>
+          </a:fontRef>
+        </p:style>
+      </p:cxnSp>
+      <p:cxnSp>
+        <p:nvCxnSpPr>
+          <p:cNvPr id="16" name="Straight Arrow Connector 15">
+            <a:extLst>
+              <a:ext uri="{FF2B5EF4-FFF2-40B4-BE49-F238E27FC236}">
+                <a16:creationId xmlns:a16="http://schemas.microsoft.com/office/drawing/2014/main" id="{8E997CEC-D4AD-B159-7F77-BF7C3F57AB00}"/>
+              </a:ext>
+            </a:extLst>
+          </p:cNvPr>
+          <p:cNvCxnSpPr>
+            <a:stCxn id="4" idx="4"/>
+            <a:endCxn id="7" idx="0"/>
+          </p:cNvCxnSpPr>
+          <p:nvPr/>
+        </p:nvCxnSpPr>
+        <p:spPr>
+          <a:xfrm flipH="1">
+            <a:off x="3015039" y="2966957"/>
+            <a:ext cx="421667" cy="1276270"/>
+          </a:xfrm>
+          <a:prstGeom prst="straightConnector1">
+            <a:avLst/>
+          </a:prstGeom>
+          <a:ln>
+            <a:tailEnd type="triangle"/>
+          </a:ln>
+        </p:spPr>
+        <p:style>
+          <a:lnRef idx="2">
+            <a:schemeClr val="dk1"/>
+          </a:lnRef>
+          <a:fillRef idx="0">
+            <a:schemeClr val="dk1"/>
+          </a:fillRef>
+          <a:effectRef idx="1">
+            <a:schemeClr val="dk1"/>
+          </a:effectRef>
+          <a:fontRef idx="minor">
+            <a:schemeClr val="tx1"/>
+          </a:fontRef>
+        </p:style>
+      </p:cxnSp>
+      <p:cxnSp>
+        <p:nvCxnSpPr>
+          <p:cNvPr id="18" name="Straight Arrow Connector 17">
+            <a:extLst>
+              <a:ext uri="{FF2B5EF4-FFF2-40B4-BE49-F238E27FC236}">
+                <a16:creationId xmlns:a16="http://schemas.microsoft.com/office/drawing/2014/main" id="{97576EDB-FE13-845C-4FBE-55A0805A873E}"/>
+              </a:ext>
+            </a:extLst>
+          </p:cNvPr>
+          <p:cNvCxnSpPr>
+            <a:stCxn id="4" idx="4"/>
+            <a:endCxn id="8" idx="0"/>
+          </p:cNvCxnSpPr>
+          <p:nvPr/>
+        </p:nvCxnSpPr>
+        <p:spPr>
+          <a:xfrm>
+            <a:off x="3436706" y="2966957"/>
+            <a:ext cx="464481" cy="1276270"/>
+          </a:xfrm>
+          <a:prstGeom prst="straightConnector1">
+            <a:avLst/>
+          </a:prstGeom>
+          <a:ln>
+            <a:tailEnd type="triangle"/>
+          </a:ln>
+        </p:spPr>
+        <p:style>
+          <a:lnRef idx="2">
+            <a:schemeClr val="dk1"/>
+          </a:lnRef>
+          <a:fillRef idx="0">
+            <a:schemeClr val="dk1"/>
+          </a:fillRef>
+          <a:effectRef idx="1">
+            <a:schemeClr val="dk1"/>
+          </a:effectRef>
+          <a:fontRef idx="minor">
+            <a:schemeClr val="tx1"/>
+          </a:fontRef>
+        </p:style>
+      </p:cxnSp>
+      <p:cxnSp>
+        <p:nvCxnSpPr>
+          <p:cNvPr id="20" name="Straight Arrow Connector 19">
+            <a:extLst>
+              <a:ext uri="{FF2B5EF4-FFF2-40B4-BE49-F238E27FC236}">
+                <a16:creationId xmlns:a16="http://schemas.microsoft.com/office/drawing/2014/main" id="{E410546C-0A05-1EBF-4429-4D4693016E97}"/>
+              </a:ext>
+            </a:extLst>
+          </p:cNvPr>
+          <p:cNvCxnSpPr>
+            <a:stCxn id="4" idx="4"/>
+            <a:endCxn id="9" idx="0"/>
+          </p:cNvCxnSpPr>
+          <p:nvPr/>
+        </p:nvCxnSpPr>
+        <p:spPr>
+          <a:xfrm>
+            <a:off x="3436706" y="2966957"/>
+            <a:ext cx="1350629" cy="1276270"/>
+          </a:xfrm>
+          <a:prstGeom prst="straightConnector1">
+            <a:avLst/>
+          </a:prstGeom>
+          <a:ln>
+            <a:tailEnd type="triangle"/>
+          </a:ln>
+        </p:spPr>
+        <p:style>
+          <a:lnRef idx="2">
+            <a:schemeClr val="dk1"/>
+          </a:lnRef>
+          <a:fillRef idx="0">
+            <a:schemeClr val="dk1"/>
+          </a:fillRef>
+          <a:effectRef idx="1">
+            <a:schemeClr val="dk1"/>
+          </a:effectRef>
+          <a:fontRef idx="minor">
+            <a:schemeClr val="tx1"/>
+          </a:fontRef>
+        </p:style>
+      </p:cxnSp>
+      <p:cxnSp>
+        <p:nvCxnSpPr>
+          <p:cNvPr id="22" name="Straight Arrow Connector 21">
+            <a:extLst>
+              <a:ext uri="{FF2B5EF4-FFF2-40B4-BE49-F238E27FC236}">
+                <a16:creationId xmlns:a16="http://schemas.microsoft.com/office/drawing/2014/main" id="{9BCFCDEE-AF25-E63F-B66A-5207B1A2F430}"/>
+              </a:ext>
+            </a:extLst>
+          </p:cNvPr>
+          <p:cNvCxnSpPr>
+            <a:stCxn id="4" idx="4"/>
+            <a:endCxn id="10" idx="0"/>
+          </p:cNvCxnSpPr>
+          <p:nvPr/>
+        </p:nvCxnSpPr>
+        <p:spPr>
+          <a:xfrm>
+            <a:off x="3436706" y="2966957"/>
+            <a:ext cx="2268454" cy="1276270"/>
+          </a:xfrm>
+          <a:prstGeom prst="straightConnector1">
+            <a:avLst/>
+          </a:prstGeom>
+          <a:ln>
+            <a:tailEnd type="triangle"/>
+          </a:ln>
+        </p:spPr>
+        <p:style>
+          <a:lnRef idx="2">
+            <a:schemeClr val="dk1"/>
+          </a:lnRef>
+          <a:fillRef idx="0">
+            <a:schemeClr val="dk1"/>
+          </a:fillRef>
+          <a:effectRef idx="1">
+            <a:schemeClr val="dk1"/>
+          </a:effectRef>
+          <a:fontRef idx="minor">
+            <a:schemeClr val="tx1"/>
+          </a:fontRef>
+        </p:style>
+      </p:cxnSp>
+      <p:sp>
+        <p:nvSpPr>
+          <p:cNvPr id="23" name="Oval 22">
+            <a:extLst>
+              <a:ext uri="{FF2B5EF4-FFF2-40B4-BE49-F238E27FC236}">
+                <a16:creationId xmlns:a16="http://schemas.microsoft.com/office/drawing/2014/main" id="{50E9DE7E-24C0-6C21-9687-E3E3F48B01A1}"/>
+              </a:ext>
+            </a:extLst>
+          </p:cNvPr>
+          <p:cNvSpPr/>
+          <p:nvPr/>
+        </p:nvSpPr>
+        <p:spPr>
+          <a:xfrm>
+            <a:off x="923014" y="5318589"/>
+            <a:ext cx="482886" cy="359596"/>
+          </a:xfrm>
+          <a:prstGeom prst="ellipse">
+            <a:avLst/>
+          </a:prstGeom>
+        </p:spPr>
+        <p:style>
+          <a:lnRef idx="2">
+            <a:schemeClr val="dk1"/>
+          </a:lnRef>
+          <a:fillRef idx="1">
+            <a:schemeClr val="lt1"/>
+          </a:fillRef>
+          <a:effectRef idx="0">
+            <a:schemeClr val="dk1"/>
+          </a:effectRef>
+          <a:fontRef idx="minor">
+            <a:schemeClr val="dk1"/>
+          </a:fontRef>
+        </p:style>
+        <p:txBody>
+          <a:bodyPr rtlCol="0" anchor="ctr"/>
+          <a:lstStyle/>
+          <a:p>
+            <a:pPr algn="ctr"/>
+            <a:r>
+              <a:rPr lang="en-US" sz="1100" dirty="0"/>
+              <a:t>e1</a:t>
+            </a:r>
+            <a:endParaRPr lang="en-GB" sz="1100" dirty="0"/>
+          </a:p>
+        </p:txBody>
+      </p:sp>
+      <p:cxnSp>
+        <p:nvCxnSpPr>
+          <p:cNvPr id="33" name="Straight Arrow Connector 32">
+            <a:extLst>
+              <a:ext uri="{FF2B5EF4-FFF2-40B4-BE49-F238E27FC236}">
+                <a16:creationId xmlns:a16="http://schemas.microsoft.com/office/drawing/2014/main" id="{FDA62376-2700-AFB6-C012-8B83C562E5F4}"/>
+              </a:ext>
+            </a:extLst>
+          </p:cNvPr>
+          <p:cNvCxnSpPr>
+            <a:stCxn id="23" idx="0"/>
+            <a:endCxn id="5" idx="2"/>
+          </p:cNvCxnSpPr>
+          <p:nvPr/>
+        </p:nvCxnSpPr>
+        <p:spPr>
+          <a:xfrm flipH="1" flipV="1">
+            <a:off x="1163977" y="4941870"/>
+            <a:ext cx="480" cy="376719"/>
+          </a:xfrm>
+          <a:prstGeom prst="straightConnector1">
+            <a:avLst/>
+          </a:prstGeom>
+          <a:ln>
+            <a:tailEnd type="triangle"/>
+          </a:ln>
+        </p:spPr>
+        <p:style>
+          <a:lnRef idx="2">
+            <a:schemeClr val="dk1"/>
+          </a:lnRef>
+          <a:fillRef idx="0">
+            <a:schemeClr val="dk1"/>
+          </a:fillRef>
+          <a:effectRef idx="1">
+            <a:schemeClr val="dk1"/>
+          </a:effectRef>
+          <a:fontRef idx="minor">
+            <a:schemeClr val="tx1"/>
+          </a:fontRef>
+        </p:style>
+      </p:cxnSp>
+      <p:sp>
+        <p:nvSpPr>
+          <p:cNvPr id="34" name="Oval 33">
+            <a:extLst>
+              <a:ext uri="{FF2B5EF4-FFF2-40B4-BE49-F238E27FC236}">
+                <a16:creationId xmlns:a16="http://schemas.microsoft.com/office/drawing/2014/main" id="{7D779D78-AC12-F8A9-CEF7-A79817B26703}"/>
+              </a:ext>
+            </a:extLst>
+          </p:cNvPr>
+          <p:cNvSpPr/>
+          <p:nvPr/>
+        </p:nvSpPr>
+        <p:spPr>
+          <a:xfrm>
+            <a:off x="1831797" y="5318589"/>
+            <a:ext cx="482886" cy="359596"/>
+          </a:xfrm>
+          <a:prstGeom prst="ellipse">
+            <a:avLst/>
+          </a:prstGeom>
+        </p:spPr>
+        <p:style>
+          <a:lnRef idx="2">
+            <a:schemeClr val="dk1"/>
+          </a:lnRef>
+          <a:fillRef idx="1">
+            <a:schemeClr val="lt1"/>
+          </a:fillRef>
+          <a:effectRef idx="0">
+            <a:schemeClr val="dk1"/>
+          </a:effectRef>
+          <a:fontRef idx="minor">
+            <a:schemeClr val="dk1"/>
+          </a:fontRef>
+        </p:style>
+        <p:txBody>
+          <a:bodyPr rtlCol="0" anchor="ctr"/>
+          <a:lstStyle/>
+          <a:p>
+            <a:pPr algn="ctr"/>
+            <a:r>
+              <a:rPr lang="en-US" sz="1100" dirty="0"/>
+              <a:t>e2</a:t>
+            </a:r>
+            <a:endParaRPr lang="en-GB" sz="1100" dirty="0"/>
+          </a:p>
+        </p:txBody>
+      </p:sp>
+      <p:cxnSp>
+        <p:nvCxnSpPr>
+          <p:cNvPr id="35" name="Straight Arrow Connector 34">
+            <a:extLst>
+              <a:ext uri="{FF2B5EF4-FFF2-40B4-BE49-F238E27FC236}">
+                <a16:creationId xmlns:a16="http://schemas.microsoft.com/office/drawing/2014/main" id="{802D2C11-C858-2B88-C150-B4FA0E1EDE0C}"/>
+              </a:ext>
+            </a:extLst>
+          </p:cNvPr>
+          <p:cNvCxnSpPr>
+            <a:stCxn id="34" idx="0"/>
+          </p:cNvCxnSpPr>
+          <p:nvPr/>
+        </p:nvCxnSpPr>
+        <p:spPr>
+          <a:xfrm flipH="1" flipV="1">
+            <a:off x="2072760" y="4941870"/>
+            <a:ext cx="480" cy="376719"/>
+          </a:xfrm>
+          <a:prstGeom prst="straightConnector1">
+            <a:avLst/>
+          </a:prstGeom>
+          <a:ln>
+            <a:tailEnd type="triangle"/>
+          </a:ln>
+        </p:spPr>
+        <p:style>
+          <a:lnRef idx="2">
+            <a:schemeClr val="dk1"/>
+          </a:lnRef>
+          <a:fillRef idx="0">
+            <a:schemeClr val="dk1"/>
+          </a:fillRef>
+          <a:effectRef idx="1">
+            <a:schemeClr val="dk1"/>
+          </a:effectRef>
+          <a:fontRef idx="minor">
+            <a:schemeClr val="tx1"/>
+          </a:fontRef>
+        </p:style>
+      </p:cxnSp>
+      <p:sp>
+        <p:nvSpPr>
+          <p:cNvPr id="36" name="Oval 35">
+            <a:extLst>
+              <a:ext uri="{FF2B5EF4-FFF2-40B4-BE49-F238E27FC236}">
+                <a16:creationId xmlns:a16="http://schemas.microsoft.com/office/drawing/2014/main" id="{2C698CEA-0A3F-89F0-C706-DB650DBB4254}"/>
+              </a:ext>
+            </a:extLst>
+          </p:cNvPr>
+          <p:cNvSpPr/>
+          <p:nvPr/>
+        </p:nvSpPr>
+        <p:spPr>
+          <a:xfrm>
+            <a:off x="2775738" y="5318589"/>
+            <a:ext cx="482886" cy="359596"/>
+          </a:xfrm>
+          <a:prstGeom prst="ellipse">
+            <a:avLst/>
+          </a:prstGeom>
+        </p:spPr>
+        <p:style>
+          <a:lnRef idx="2">
+            <a:schemeClr val="dk1"/>
+          </a:lnRef>
+          <a:fillRef idx="1">
+            <a:schemeClr val="lt1"/>
+          </a:fillRef>
+          <a:effectRef idx="0">
+            <a:schemeClr val="dk1"/>
+          </a:effectRef>
+          <a:fontRef idx="minor">
+            <a:schemeClr val="dk1"/>
+          </a:fontRef>
+        </p:style>
+        <p:txBody>
+          <a:bodyPr rtlCol="0" anchor="ctr"/>
+          <a:lstStyle/>
+          <a:p>
+            <a:pPr algn="ctr"/>
+            <a:r>
+              <a:rPr lang="en-US" sz="1100" dirty="0"/>
+              <a:t>e3</a:t>
+            </a:r>
+            <a:endParaRPr lang="en-GB" sz="1100" dirty="0"/>
+          </a:p>
+        </p:txBody>
+      </p:sp>
+      <p:cxnSp>
+        <p:nvCxnSpPr>
+          <p:cNvPr id="37" name="Straight Arrow Connector 36">
+            <a:extLst>
+              <a:ext uri="{FF2B5EF4-FFF2-40B4-BE49-F238E27FC236}">
+                <a16:creationId xmlns:a16="http://schemas.microsoft.com/office/drawing/2014/main" id="{60122F44-B6CD-D56F-FE94-6A7167627A2E}"/>
+              </a:ext>
+            </a:extLst>
+          </p:cNvPr>
+          <p:cNvCxnSpPr>
+            <a:stCxn id="36" idx="0"/>
+          </p:cNvCxnSpPr>
+          <p:nvPr/>
+        </p:nvCxnSpPr>
+        <p:spPr>
+          <a:xfrm flipH="1" flipV="1">
+            <a:off x="3016701" y="4941870"/>
+            <a:ext cx="480" cy="376719"/>
+          </a:xfrm>
+          <a:prstGeom prst="straightConnector1">
+            <a:avLst/>
+          </a:prstGeom>
+          <a:ln>
+            <a:tailEnd type="triangle"/>
+          </a:ln>
+        </p:spPr>
+        <p:style>
+          <a:lnRef idx="2">
+            <a:schemeClr val="dk1"/>
+          </a:lnRef>
+          <a:fillRef idx="0">
+            <a:schemeClr val="dk1"/>
+          </a:fillRef>
+          <a:effectRef idx="1">
+            <a:schemeClr val="dk1"/>
+          </a:effectRef>
+          <a:fontRef idx="minor">
+            <a:schemeClr val="tx1"/>
+          </a:fontRef>
+        </p:style>
+      </p:cxnSp>
+      <p:sp>
+        <p:nvSpPr>
+          <p:cNvPr id="38" name="Oval 37">
+            <a:extLst>
+              <a:ext uri="{FF2B5EF4-FFF2-40B4-BE49-F238E27FC236}">
+                <a16:creationId xmlns:a16="http://schemas.microsoft.com/office/drawing/2014/main" id="{FA2D700A-4F9E-106C-7252-5D10D6DB2677}"/>
+              </a:ext>
+            </a:extLst>
+          </p:cNvPr>
+          <p:cNvSpPr/>
+          <p:nvPr/>
+        </p:nvSpPr>
+        <p:spPr>
+          <a:xfrm>
+            <a:off x="3659744" y="5318589"/>
+            <a:ext cx="482886" cy="359596"/>
+          </a:xfrm>
+          <a:prstGeom prst="ellipse">
+            <a:avLst/>
+          </a:prstGeom>
+        </p:spPr>
+        <p:style>
+          <a:lnRef idx="2">
+            <a:schemeClr val="dk1"/>
+          </a:lnRef>
+          <a:fillRef idx="1">
+            <a:schemeClr val="lt1"/>
+          </a:fillRef>
+          <a:effectRef idx="0">
+            <a:schemeClr val="dk1"/>
+          </a:effectRef>
+          <a:fontRef idx="minor">
+            <a:schemeClr val="dk1"/>
+          </a:fontRef>
+        </p:style>
+        <p:txBody>
+          <a:bodyPr rtlCol="0" anchor="ctr"/>
+          <a:lstStyle/>
+          <a:p>
+            <a:pPr algn="ctr"/>
+            <a:r>
+              <a:rPr lang="en-US" sz="1100" dirty="0"/>
+              <a:t>e4</a:t>
+            </a:r>
+            <a:endParaRPr lang="en-GB" sz="1100" dirty="0"/>
+          </a:p>
+        </p:txBody>
+      </p:sp>
+      <p:cxnSp>
+        <p:nvCxnSpPr>
+          <p:cNvPr id="39" name="Straight Arrow Connector 38">
+            <a:extLst>
+              <a:ext uri="{FF2B5EF4-FFF2-40B4-BE49-F238E27FC236}">
+                <a16:creationId xmlns:a16="http://schemas.microsoft.com/office/drawing/2014/main" id="{4D59B291-4B31-C42F-A3D5-8E0D8786264E}"/>
+              </a:ext>
+            </a:extLst>
+          </p:cNvPr>
+          <p:cNvCxnSpPr>
+            <a:stCxn id="38" idx="0"/>
+          </p:cNvCxnSpPr>
+          <p:nvPr/>
+        </p:nvCxnSpPr>
+        <p:spPr>
+          <a:xfrm flipH="1" flipV="1">
+            <a:off x="3900707" y="4941870"/>
+            <a:ext cx="480" cy="376719"/>
+          </a:xfrm>
+          <a:prstGeom prst="straightConnector1">
+            <a:avLst/>
+          </a:prstGeom>
+          <a:ln>
+            <a:tailEnd type="triangle"/>
+          </a:ln>
+        </p:spPr>
+        <p:style>
+          <a:lnRef idx="2">
+            <a:schemeClr val="dk1"/>
+          </a:lnRef>
+          <a:fillRef idx="0">
+            <a:schemeClr val="dk1"/>
+          </a:fillRef>
+          <a:effectRef idx="1">
+            <a:schemeClr val="dk1"/>
+          </a:effectRef>
+          <a:fontRef idx="minor">
+            <a:schemeClr val="tx1"/>
+          </a:fontRef>
+        </p:style>
+      </p:cxnSp>
+      <p:sp>
+        <p:nvSpPr>
+          <p:cNvPr id="40" name="Oval 39">
+            <a:extLst>
+              <a:ext uri="{FF2B5EF4-FFF2-40B4-BE49-F238E27FC236}">
+                <a16:creationId xmlns:a16="http://schemas.microsoft.com/office/drawing/2014/main" id="{ED5A9A4D-FAAE-F6E0-A2B0-9A651420C8FF}"/>
+              </a:ext>
+            </a:extLst>
+          </p:cNvPr>
+          <p:cNvSpPr/>
+          <p:nvPr/>
+        </p:nvSpPr>
+        <p:spPr>
+          <a:xfrm>
+            <a:off x="4562489" y="5318589"/>
+            <a:ext cx="482886" cy="359596"/>
+          </a:xfrm>
+          <a:prstGeom prst="ellipse">
+            <a:avLst/>
+          </a:prstGeom>
+        </p:spPr>
+        <p:style>
+          <a:lnRef idx="2">
+            <a:schemeClr val="dk1"/>
+          </a:lnRef>
+          <a:fillRef idx="1">
+            <a:schemeClr val="lt1"/>
+          </a:fillRef>
+          <a:effectRef idx="0">
+            <a:schemeClr val="dk1"/>
+          </a:effectRef>
+          <a:fontRef idx="minor">
+            <a:schemeClr val="dk1"/>
+          </a:fontRef>
+        </p:style>
+        <p:txBody>
+          <a:bodyPr rtlCol="0" anchor="ctr"/>
+          <a:lstStyle/>
+          <a:p>
+            <a:pPr algn="ctr"/>
+            <a:r>
+              <a:rPr lang="en-US" sz="1100" dirty="0"/>
+              <a:t>e5</a:t>
+            </a:r>
+            <a:endParaRPr lang="en-GB" sz="1100" dirty="0"/>
+          </a:p>
+        </p:txBody>
+      </p:sp>
+      <p:cxnSp>
+        <p:nvCxnSpPr>
+          <p:cNvPr id="41" name="Straight Arrow Connector 40">
+            <a:extLst>
+              <a:ext uri="{FF2B5EF4-FFF2-40B4-BE49-F238E27FC236}">
+                <a16:creationId xmlns:a16="http://schemas.microsoft.com/office/drawing/2014/main" id="{598D9F93-E0A7-539D-BFB2-1645BF123F48}"/>
+              </a:ext>
+            </a:extLst>
+          </p:cNvPr>
+          <p:cNvCxnSpPr>
+            <a:stCxn id="40" idx="0"/>
+          </p:cNvCxnSpPr>
+          <p:nvPr/>
+        </p:nvCxnSpPr>
+        <p:spPr>
+          <a:xfrm flipH="1" flipV="1">
+            <a:off x="4803452" y="4941870"/>
+            <a:ext cx="480" cy="376719"/>
+          </a:xfrm>
+          <a:prstGeom prst="straightConnector1">
+            <a:avLst/>
+          </a:prstGeom>
+          <a:ln>
+            <a:tailEnd type="triangle"/>
+          </a:ln>
+        </p:spPr>
+        <p:style>
+          <a:lnRef idx="2">
+            <a:schemeClr val="dk1"/>
+          </a:lnRef>
+          <a:fillRef idx="0">
+            <a:schemeClr val="dk1"/>
+          </a:fillRef>
+          <a:effectRef idx="1">
+            <a:schemeClr val="dk1"/>
+          </a:effectRef>
+          <a:fontRef idx="minor">
+            <a:schemeClr val="tx1"/>
+          </a:fontRef>
+        </p:style>
+      </p:cxnSp>
+      <p:sp>
+        <p:nvSpPr>
+          <p:cNvPr id="42" name="Oval 41">
+            <a:extLst>
+              <a:ext uri="{FF2B5EF4-FFF2-40B4-BE49-F238E27FC236}">
+                <a16:creationId xmlns:a16="http://schemas.microsoft.com/office/drawing/2014/main" id="{FC8D1ADF-6495-AE72-AB40-035A7AC58B37}"/>
+              </a:ext>
+            </a:extLst>
+          </p:cNvPr>
+          <p:cNvSpPr/>
+          <p:nvPr/>
+        </p:nvSpPr>
+        <p:spPr>
+          <a:xfrm>
+            <a:off x="5444969" y="5300314"/>
+            <a:ext cx="482886" cy="359596"/>
+          </a:xfrm>
+          <a:prstGeom prst="ellipse">
+            <a:avLst/>
+          </a:prstGeom>
+        </p:spPr>
+        <p:style>
+          <a:lnRef idx="2">
+            <a:schemeClr val="dk1"/>
+          </a:lnRef>
+          <a:fillRef idx="1">
+            <a:schemeClr val="lt1"/>
+          </a:fillRef>
+          <a:effectRef idx="0">
+            <a:schemeClr val="dk1"/>
+          </a:effectRef>
+          <a:fontRef idx="minor">
+            <a:schemeClr val="dk1"/>
+          </a:fontRef>
+        </p:style>
+        <p:txBody>
+          <a:bodyPr rtlCol="0" anchor="ctr"/>
+          <a:lstStyle/>
+          <a:p>
+            <a:pPr algn="ctr"/>
+            <a:r>
+              <a:rPr lang="en-US" sz="1100" dirty="0"/>
+              <a:t>e6</a:t>
+            </a:r>
+            <a:endParaRPr lang="en-GB" sz="1100" dirty="0"/>
+          </a:p>
+        </p:txBody>
+      </p:sp>
+      <p:cxnSp>
+        <p:nvCxnSpPr>
+          <p:cNvPr id="43" name="Straight Arrow Connector 42">
+            <a:extLst>
+              <a:ext uri="{FF2B5EF4-FFF2-40B4-BE49-F238E27FC236}">
+                <a16:creationId xmlns:a16="http://schemas.microsoft.com/office/drawing/2014/main" id="{C5703FF9-ACB9-0439-BE0C-3F6843CB0F84}"/>
+              </a:ext>
+            </a:extLst>
+          </p:cNvPr>
+          <p:cNvCxnSpPr>
+            <a:stCxn id="42" idx="0"/>
+          </p:cNvCxnSpPr>
+          <p:nvPr/>
+        </p:nvCxnSpPr>
+        <p:spPr>
+          <a:xfrm flipH="1" flipV="1">
+            <a:off x="5685932" y="4923595"/>
+            <a:ext cx="480" cy="376719"/>
+          </a:xfrm>
+          <a:prstGeom prst="straightConnector1">
+            <a:avLst/>
+          </a:prstGeom>
+          <a:ln>
+            <a:tailEnd type="triangle"/>
+          </a:ln>
+        </p:spPr>
+        <p:style>
+          <a:lnRef idx="2">
+            <a:schemeClr val="dk1"/>
+          </a:lnRef>
+          <a:fillRef idx="0">
+            <a:schemeClr val="dk1"/>
+          </a:fillRef>
+          <a:effectRef idx="1">
+            <a:schemeClr val="dk1"/>
+          </a:effectRef>
+          <a:fontRef idx="minor">
+            <a:schemeClr val="tx1"/>
+          </a:fontRef>
+        </p:style>
+      </p:cxnSp>
+      <p:sp>
+        <p:nvSpPr>
+          <p:cNvPr id="44" name="TextBox 43">
+            <a:extLst>
+              <a:ext uri="{FF2B5EF4-FFF2-40B4-BE49-F238E27FC236}">
+                <a16:creationId xmlns:a16="http://schemas.microsoft.com/office/drawing/2014/main" id="{30D9BDB2-1CF8-3CFB-3CD5-8B3C66EFEA38}"/>
+              </a:ext>
+            </a:extLst>
+          </p:cNvPr>
+          <p:cNvSpPr txBox="1"/>
+          <p:nvPr/>
+        </p:nvSpPr>
+        <p:spPr>
+          <a:xfrm>
+            <a:off x="7640977" y="1687263"/>
+            <a:ext cx="4054236" cy="1200329"/>
+          </a:xfrm>
+          <a:prstGeom prst="rect">
+            <a:avLst/>
+          </a:prstGeom>
+          <a:noFill/>
+        </p:spPr>
+        <p:txBody>
+          <a:bodyPr wrap="square" rtlCol="0">
+            <a:spAutoFit/>
+          </a:bodyPr>
+          <a:lstStyle/>
+          <a:p>
+            <a:r>
+              <a:rPr lang="es-MX" dirty="0"/>
+              <a:t>La validez depende de la consistencia global del modelo y de la evidencia a favor de que pobreza se comporta según las hipótesis del modelo</a:t>
+            </a:r>
+          </a:p>
+        </p:txBody>
+      </p:sp>
+      <p:sp>
+        <p:nvSpPr>
+          <p:cNvPr id="45" name="TextBox 44">
+            <a:extLst>
+              <a:ext uri="{FF2B5EF4-FFF2-40B4-BE49-F238E27FC236}">
+                <a16:creationId xmlns:a16="http://schemas.microsoft.com/office/drawing/2014/main" id="{91FC5CE3-6E49-A03A-1333-E80C770CCD77}"/>
+              </a:ext>
+            </a:extLst>
+          </p:cNvPr>
+          <p:cNvSpPr txBox="1"/>
+          <p:nvPr/>
+        </p:nvSpPr>
+        <p:spPr>
+          <a:xfrm>
+            <a:off x="1682351" y="3339101"/>
+            <a:ext cx="446540" cy="369332"/>
+          </a:xfrm>
+          <a:prstGeom prst="rect">
+            <a:avLst/>
+          </a:prstGeom>
+          <a:noFill/>
+        </p:spPr>
+        <p:txBody>
+          <a:bodyPr wrap="square" rtlCol="0">
+            <a:spAutoFit/>
+          </a:bodyPr>
+          <a:lstStyle/>
+          <a:p>
+            <a:r>
+              <a:rPr lang="el-GR" dirty="0">
+                <a:solidFill>
+                  <a:srgbClr val="FF0000"/>
+                </a:solidFill>
+                <a:latin typeface="Times New Roman" panose="02020603050405020304" pitchFamily="18" charset="0"/>
+                <a:cs typeface="Times New Roman" panose="02020603050405020304" pitchFamily="18" charset="0"/>
+              </a:rPr>
+              <a:t>λ</a:t>
+            </a:r>
+            <a:r>
+              <a:rPr lang="es-MX" dirty="0">
+                <a:solidFill>
+                  <a:srgbClr val="FF0000"/>
+                </a:solidFill>
+                <a:latin typeface="Times New Roman" panose="02020603050405020304" pitchFamily="18" charset="0"/>
+                <a:cs typeface="Times New Roman" panose="02020603050405020304" pitchFamily="18" charset="0"/>
+              </a:rPr>
+              <a:t>1</a:t>
+            </a:r>
+            <a:endParaRPr lang="en-GB" dirty="0">
+              <a:solidFill>
+                <a:srgbClr val="FF0000"/>
+              </a:solidFill>
+            </a:endParaRPr>
+          </a:p>
+        </p:txBody>
+      </p:sp>
+      <p:sp>
+        <p:nvSpPr>
+          <p:cNvPr id="46" name="TextBox 45">
+            <a:extLst>
+              <a:ext uri="{FF2B5EF4-FFF2-40B4-BE49-F238E27FC236}">
+                <a16:creationId xmlns:a16="http://schemas.microsoft.com/office/drawing/2014/main" id="{761FCB61-BBAF-EDBD-F4F2-7B9C8E7131ED}"/>
+              </a:ext>
+            </a:extLst>
+          </p:cNvPr>
+          <p:cNvSpPr txBox="1"/>
+          <p:nvPr/>
+        </p:nvSpPr>
+        <p:spPr>
+          <a:xfrm>
+            <a:off x="4762462" y="3339101"/>
+            <a:ext cx="446540" cy="369332"/>
+          </a:xfrm>
+          <a:prstGeom prst="rect">
+            <a:avLst/>
+          </a:prstGeom>
+          <a:noFill/>
+        </p:spPr>
+        <p:txBody>
+          <a:bodyPr wrap="square" rtlCol="0">
+            <a:spAutoFit/>
+          </a:bodyPr>
+          <a:lstStyle/>
+          <a:p>
+            <a:r>
+              <a:rPr lang="el-GR" dirty="0">
+                <a:solidFill>
+                  <a:srgbClr val="FF0000"/>
+                </a:solidFill>
+                <a:latin typeface="Times New Roman" panose="02020603050405020304" pitchFamily="18" charset="0"/>
+                <a:cs typeface="Times New Roman" panose="02020603050405020304" pitchFamily="18" charset="0"/>
+              </a:rPr>
+              <a:t>λ</a:t>
+            </a:r>
+            <a:r>
+              <a:rPr lang="es-MX" dirty="0">
+                <a:solidFill>
+                  <a:srgbClr val="FF0000"/>
+                </a:solidFill>
+                <a:latin typeface="Times New Roman" panose="02020603050405020304" pitchFamily="18" charset="0"/>
+                <a:cs typeface="Times New Roman" panose="02020603050405020304" pitchFamily="18" charset="0"/>
+              </a:rPr>
+              <a:t>6</a:t>
+            </a:r>
+            <a:endParaRPr lang="en-GB" dirty="0">
+              <a:solidFill>
+                <a:srgbClr val="FF0000"/>
+              </a:solidFill>
+            </a:endParaRPr>
+          </a:p>
+        </p:txBody>
+      </p:sp>
+      <p:sp>
+        <p:nvSpPr>
+          <p:cNvPr id="3" name="Oval 2">
+            <a:extLst>
+              <a:ext uri="{FF2B5EF4-FFF2-40B4-BE49-F238E27FC236}">
+                <a16:creationId xmlns:a16="http://schemas.microsoft.com/office/drawing/2014/main" id="{08D26AB3-BA4B-C6EE-042A-960510305483}"/>
+              </a:ext>
+            </a:extLst>
+          </p:cNvPr>
+          <p:cNvSpPr/>
+          <p:nvPr/>
+        </p:nvSpPr>
+        <p:spPr>
+          <a:xfrm>
+            <a:off x="5548045" y="1709412"/>
+            <a:ext cx="1705510" cy="1189528"/>
+          </a:xfrm>
+          <a:prstGeom prst="ellipse">
+            <a:avLst/>
+          </a:prstGeom>
+        </p:spPr>
+        <p:style>
+          <a:lnRef idx="2">
+            <a:schemeClr val="dk1"/>
+          </a:lnRef>
+          <a:fillRef idx="1">
+            <a:schemeClr val="lt1"/>
+          </a:fillRef>
+          <a:effectRef idx="0">
+            <a:schemeClr val="dk1"/>
+          </a:effectRef>
+          <a:fontRef idx="minor">
+            <a:schemeClr val="dk1"/>
+          </a:fontRef>
+        </p:style>
+        <p:txBody>
+          <a:bodyPr rtlCol="0" anchor="ctr"/>
+          <a:lstStyle/>
+          <a:p>
+            <a:pPr algn="ctr"/>
+            <a:r>
+              <a:rPr lang="es-MX" dirty="0"/>
+              <a:t>Recursos</a:t>
+            </a:r>
+            <a:endParaRPr lang="en-GB" dirty="0"/>
+          </a:p>
+        </p:txBody>
+      </p:sp>
+      <p:cxnSp>
+        <p:nvCxnSpPr>
+          <p:cNvPr id="13" name="Straight Arrow Connector 12">
+            <a:extLst>
+              <a:ext uri="{FF2B5EF4-FFF2-40B4-BE49-F238E27FC236}">
+                <a16:creationId xmlns:a16="http://schemas.microsoft.com/office/drawing/2014/main" id="{772E24A3-31D1-F751-79CB-17565FD729B3}"/>
+              </a:ext>
+            </a:extLst>
+          </p:cNvPr>
+          <p:cNvCxnSpPr>
+            <a:stCxn id="3" idx="2"/>
+            <a:endCxn id="4" idx="6"/>
+          </p:cNvCxnSpPr>
+          <p:nvPr/>
+        </p:nvCxnSpPr>
+        <p:spPr>
+          <a:xfrm flipH="1">
+            <a:off x="4345969" y="2304176"/>
+            <a:ext cx="1202076" cy="0"/>
+          </a:xfrm>
+          <a:prstGeom prst="straightConnector1">
+            <a:avLst/>
+          </a:prstGeom>
+          <a:ln>
+            <a:tailEnd type="triangle"/>
+          </a:ln>
+        </p:spPr>
+        <p:style>
+          <a:lnRef idx="2">
+            <a:schemeClr val="dk1"/>
+          </a:lnRef>
+          <a:fillRef idx="0">
+            <a:schemeClr val="dk1"/>
+          </a:fillRef>
+          <a:effectRef idx="1">
+            <a:schemeClr val="dk1"/>
+          </a:effectRef>
+          <a:fontRef idx="minor">
+            <a:schemeClr val="tx1"/>
+          </a:fontRef>
+        </p:style>
+      </p:cxnSp>
+    </p:spTree>
+    <p:extLst>
+      <p:ext uri="{BB962C8B-B14F-4D97-AF65-F5344CB8AC3E}">
+        <p14:creationId xmlns:p14="http://schemas.microsoft.com/office/powerpoint/2010/main" val="1968035015"/>
+      </p:ext>
+    </p:extLst>
+  </p:cSld>
+  <p:clrMapOvr>
+    <a:masterClrMapping/>
+  </p:clrMapOvr>
+</p:sld>
+</file>
+
+<file path=ppt/slides/slide11.xml><?xml version="1.0" encoding="utf-8"?>
+<p:sld xmlns:a="http://schemas.openxmlformats.org/drawingml/2006/main" xmlns:r="http://schemas.openxmlformats.org/officeDocument/2006/relationships" xmlns:p="http://schemas.openxmlformats.org/presentationml/2006/main">
+  <p:cSld>
+    <p:spTree>
+      <p:nvGrpSpPr>
         <p:cNvPr id="1" name=""/>
         <p:cNvGrpSpPr/>
         <p:nvPr/>
@@ -4809,7 +6313,7 @@
 </p:sld>
 </file>
 
-<file path=ppt/slides/slide11.xml><?xml version="1.0" encoding="utf-8"?>
+<file path=ppt/slides/slide12.xml><?xml version="1.0" encoding="utf-8"?>
 <p:sld xmlns:a="http://schemas.openxmlformats.org/drawingml/2006/main" xmlns:r="http://schemas.openxmlformats.org/officeDocument/2006/relationships" xmlns:p="http://schemas.openxmlformats.org/presentationml/2006/main">
   <p:cSld>
     <p:spTree>
@@ -4955,6 +6459,137 @@
     <p:extLst>
       <p:ext uri="{BB962C8B-B14F-4D97-AF65-F5344CB8AC3E}">
         <p14:creationId xmlns:p14="http://schemas.microsoft.com/office/powerpoint/2010/main" val="118839557"/>
+      </p:ext>
+    </p:extLst>
+  </p:cSld>
+  <p:clrMapOvr>
+    <a:masterClrMapping/>
+  </p:clrMapOvr>
+</p:sld>
+</file>
+
+<file path=ppt/slides/slide13.xml><?xml version="1.0" encoding="utf-8"?>
+<p:sld xmlns:a="http://schemas.openxmlformats.org/drawingml/2006/main" xmlns:r="http://schemas.openxmlformats.org/officeDocument/2006/relationships" xmlns:p="http://schemas.openxmlformats.org/presentationml/2006/main">
+  <p:cSld>
+    <p:spTree>
+      <p:nvGrpSpPr>
+        <p:cNvPr id="1" name=""/>
+        <p:cNvGrpSpPr/>
+        <p:nvPr/>
+      </p:nvGrpSpPr>
+      <p:grpSpPr>
+        <a:xfrm>
+          <a:off x="0" y="0"/>
+          <a:ext cx="0" cy="0"/>
+          <a:chOff x="0" y="0"/>
+          <a:chExt cx="0" cy="0"/>
+        </a:xfrm>
+      </p:grpSpPr>
+      <p:sp>
+        <p:nvSpPr>
+          <p:cNvPr id="2" name="Title 1">
+            <a:extLst>
+              <a:ext uri="{FF2B5EF4-FFF2-40B4-BE49-F238E27FC236}">
+                <a16:creationId xmlns:a16="http://schemas.microsoft.com/office/drawing/2014/main" id="{4959094A-EDD9-CCF3-085E-6030DC9B39EA}"/>
+              </a:ext>
+            </a:extLst>
+          </p:cNvPr>
+          <p:cNvSpPr>
+            <a:spLocks noGrp="1"/>
+          </p:cNvSpPr>
+          <p:nvPr>
+            <p:ph type="title"/>
+          </p:nvPr>
+        </p:nvSpPr>
+        <p:spPr/>
+        <p:txBody>
+          <a:bodyPr/>
+          <a:lstStyle/>
+          <a:p>
+            <a:r>
+              <a:rPr lang="es-MX" dirty="0"/>
+              <a:t>Error de medición y FP/FN</a:t>
+            </a:r>
+            <a:endParaRPr lang="en-GB" dirty="0"/>
+          </a:p>
+        </p:txBody>
+      </p:sp>
+      <p:pic>
+        <p:nvPicPr>
+          <p:cNvPr id="5" name="Picture 4">
+            <a:extLst>
+              <a:ext uri="{FF2B5EF4-FFF2-40B4-BE49-F238E27FC236}">
+                <a16:creationId xmlns:a16="http://schemas.microsoft.com/office/drawing/2014/main" id="{E2E113D2-A70F-338E-39E4-D683338F8A42}"/>
+              </a:ext>
+            </a:extLst>
+          </p:cNvPr>
+          <p:cNvPicPr>
+            <a:picLocks noChangeAspect="1"/>
+          </p:cNvPicPr>
+          <p:nvPr/>
+        </p:nvPicPr>
+        <p:blipFill>
+          <a:blip r:embed="rId2">
+            <a:extLst>
+              <a:ext uri="{28A0092B-C50C-407E-A947-70E740481C1C}">
+                <a14:useLocalDpi xmlns:a14="http://schemas.microsoft.com/office/drawing/2010/main" val="0"/>
+              </a:ext>
+            </a:extLst>
+          </a:blip>
+          <a:stretch>
+            <a:fillRect/>
+          </a:stretch>
+        </p:blipFill>
+        <p:spPr>
+          <a:xfrm>
+            <a:off x="6832540" y="1830719"/>
+            <a:ext cx="5194848" cy="3008409"/>
+          </a:xfrm>
+          <a:prstGeom prst="rect">
+            <a:avLst/>
+          </a:prstGeom>
+        </p:spPr>
+      </p:pic>
+      <p:pic>
+        <p:nvPicPr>
+          <p:cNvPr id="7" name="Picture 6">
+            <a:extLst>
+              <a:ext uri="{FF2B5EF4-FFF2-40B4-BE49-F238E27FC236}">
+                <a16:creationId xmlns:a16="http://schemas.microsoft.com/office/drawing/2014/main" id="{6727936A-9A19-54B0-E55D-96B45262BCDA}"/>
+              </a:ext>
+            </a:extLst>
+          </p:cNvPr>
+          <p:cNvPicPr>
+            <a:picLocks noChangeAspect="1"/>
+          </p:cNvPicPr>
+          <p:nvPr/>
+        </p:nvPicPr>
+        <p:blipFill>
+          <a:blip r:embed="rId3">
+            <a:extLst>
+              <a:ext uri="{28A0092B-C50C-407E-A947-70E740481C1C}">
+                <a14:useLocalDpi xmlns:a14="http://schemas.microsoft.com/office/drawing/2010/main" val="0"/>
+              </a:ext>
+            </a:extLst>
+          </a:blip>
+          <a:stretch>
+            <a:fillRect/>
+          </a:stretch>
+        </p:blipFill>
+        <p:spPr>
+          <a:xfrm>
+            <a:off x="353697" y="1947542"/>
+            <a:ext cx="6306430" cy="3267531"/>
+          </a:xfrm>
+          <a:prstGeom prst="rect">
+            <a:avLst/>
+          </a:prstGeom>
+        </p:spPr>
+      </p:pic>
+    </p:spTree>
+    <p:extLst>
+      <p:ext uri="{BB962C8B-B14F-4D97-AF65-F5344CB8AC3E}">
+        <p14:creationId xmlns:p14="http://schemas.microsoft.com/office/powerpoint/2010/main" val="997146496"/>
       </p:ext>
     </p:extLst>
   </p:cSld>
@@ -10711,13 +12346,7 @@
   <p:cSld>
     <p:spTree>
       <p:nvGrpSpPr>
-        <p:cNvPr id="1" name="">
-          <a:extLst>
-            <a:ext uri="{FF2B5EF4-FFF2-40B4-BE49-F238E27FC236}">
-              <a16:creationId xmlns:a16="http://schemas.microsoft.com/office/drawing/2014/main" id="{87123B22-783C-D054-D532-F43E776E4BF8}"/>
-            </a:ext>
-          </a:extLst>
-        </p:cNvPr>
+        <p:cNvPr id="1" name=""/>
         <p:cNvGrpSpPr/>
         <p:nvPr/>
       </p:nvGrpSpPr>
@@ -10734,7 +12363,7 @@
           <p:cNvPr id="2" name="Title 1">
             <a:extLst>
               <a:ext uri="{FF2B5EF4-FFF2-40B4-BE49-F238E27FC236}">
-                <a16:creationId xmlns:a16="http://schemas.microsoft.com/office/drawing/2014/main" id="{0FAE98BD-FBD6-40F2-04F8-6368D4726ADB}"/>
+                <a16:creationId xmlns:a16="http://schemas.microsoft.com/office/drawing/2014/main" id="{08920181-DCC9-5048-B717-5555B776806F}"/>
               </a:ext>
             </a:extLst>
           </p:cNvPr>
@@ -10751,1377 +12380,52 @@
           <a:lstStyle/>
           <a:p>
             <a:r>
-              <a:rPr lang="en-US" dirty="0" err="1"/>
-              <a:t>Validez</a:t>
+              <a:rPr lang="es-MX" dirty="0"/>
+              <a:t>Sobre confiabilidad, pesos y errores de clasificación</a:t>
             </a:r>
             <a:endParaRPr lang="en-GB" dirty="0"/>
           </a:p>
         </p:txBody>
       </p:sp>
-      <p:sp>
-        <p:nvSpPr>
-          <p:cNvPr id="4" name="Oval 3">
-            <a:extLst>
-              <a:ext uri="{FF2B5EF4-FFF2-40B4-BE49-F238E27FC236}">
-                <a16:creationId xmlns:a16="http://schemas.microsoft.com/office/drawing/2014/main" id="{1E516469-43B5-36B5-9864-C903286579E7}"/>
-              </a:ext>
-            </a:extLst>
-          </p:cNvPr>
-          <p:cNvSpPr/>
-          <p:nvPr/>
-        </p:nvSpPr>
+      <p:pic>
+        <p:nvPicPr>
+          <p:cNvPr id="5" name="Content Placeholder 4">
+            <a:extLst>
+              <a:ext uri="{FF2B5EF4-FFF2-40B4-BE49-F238E27FC236}">
+                <a16:creationId xmlns:a16="http://schemas.microsoft.com/office/drawing/2014/main" id="{552FDEBB-A83C-4FD9-4D26-25168185CF97}"/>
+              </a:ext>
+            </a:extLst>
+          </p:cNvPr>
+          <p:cNvPicPr>
+            <a:picLocks noGrp="1" noChangeAspect="1"/>
+          </p:cNvPicPr>
+          <p:nvPr>
+            <p:ph idx="1"/>
+          </p:nvPr>
+        </p:nvPicPr>
+        <p:blipFill>
+          <a:blip r:embed="rId2">
+            <a:extLst>
+              <a:ext uri="{28A0092B-C50C-407E-A947-70E740481C1C}">
+                <a14:useLocalDpi xmlns:a14="http://schemas.microsoft.com/office/drawing/2010/main" val="0"/>
+              </a:ext>
+            </a:extLst>
+          </a:blip>
+          <a:stretch>
+            <a:fillRect/>
+          </a:stretch>
+        </p:blipFill>
         <p:spPr>
           <a:xfrm>
-            <a:off x="2527443" y="1641395"/>
-            <a:ext cx="1818526" cy="1325562"/>
-          </a:xfrm>
-          <a:prstGeom prst="ellipse">
-            <a:avLst/>
-          </a:prstGeom>
-        </p:spPr>
-        <p:style>
-          <a:lnRef idx="2">
-            <a:schemeClr val="dk1"/>
-          </a:lnRef>
-          <a:fillRef idx="1">
-            <a:schemeClr val="lt1"/>
-          </a:fillRef>
-          <a:effectRef idx="0">
-            <a:schemeClr val="dk1"/>
-          </a:effectRef>
-          <a:fontRef idx="minor">
-            <a:schemeClr val="dk1"/>
-          </a:fontRef>
-        </p:style>
-        <p:txBody>
-          <a:bodyPr rtlCol="0" anchor="ctr"/>
-          <a:lstStyle/>
-          <a:p>
-            <a:pPr algn="ctr"/>
-            <a:r>
-              <a:rPr lang="en-US" dirty="0" err="1"/>
-              <a:t>Pobreza</a:t>
-            </a:r>
-            <a:endParaRPr lang="en-GB" dirty="0"/>
-          </a:p>
-        </p:txBody>
-      </p:sp>
-      <p:sp>
-        <p:nvSpPr>
-          <p:cNvPr id="5" name="Rectangle 4">
-            <a:extLst>
-              <a:ext uri="{FF2B5EF4-FFF2-40B4-BE49-F238E27FC236}">
-                <a16:creationId xmlns:a16="http://schemas.microsoft.com/office/drawing/2014/main" id="{782AF12E-8780-B83C-9ED4-04A601FE5A6B}"/>
-              </a:ext>
-            </a:extLst>
-          </p:cNvPr>
-          <p:cNvSpPr/>
-          <p:nvPr/>
-        </p:nvSpPr>
-        <p:spPr>
-          <a:xfrm>
-            <a:off x="838200" y="4243227"/>
-            <a:ext cx="651553" cy="698643"/>
-          </a:xfrm>
-          <a:prstGeom prst="rect">
-            <a:avLst/>
-          </a:prstGeom>
-        </p:spPr>
-        <p:style>
-          <a:lnRef idx="2">
-            <a:schemeClr val="dk1"/>
-          </a:lnRef>
-          <a:fillRef idx="1">
-            <a:schemeClr val="lt1"/>
-          </a:fillRef>
-          <a:effectRef idx="0">
-            <a:schemeClr val="dk1"/>
-          </a:effectRef>
-          <a:fontRef idx="minor">
-            <a:schemeClr val="dk1"/>
-          </a:fontRef>
-        </p:style>
-        <p:txBody>
-          <a:bodyPr rtlCol="0" anchor="ctr"/>
-          <a:lstStyle/>
-          <a:p>
-            <a:pPr algn="ctr"/>
-            <a:r>
-              <a:rPr lang="en-US" dirty="0"/>
-              <a:t>X1</a:t>
-            </a:r>
-            <a:endParaRPr lang="en-GB" dirty="0"/>
-          </a:p>
-        </p:txBody>
-      </p:sp>
-      <p:sp>
-        <p:nvSpPr>
-          <p:cNvPr id="6" name="Rectangle 5">
-            <a:extLst>
-              <a:ext uri="{FF2B5EF4-FFF2-40B4-BE49-F238E27FC236}">
-                <a16:creationId xmlns:a16="http://schemas.microsoft.com/office/drawing/2014/main" id="{CAF48F8A-965B-D2DB-6808-261BD5B6F88E}"/>
-              </a:ext>
-            </a:extLst>
-          </p:cNvPr>
-          <p:cNvSpPr/>
-          <p:nvPr/>
-        </p:nvSpPr>
-        <p:spPr>
-          <a:xfrm>
-            <a:off x="1763731" y="4243227"/>
-            <a:ext cx="651553" cy="698643"/>
-          </a:xfrm>
-          <a:prstGeom prst="rect">
-            <a:avLst/>
-          </a:prstGeom>
-        </p:spPr>
-        <p:style>
-          <a:lnRef idx="2">
-            <a:schemeClr val="dk1"/>
-          </a:lnRef>
-          <a:fillRef idx="1">
-            <a:schemeClr val="lt1"/>
-          </a:fillRef>
-          <a:effectRef idx="0">
-            <a:schemeClr val="dk1"/>
-          </a:effectRef>
-          <a:fontRef idx="minor">
-            <a:schemeClr val="dk1"/>
-          </a:fontRef>
-        </p:style>
-        <p:txBody>
-          <a:bodyPr rtlCol="0" anchor="ctr"/>
-          <a:lstStyle/>
-          <a:p>
-            <a:pPr algn="ctr"/>
-            <a:r>
-              <a:rPr lang="en-US" dirty="0"/>
-              <a:t>X2</a:t>
-            </a:r>
-            <a:endParaRPr lang="en-GB" dirty="0"/>
-          </a:p>
-        </p:txBody>
-      </p:sp>
-      <p:sp>
-        <p:nvSpPr>
-          <p:cNvPr id="7" name="Rectangle 6">
-            <a:extLst>
-              <a:ext uri="{FF2B5EF4-FFF2-40B4-BE49-F238E27FC236}">
-                <a16:creationId xmlns:a16="http://schemas.microsoft.com/office/drawing/2014/main" id="{23BDB681-AE24-E4A3-8F97-85A4E903AB36}"/>
-              </a:ext>
-            </a:extLst>
-          </p:cNvPr>
-          <p:cNvSpPr/>
-          <p:nvPr/>
-        </p:nvSpPr>
-        <p:spPr>
-          <a:xfrm>
-            <a:off x="2689262" y="4243227"/>
-            <a:ext cx="651553" cy="698643"/>
-          </a:xfrm>
-          <a:prstGeom prst="rect">
-            <a:avLst/>
-          </a:prstGeom>
-        </p:spPr>
-        <p:style>
-          <a:lnRef idx="2">
-            <a:schemeClr val="dk1"/>
-          </a:lnRef>
-          <a:fillRef idx="1">
-            <a:schemeClr val="lt1"/>
-          </a:fillRef>
-          <a:effectRef idx="0">
-            <a:schemeClr val="dk1"/>
-          </a:effectRef>
-          <a:fontRef idx="minor">
-            <a:schemeClr val="dk1"/>
-          </a:fontRef>
-        </p:style>
-        <p:txBody>
-          <a:bodyPr rtlCol="0" anchor="ctr"/>
-          <a:lstStyle/>
-          <a:p>
-            <a:pPr algn="ctr"/>
-            <a:r>
-              <a:rPr lang="en-US" dirty="0"/>
-              <a:t>X3</a:t>
-            </a:r>
-            <a:endParaRPr lang="en-GB" dirty="0"/>
-          </a:p>
-        </p:txBody>
-      </p:sp>
-      <p:sp>
-        <p:nvSpPr>
-          <p:cNvPr id="8" name="Rectangle 7">
-            <a:extLst>
-              <a:ext uri="{FF2B5EF4-FFF2-40B4-BE49-F238E27FC236}">
-                <a16:creationId xmlns:a16="http://schemas.microsoft.com/office/drawing/2014/main" id="{2F01F04C-9C21-A45B-428E-2E2AD341ECB0}"/>
-              </a:ext>
-            </a:extLst>
-          </p:cNvPr>
-          <p:cNvSpPr/>
-          <p:nvPr/>
-        </p:nvSpPr>
-        <p:spPr>
-          <a:xfrm>
-            <a:off x="3575410" y="4243227"/>
-            <a:ext cx="651553" cy="698643"/>
-          </a:xfrm>
-          <a:prstGeom prst="rect">
-            <a:avLst/>
-          </a:prstGeom>
-        </p:spPr>
-        <p:style>
-          <a:lnRef idx="2">
-            <a:schemeClr val="dk1"/>
-          </a:lnRef>
-          <a:fillRef idx="1">
-            <a:schemeClr val="lt1"/>
-          </a:fillRef>
-          <a:effectRef idx="0">
-            <a:schemeClr val="dk1"/>
-          </a:effectRef>
-          <a:fontRef idx="minor">
-            <a:schemeClr val="dk1"/>
-          </a:fontRef>
-        </p:style>
-        <p:txBody>
-          <a:bodyPr rtlCol="0" anchor="ctr"/>
-          <a:lstStyle/>
-          <a:p>
-            <a:pPr algn="ctr"/>
-            <a:r>
-              <a:rPr lang="en-US" dirty="0"/>
-              <a:t>X4</a:t>
-            </a:r>
-            <a:endParaRPr lang="en-GB" dirty="0"/>
-          </a:p>
-        </p:txBody>
-      </p:sp>
-      <p:sp>
-        <p:nvSpPr>
-          <p:cNvPr id="9" name="Rectangle 8">
-            <a:extLst>
-              <a:ext uri="{FF2B5EF4-FFF2-40B4-BE49-F238E27FC236}">
-                <a16:creationId xmlns:a16="http://schemas.microsoft.com/office/drawing/2014/main" id="{A98E4A93-CE81-1E4C-7A68-439A8E915BDE}"/>
-              </a:ext>
-            </a:extLst>
-          </p:cNvPr>
-          <p:cNvSpPr/>
-          <p:nvPr/>
-        </p:nvSpPr>
-        <p:spPr>
-          <a:xfrm>
-            <a:off x="4461558" y="4243227"/>
-            <a:ext cx="651553" cy="698643"/>
-          </a:xfrm>
-          <a:prstGeom prst="rect">
-            <a:avLst/>
-          </a:prstGeom>
-        </p:spPr>
-        <p:style>
-          <a:lnRef idx="2">
-            <a:schemeClr val="dk1"/>
-          </a:lnRef>
-          <a:fillRef idx="1">
-            <a:schemeClr val="lt1"/>
-          </a:fillRef>
-          <a:effectRef idx="0">
-            <a:schemeClr val="dk1"/>
-          </a:effectRef>
-          <a:fontRef idx="minor">
-            <a:schemeClr val="dk1"/>
-          </a:fontRef>
-        </p:style>
-        <p:txBody>
-          <a:bodyPr rtlCol="0" anchor="ctr"/>
-          <a:lstStyle/>
-          <a:p>
-            <a:pPr algn="ctr"/>
-            <a:r>
-              <a:rPr lang="en-US" dirty="0"/>
-              <a:t>X5</a:t>
-            </a:r>
-            <a:endParaRPr lang="en-GB" dirty="0"/>
-          </a:p>
-        </p:txBody>
-      </p:sp>
-      <p:sp>
-        <p:nvSpPr>
-          <p:cNvPr id="10" name="Rectangle 9">
-            <a:extLst>
-              <a:ext uri="{FF2B5EF4-FFF2-40B4-BE49-F238E27FC236}">
-                <a16:creationId xmlns:a16="http://schemas.microsoft.com/office/drawing/2014/main" id="{286F9209-BF9D-415F-96AD-EC8026E78187}"/>
-              </a:ext>
-            </a:extLst>
-          </p:cNvPr>
-          <p:cNvSpPr/>
-          <p:nvPr/>
-        </p:nvSpPr>
-        <p:spPr>
-          <a:xfrm>
-            <a:off x="5379383" y="4243227"/>
-            <a:ext cx="651553" cy="698643"/>
-          </a:xfrm>
-          <a:prstGeom prst="rect">
-            <a:avLst/>
-          </a:prstGeom>
-        </p:spPr>
-        <p:style>
-          <a:lnRef idx="2">
-            <a:schemeClr val="dk1"/>
-          </a:lnRef>
-          <a:fillRef idx="1">
-            <a:schemeClr val="lt1"/>
-          </a:fillRef>
-          <a:effectRef idx="0">
-            <a:schemeClr val="dk1"/>
-          </a:effectRef>
-          <a:fontRef idx="minor">
-            <a:schemeClr val="dk1"/>
-          </a:fontRef>
-        </p:style>
-        <p:txBody>
-          <a:bodyPr rtlCol="0" anchor="ctr"/>
-          <a:lstStyle/>
-          <a:p>
-            <a:pPr algn="ctr"/>
-            <a:r>
-              <a:rPr lang="en-US" dirty="0"/>
-              <a:t>X6</a:t>
-            </a:r>
-            <a:endParaRPr lang="en-GB" dirty="0"/>
-          </a:p>
-        </p:txBody>
-      </p:sp>
-      <p:cxnSp>
-        <p:nvCxnSpPr>
-          <p:cNvPr id="12" name="Straight Arrow Connector 11">
-            <a:extLst>
-              <a:ext uri="{FF2B5EF4-FFF2-40B4-BE49-F238E27FC236}">
-                <a16:creationId xmlns:a16="http://schemas.microsoft.com/office/drawing/2014/main" id="{682BB61F-9CAE-EDA6-4AA8-37E0C0F37284}"/>
-              </a:ext>
-            </a:extLst>
-          </p:cNvPr>
-          <p:cNvCxnSpPr>
-            <a:stCxn id="4" idx="4"/>
-            <a:endCxn id="5" idx="0"/>
-          </p:cNvCxnSpPr>
-          <p:nvPr/>
-        </p:nvCxnSpPr>
-        <p:spPr>
-          <a:xfrm flipH="1">
-            <a:off x="1163977" y="2966957"/>
-            <a:ext cx="2272729" cy="1276270"/>
-          </a:xfrm>
-          <a:prstGeom prst="straightConnector1">
-            <a:avLst/>
-          </a:prstGeom>
-          <a:ln>
-            <a:tailEnd type="triangle"/>
-          </a:ln>
-        </p:spPr>
-        <p:style>
-          <a:lnRef idx="2">
-            <a:schemeClr val="dk1"/>
-          </a:lnRef>
-          <a:fillRef idx="0">
-            <a:schemeClr val="dk1"/>
-          </a:fillRef>
-          <a:effectRef idx="1">
-            <a:schemeClr val="dk1"/>
-          </a:effectRef>
-          <a:fontRef idx="minor">
-            <a:schemeClr val="tx1"/>
-          </a:fontRef>
-        </p:style>
-      </p:cxnSp>
-      <p:cxnSp>
-        <p:nvCxnSpPr>
-          <p:cNvPr id="14" name="Straight Arrow Connector 13">
-            <a:extLst>
-              <a:ext uri="{FF2B5EF4-FFF2-40B4-BE49-F238E27FC236}">
-                <a16:creationId xmlns:a16="http://schemas.microsoft.com/office/drawing/2014/main" id="{00C6CD58-E484-A4BD-5497-DB56B011800A}"/>
-              </a:ext>
-            </a:extLst>
-          </p:cNvPr>
-          <p:cNvCxnSpPr>
-            <a:stCxn id="4" idx="4"/>
-            <a:endCxn id="6" idx="0"/>
-          </p:cNvCxnSpPr>
-          <p:nvPr/>
-        </p:nvCxnSpPr>
-        <p:spPr>
-          <a:xfrm flipH="1">
-            <a:off x="2089508" y="2966957"/>
-            <a:ext cx="1347198" cy="1276270"/>
-          </a:xfrm>
-          <a:prstGeom prst="straightConnector1">
-            <a:avLst/>
-          </a:prstGeom>
-          <a:ln>
-            <a:tailEnd type="triangle"/>
-          </a:ln>
-        </p:spPr>
-        <p:style>
-          <a:lnRef idx="2">
-            <a:schemeClr val="dk1"/>
-          </a:lnRef>
-          <a:fillRef idx="0">
-            <a:schemeClr val="dk1"/>
-          </a:fillRef>
-          <a:effectRef idx="1">
-            <a:schemeClr val="dk1"/>
-          </a:effectRef>
-          <a:fontRef idx="minor">
-            <a:schemeClr val="tx1"/>
-          </a:fontRef>
-        </p:style>
-      </p:cxnSp>
-      <p:cxnSp>
-        <p:nvCxnSpPr>
-          <p:cNvPr id="16" name="Straight Arrow Connector 15">
-            <a:extLst>
-              <a:ext uri="{FF2B5EF4-FFF2-40B4-BE49-F238E27FC236}">
-                <a16:creationId xmlns:a16="http://schemas.microsoft.com/office/drawing/2014/main" id="{8E997CEC-D4AD-B159-7F77-BF7C3F57AB00}"/>
-              </a:ext>
-            </a:extLst>
-          </p:cNvPr>
-          <p:cNvCxnSpPr>
-            <a:stCxn id="4" idx="4"/>
-            <a:endCxn id="7" idx="0"/>
-          </p:cNvCxnSpPr>
-          <p:nvPr/>
-        </p:nvCxnSpPr>
-        <p:spPr>
-          <a:xfrm flipH="1">
-            <a:off x="3015039" y="2966957"/>
-            <a:ext cx="421667" cy="1276270"/>
-          </a:xfrm>
-          <a:prstGeom prst="straightConnector1">
-            <a:avLst/>
-          </a:prstGeom>
-          <a:ln>
-            <a:tailEnd type="triangle"/>
-          </a:ln>
-        </p:spPr>
-        <p:style>
-          <a:lnRef idx="2">
-            <a:schemeClr val="dk1"/>
-          </a:lnRef>
-          <a:fillRef idx="0">
-            <a:schemeClr val="dk1"/>
-          </a:fillRef>
-          <a:effectRef idx="1">
-            <a:schemeClr val="dk1"/>
-          </a:effectRef>
-          <a:fontRef idx="minor">
-            <a:schemeClr val="tx1"/>
-          </a:fontRef>
-        </p:style>
-      </p:cxnSp>
-      <p:cxnSp>
-        <p:nvCxnSpPr>
-          <p:cNvPr id="18" name="Straight Arrow Connector 17">
-            <a:extLst>
-              <a:ext uri="{FF2B5EF4-FFF2-40B4-BE49-F238E27FC236}">
-                <a16:creationId xmlns:a16="http://schemas.microsoft.com/office/drawing/2014/main" id="{97576EDB-FE13-845C-4FBE-55A0805A873E}"/>
-              </a:ext>
-            </a:extLst>
-          </p:cNvPr>
-          <p:cNvCxnSpPr>
-            <a:stCxn id="4" idx="4"/>
-            <a:endCxn id="8" idx="0"/>
-          </p:cNvCxnSpPr>
-          <p:nvPr/>
-        </p:nvCxnSpPr>
-        <p:spPr>
-          <a:xfrm>
-            <a:off x="3436706" y="2966957"/>
-            <a:ext cx="464481" cy="1276270"/>
-          </a:xfrm>
-          <a:prstGeom prst="straightConnector1">
-            <a:avLst/>
-          </a:prstGeom>
-          <a:ln>
-            <a:tailEnd type="triangle"/>
-          </a:ln>
-        </p:spPr>
-        <p:style>
-          <a:lnRef idx="2">
-            <a:schemeClr val="dk1"/>
-          </a:lnRef>
-          <a:fillRef idx="0">
-            <a:schemeClr val="dk1"/>
-          </a:fillRef>
-          <a:effectRef idx="1">
-            <a:schemeClr val="dk1"/>
-          </a:effectRef>
-          <a:fontRef idx="minor">
-            <a:schemeClr val="tx1"/>
-          </a:fontRef>
-        </p:style>
-      </p:cxnSp>
-      <p:cxnSp>
-        <p:nvCxnSpPr>
-          <p:cNvPr id="20" name="Straight Arrow Connector 19">
-            <a:extLst>
-              <a:ext uri="{FF2B5EF4-FFF2-40B4-BE49-F238E27FC236}">
-                <a16:creationId xmlns:a16="http://schemas.microsoft.com/office/drawing/2014/main" id="{E410546C-0A05-1EBF-4429-4D4693016E97}"/>
-              </a:ext>
-            </a:extLst>
-          </p:cNvPr>
-          <p:cNvCxnSpPr>
-            <a:stCxn id="4" idx="4"/>
-            <a:endCxn id="9" idx="0"/>
-          </p:cNvCxnSpPr>
-          <p:nvPr/>
-        </p:nvCxnSpPr>
-        <p:spPr>
-          <a:xfrm>
-            <a:off x="3436706" y="2966957"/>
-            <a:ext cx="1350629" cy="1276270"/>
-          </a:xfrm>
-          <a:prstGeom prst="straightConnector1">
-            <a:avLst/>
-          </a:prstGeom>
-          <a:ln>
-            <a:tailEnd type="triangle"/>
-          </a:ln>
-        </p:spPr>
-        <p:style>
-          <a:lnRef idx="2">
-            <a:schemeClr val="dk1"/>
-          </a:lnRef>
-          <a:fillRef idx="0">
-            <a:schemeClr val="dk1"/>
-          </a:fillRef>
-          <a:effectRef idx="1">
-            <a:schemeClr val="dk1"/>
-          </a:effectRef>
-          <a:fontRef idx="minor">
-            <a:schemeClr val="tx1"/>
-          </a:fontRef>
-        </p:style>
-      </p:cxnSp>
-      <p:cxnSp>
-        <p:nvCxnSpPr>
-          <p:cNvPr id="22" name="Straight Arrow Connector 21">
-            <a:extLst>
-              <a:ext uri="{FF2B5EF4-FFF2-40B4-BE49-F238E27FC236}">
-                <a16:creationId xmlns:a16="http://schemas.microsoft.com/office/drawing/2014/main" id="{9BCFCDEE-AF25-E63F-B66A-5207B1A2F430}"/>
-              </a:ext>
-            </a:extLst>
-          </p:cNvPr>
-          <p:cNvCxnSpPr>
-            <a:stCxn id="4" idx="4"/>
-            <a:endCxn id="10" idx="0"/>
-          </p:cNvCxnSpPr>
-          <p:nvPr/>
-        </p:nvCxnSpPr>
-        <p:spPr>
-          <a:xfrm>
-            <a:off x="3436706" y="2966957"/>
-            <a:ext cx="2268454" cy="1276270"/>
-          </a:xfrm>
-          <a:prstGeom prst="straightConnector1">
-            <a:avLst/>
-          </a:prstGeom>
-          <a:ln>
-            <a:tailEnd type="triangle"/>
-          </a:ln>
-        </p:spPr>
-        <p:style>
-          <a:lnRef idx="2">
-            <a:schemeClr val="dk1"/>
-          </a:lnRef>
-          <a:fillRef idx="0">
-            <a:schemeClr val="dk1"/>
-          </a:fillRef>
-          <a:effectRef idx="1">
-            <a:schemeClr val="dk1"/>
-          </a:effectRef>
-          <a:fontRef idx="minor">
-            <a:schemeClr val="tx1"/>
-          </a:fontRef>
-        </p:style>
-      </p:cxnSp>
-      <p:sp>
-        <p:nvSpPr>
-          <p:cNvPr id="23" name="Oval 22">
-            <a:extLst>
-              <a:ext uri="{FF2B5EF4-FFF2-40B4-BE49-F238E27FC236}">
-                <a16:creationId xmlns:a16="http://schemas.microsoft.com/office/drawing/2014/main" id="{50E9DE7E-24C0-6C21-9687-E3E3F48B01A1}"/>
-              </a:ext>
-            </a:extLst>
-          </p:cNvPr>
-          <p:cNvSpPr/>
-          <p:nvPr/>
-        </p:nvSpPr>
-        <p:spPr>
-          <a:xfrm>
-            <a:off x="923014" y="5318589"/>
-            <a:ext cx="482886" cy="359596"/>
-          </a:xfrm>
-          <a:prstGeom prst="ellipse">
-            <a:avLst/>
-          </a:prstGeom>
-        </p:spPr>
-        <p:style>
-          <a:lnRef idx="2">
-            <a:schemeClr val="dk1"/>
-          </a:lnRef>
-          <a:fillRef idx="1">
-            <a:schemeClr val="lt1"/>
-          </a:fillRef>
-          <a:effectRef idx="0">
-            <a:schemeClr val="dk1"/>
-          </a:effectRef>
-          <a:fontRef idx="minor">
-            <a:schemeClr val="dk1"/>
-          </a:fontRef>
-        </p:style>
-        <p:txBody>
-          <a:bodyPr rtlCol="0" anchor="ctr"/>
-          <a:lstStyle/>
-          <a:p>
-            <a:pPr algn="ctr"/>
-            <a:r>
-              <a:rPr lang="en-US" sz="1100" dirty="0"/>
-              <a:t>e1</a:t>
-            </a:r>
-            <a:endParaRPr lang="en-GB" sz="1100" dirty="0"/>
-          </a:p>
-        </p:txBody>
-      </p:sp>
-      <p:cxnSp>
-        <p:nvCxnSpPr>
-          <p:cNvPr id="33" name="Straight Arrow Connector 32">
-            <a:extLst>
-              <a:ext uri="{FF2B5EF4-FFF2-40B4-BE49-F238E27FC236}">
-                <a16:creationId xmlns:a16="http://schemas.microsoft.com/office/drawing/2014/main" id="{FDA62376-2700-AFB6-C012-8B83C562E5F4}"/>
-              </a:ext>
-            </a:extLst>
-          </p:cNvPr>
-          <p:cNvCxnSpPr>
-            <a:stCxn id="23" idx="0"/>
-            <a:endCxn id="5" idx="2"/>
-          </p:cNvCxnSpPr>
-          <p:nvPr/>
-        </p:nvCxnSpPr>
-        <p:spPr>
-          <a:xfrm flipH="1" flipV="1">
-            <a:off x="1163977" y="4941870"/>
-            <a:ext cx="480" cy="376719"/>
-          </a:xfrm>
-          <a:prstGeom prst="straightConnector1">
-            <a:avLst/>
-          </a:prstGeom>
-          <a:ln>
-            <a:tailEnd type="triangle"/>
-          </a:ln>
-        </p:spPr>
-        <p:style>
-          <a:lnRef idx="2">
-            <a:schemeClr val="dk1"/>
-          </a:lnRef>
-          <a:fillRef idx="0">
-            <a:schemeClr val="dk1"/>
-          </a:fillRef>
-          <a:effectRef idx="1">
-            <a:schemeClr val="dk1"/>
-          </a:effectRef>
-          <a:fontRef idx="minor">
-            <a:schemeClr val="tx1"/>
-          </a:fontRef>
-        </p:style>
-      </p:cxnSp>
-      <p:sp>
-        <p:nvSpPr>
-          <p:cNvPr id="34" name="Oval 33">
-            <a:extLst>
-              <a:ext uri="{FF2B5EF4-FFF2-40B4-BE49-F238E27FC236}">
-                <a16:creationId xmlns:a16="http://schemas.microsoft.com/office/drawing/2014/main" id="{7D779D78-AC12-F8A9-CEF7-A79817B26703}"/>
-              </a:ext>
-            </a:extLst>
-          </p:cNvPr>
-          <p:cNvSpPr/>
-          <p:nvPr/>
-        </p:nvSpPr>
-        <p:spPr>
-          <a:xfrm>
-            <a:off x="1831797" y="5318589"/>
-            <a:ext cx="482886" cy="359596"/>
-          </a:xfrm>
-          <a:prstGeom prst="ellipse">
-            <a:avLst/>
-          </a:prstGeom>
-        </p:spPr>
-        <p:style>
-          <a:lnRef idx="2">
-            <a:schemeClr val="dk1"/>
-          </a:lnRef>
-          <a:fillRef idx="1">
-            <a:schemeClr val="lt1"/>
-          </a:fillRef>
-          <a:effectRef idx="0">
-            <a:schemeClr val="dk1"/>
-          </a:effectRef>
-          <a:fontRef idx="minor">
-            <a:schemeClr val="dk1"/>
-          </a:fontRef>
-        </p:style>
-        <p:txBody>
-          <a:bodyPr rtlCol="0" anchor="ctr"/>
-          <a:lstStyle/>
-          <a:p>
-            <a:pPr algn="ctr"/>
-            <a:r>
-              <a:rPr lang="en-US" sz="1100" dirty="0"/>
-              <a:t>e2</a:t>
-            </a:r>
-            <a:endParaRPr lang="en-GB" sz="1100" dirty="0"/>
-          </a:p>
-        </p:txBody>
-      </p:sp>
-      <p:cxnSp>
-        <p:nvCxnSpPr>
-          <p:cNvPr id="35" name="Straight Arrow Connector 34">
-            <a:extLst>
-              <a:ext uri="{FF2B5EF4-FFF2-40B4-BE49-F238E27FC236}">
-                <a16:creationId xmlns:a16="http://schemas.microsoft.com/office/drawing/2014/main" id="{802D2C11-C858-2B88-C150-B4FA0E1EDE0C}"/>
-              </a:ext>
-            </a:extLst>
-          </p:cNvPr>
-          <p:cNvCxnSpPr>
-            <a:stCxn id="34" idx="0"/>
-          </p:cNvCxnSpPr>
-          <p:nvPr/>
-        </p:nvCxnSpPr>
-        <p:spPr>
-          <a:xfrm flipH="1" flipV="1">
-            <a:off x="2072760" y="4941870"/>
-            <a:ext cx="480" cy="376719"/>
-          </a:xfrm>
-          <a:prstGeom prst="straightConnector1">
-            <a:avLst/>
-          </a:prstGeom>
-          <a:ln>
-            <a:tailEnd type="triangle"/>
-          </a:ln>
-        </p:spPr>
-        <p:style>
-          <a:lnRef idx="2">
-            <a:schemeClr val="dk1"/>
-          </a:lnRef>
-          <a:fillRef idx="0">
-            <a:schemeClr val="dk1"/>
-          </a:fillRef>
-          <a:effectRef idx="1">
-            <a:schemeClr val="dk1"/>
-          </a:effectRef>
-          <a:fontRef idx="minor">
-            <a:schemeClr val="tx1"/>
-          </a:fontRef>
-        </p:style>
-      </p:cxnSp>
-      <p:sp>
-        <p:nvSpPr>
-          <p:cNvPr id="36" name="Oval 35">
-            <a:extLst>
-              <a:ext uri="{FF2B5EF4-FFF2-40B4-BE49-F238E27FC236}">
-                <a16:creationId xmlns:a16="http://schemas.microsoft.com/office/drawing/2014/main" id="{2C698CEA-0A3F-89F0-C706-DB650DBB4254}"/>
-              </a:ext>
-            </a:extLst>
-          </p:cNvPr>
-          <p:cNvSpPr/>
-          <p:nvPr/>
-        </p:nvSpPr>
-        <p:spPr>
-          <a:xfrm>
-            <a:off x="2775738" y="5318589"/>
-            <a:ext cx="482886" cy="359596"/>
-          </a:xfrm>
-          <a:prstGeom prst="ellipse">
-            <a:avLst/>
-          </a:prstGeom>
-        </p:spPr>
-        <p:style>
-          <a:lnRef idx="2">
-            <a:schemeClr val="dk1"/>
-          </a:lnRef>
-          <a:fillRef idx="1">
-            <a:schemeClr val="lt1"/>
-          </a:fillRef>
-          <a:effectRef idx="0">
-            <a:schemeClr val="dk1"/>
-          </a:effectRef>
-          <a:fontRef idx="minor">
-            <a:schemeClr val="dk1"/>
-          </a:fontRef>
-        </p:style>
-        <p:txBody>
-          <a:bodyPr rtlCol="0" anchor="ctr"/>
-          <a:lstStyle/>
-          <a:p>
-            <a:pPr algn="ctr"/>
-            <a:r>
-              <a:rPr lang="en-US" sz="1100" dirty="0"/>
-              <a:t>e3</a:t>
-            </a:r>
-            <a:endParaRPr lang="en-GB" sz="1100" dirty="0"/>
-          </a:p>
-        </p:txBody>
-      </p:sp>
-      <p:cxnSp>
-        <p:nvCxnSpPr>
-          <p:cNvPr id="37" name="Straight Arrow Connector 36">
-            <a:extLst>
-              <a:ext uri="{FF2B5EF4-FFF2-40B4-BE49-F238E27FC236}">
-                <a16:creationId xmlns:a16="http://schemas.microsoft.com/office/drawing/2014/main" id="{60122F44-B6CD-D56F-FE94-6A7167627A2E}"/>
-              </a:ext>
-            </a:extLst>
-          </p:cNvPr>
-          <p:cNvCxnSpPr>
-            <a:stCxn id="36" idx="0"/>
-          </p:cNvCxnSpPr>
-          <p:nvPr/>
-        </p:nvCxnSpPr>
-        <p:spPr>
-          <a:xfrm flipH="1" flipV="1">
-            <a:off x="3016701" y="4941870"/>
-            <a:ext cx="480" cy="376719"/>
-          </a:xfrm>
-          <a:prstGeom prst="straightConnector1">
-            <a:avLst/>
-          </a:prstGeom>
-          <a:ln>
-            <a:tailEnd type="triangle"/>
-          </a:ln>
-        </p:spPr>
-        <p:style>
-          <a:lnRef idx="2">
-            <a:schemeClr val="dk1"/>
-          </a:lnRef>
-          <a:fillRef idx="0">
-            <a:schemeClr val="dk1"/>
-          </a:fillRef>
-          <a:effectRef idx="1">
-            <a:schemeClr val="dk1"/>
-          </a:effectRef>
-          <a:fontRef idx="minor">
-            <a:schemeClr val="tx1"/>
-          </a:fontRef>
-        </p:style>
-      </p:cxnSp>
-      <p:sp>
-        <p:nvSpPr>
-          <p:cNvPr id="38" name="Oval 37">
-            <a:extLst>
-              <a:ext uri="{FF2B5EF4-FFF2-40B4-BE49-F238E27FC236}">
-                <a16:creationId xmlns:a16="http://schemas.microsoft.com/office/drawing/2014/main" id="{FA2D700A-4F9E-106C-7252-5D10D6DB2677}"/>
-              </a:ext>
-            </a:extLst>
-          </p:cNvPr>
-          <p:cNvSpPr/>
-          <p:nvPr/>
-        </p:nvSpPr>
-        <p:spPr>
-          <a:xfrm>
-            <a:off x="3659744" y="5318589"/>
-            <a:ext cx="482886" cy="359596"/>
-          </a:xfrm>
-          <a:prstGeom prst="ellipse">
-            <a:avLst/>
-          </a:prstGeom>
-        </p:spPr>
-        <p:style>
-          <a:lnRef idx="2">
-            <a:schemeClr val="dk1"/>
-          </a:lnRef>
-          <a:fillRef idx="1">
-            <a:schemeClr val="lt1"/>
-          </a:fillRef>
-          <a:effectRef idx="0">
-            <a:schemeClr val="dk1"/>
-          </a:effectRef>
-          <a:fontRef idx="minor">
-            <a:schemeClr val="dk1"/>
-          </a:fontRef>
-        </p:style>
-        <p:txBody>
-          <a:bodyPr rtlCol="0" anchor="ctr"/>
-          <a:lstStyle/>
-          <a:p>
-            <a:pPr algn="ctr"/>
-            <a:r>
-              <a:rPr lang="en-US" sz="1100" dirty="0"/>
-              <a:t>e4</a:t>
-            </a:r>
-            <a:endParaRPr lang="en-GB" sz="1100" dirty="0"/>
-          </a:p>
-        </p:txBody>
-      </p:sp>
-      <p:cxnSp>
-        <p:nvCxnSpPr>
-          <p:cNvPr id="39" name="Straight Arrow Connector 38">
-            <a:extLst>
-              <a:ext uri="{FF2B5EF4-FFF2-40B4-BE49-F238E27FC236}">
-                <a16:creationId xmlns:a16="http://schemas.microsoft.com/office/drawing/2014/main" id="{4D59B291-4B31-C42F-A3D5-8E0D8786264E}"/>
-              </a:ext>
-            </a:extLst>
-          </p:cNvPr>
-          <p:cNvCxnSpPr>
-            <a:stCxn id="38" idx="0"/>
-          </p:cNvCxnSpPr>
-          <p:nvPr/>
-        </p:nvCxnSpPr>
-        <p:spPr>
-          <a:xfrm flipH="1" flipV="1">
-            <a:off x="3900707" y="4941870"/>
-            <a:ext cx="480" cy="376719"/>
-          </a:xfrm>
-          <a:prstGeom prst="straightConnector1">
-            <a:avLst/>
-          </a:prstGeom>
-          <a:ln>
-            <a:tailEnd type="triangle"/>
-          </a:ln>
-        </p:spPr>
-        <p:style>
-          <a:lnRef idx="2">
-            <a:schemeClr val="dk1"/>
-          </a:lnRef>
-          <a:fillRef idx="0">
-            <a:schemeClr val="dk1"/>
-          </a:fillRef>
-          <a:effectRef idx="1">
-            <a:schemeClr val="dk1"/>
-          </a:effectRef>
-          <a:fontRef idx="minor">
-            <a:schemeClr val="tx1"/>
-          </a:fontRef>
-        </p:style>
-      </p:cxnSp>
-      <p:sp>
-        <p:nvSpPr>
-          <p:cNvPr id="40" name="Oval 39">
-            <a:extLst>
-              <a:ext uri="{FF2B5EF4-FFF2-40B4-BE49-F238E27FC236}">
-                <a16:creationId xmlns:a16="http://schemas.microsoft.com/office/drawing/2014/main" id="{ED5A9A4D-FAAE-F6E0-A2B0-9A651420C8FF}"/>
-              </a:ext>
-            </a:extLst>
-          </p:cNvPr>
-          <p:cNvSpPr/>
-          <p:nvPr/>
-        </p:nvSpPr>
-        <p:spPr>
-          <a:xfrm>
-            <a:off x="4562489" y="5318589"/>
-            <a:ext cx="482886" cy="359596"/>
-          </a:xfrm>
-          <a:prstGeom prst="ellipse">
-            <a:avLst/>
-          </a:prstGeom>
-        </p:spPr>
-        <p:style>
-          <a:lnRef idx="2">
-            <a:schemeClr val="dk1"/>
-          </a:lnRef>
-          <a:fillRef idx="1">
-            <a:schemeClr val="lt1"/>
-          </a:fillRef>
-          <a:effectRef idx="0">
-            <a:schemeClr val="dk1"/>
-          </a:effectRef>
-          <a:fontRef idx="minor">
-            <a:schemeClr val="dk1"/>
-          </a:fontRef>
-        </p:style>
-        <p:txBody>
-          <a:bodyPr rtlCol="0" anchor="ctr"/>
-          <a:lstStyle/>
-          <a:p>
-            <a:pPr algn="ctr"/>
-            <a:r>
-              <a:rPr lang="en-US" sz="1100" dirty="0"/>
-              <a:t>e5</a:t>
-            </a:r>
-            <a:endParaRPr lang="en-GB" sz="1100" dirty="0"/>
-          </a:p>
-        </p:txBody>
-      </p:sp>
-      <p:cxnSp>
-        <p:nvCxnSpPr>
-          <p:cNvPr id="41" name="Straight Arrow Connector 40">
-            <a:extLst>
-              <a:ext uri="{FF2B5EF4-FFF2-40B4-BE49-F238E27FC236}">
-                <a16:creationId xmlns:a16="http://schemas.microsoft.com/office/drawing/2014/main" id="{598D9F93-E0A7-539D-BFB2-1645BF123F48}"/>
-              </a:ext>
-            </a:extLst>
-          </p:cNvPr>
-          <p:cNvCxnSpPr>
-            <a:stCxn id="40" idx="0"/>
-          </p:cNvCxnSpPr>
-          <p:nvPr/>
-        </p:nvCxnSpPr>
-        <p:spPr>
-          <a:xfrm flipH="1" flipV="1">
-            <a:off x="4803452" y="4941870"/>
-            <a:ext cx="480" cy="376719"/>
-          </a:xfrm>
-          <a:prstGeom prst="straightConnector1">
-            <a:avLst/>
-          </a:prstGeom>
-          <a:ln>
-            <a:tailEnd type="triangle"/>
-          </a:ln>
-        </p:spPr>
-        <p:style>
-          <a:lnRef idx="2">
-            <a:schemeClr val="dk1"/>
-          </a:lnRef>
-          <a:fillRef idx="0">
-            <a:schemeClr val="dk1"/>
-          </a:fillRef>
-          <a:effectRef idx="1">
-            <a:schemeClr val="dk1"/>
-          </a:effectRef>
-          <a:fontRef idx="minor">
-            <a:schemeClr val="tx1"/>
-          </a:fontRef>
-        </p:style>
-      </p:cxnSp>
-      <p:sp>
-        <p:nvSpPr>
-          <p:cNvPr id="42" name="Oval 41">
-            <a:extLst>
-              <a:ext uri="{FF2B5EF4-FFF2-40B4-BE49-F238E27FC236}">
-                <a16:creationId xmlns:a16="http://schemas.microsoft.com/office/drawing/2014/main" id="{FC8D1ADF-6495-AE72-AB40-035A7AC58B37}"/>
-              </a:ext>
-            </a:extLst>
-          </p:cNvPr>
-          <p:cNvSpPr/>
-          <p:nvPr/>
-        </p:nvSpPr>
-        <p:spPr>
-          <a:xfrm>
-            <a:off x="5444969" y="5300314"/>
-            <a:ext cx="482886" cy="359596"/>
-          </a:xfrm>
-          <a:prstGeom prst="ellipse">
-            <a:avLst/>
-          </a:prstGeom>
-        </p:spPr>
-        <p:style>
-          <a:lnRef idx="2">
-            <a:schemeClr val="dk1"/>
-          </a:lnRef>
-          <a:fillRef idx="1">
-            <a:schemeClr val="lt1"/>
-          </a:fillRef>
-          <a:effectRef idx="0">
-            <a:schemeClr val="dk1"/>
-          </a:effectRef>
-          <a:fontRef idx="minor">
-            <a:schemeClr val="dk1"/>
-          </a:fontRef>
-        </p:style>
-        <p:txBody>
-          <a:bodyPr rtlCol="0" anchor="ctr"/>
-          <a:lstStyle/>
-          <a:p>
-            <a:pPr algn="ctr"/>
-            <a:r>
-              <a:rPr lang="en-US" sz="1100" dirty="0"/>
-              <a:t>e6</a:t>
-            </a:r>
-            <a:endParaRPr lang="en-GB" sz="1100" dirty="0"/>
-          </a:p>
-        </p:txBody>
-      </p:sp>
-      <p:cxnSp>
-        <p:nvCxnSpPr>
-          <p:cNvPr id="43" name="Straight Arrow Connector 42">
-            <a:extLst>
-              <a:ext uri="{FF2B5EF4-FFF2-40B4-BE49-F238E27FC236}">
-                <a16:creationId xmlns:a16="http://schemas.microsoft.com/office/drawing/2014/main" id="{C5703FF9-ACB9-0439-BE0C-3F6843CB0F84}"/>
-              </a:ext>
-            </a:extLst>
-          </p:cNvPr>
-          <p:cNvCxnSpPr>
-            <a:stCxn id="42" idx="0"/>
-          </p:cNvCxnSpPr>
-          <p:nvPr/>
-        </p:nvCxnSpPr>
-        <p:spPr>
-          <a:xfrm flipH="1" flipV="1">
-            <a:off x="5685932" y="4923595"/>
-            <a:ext cx="480" cy="376719"/>
-          </a:xfrm>
-          <a:prstGeom prst="straightConnector1">
-            <a:avLst/>
-          </a:prstGeom>
-          <a:ln>
-            <a:tailEnd type="triangle"/>
-          </a:ln>
-        </p:spPr>
-        <p:style>
-          <a:lnRef idx="2">
-            <a:schemeClr val="dk1"/>
-          </a:lnRef>
-          <a:fillRef idx="0">
-            <a:schemeClr val="dk1"/>
-          </a:fillRef>
-          <a:effectRef idx="1">
-            <a:schemeClr val="dk1"/>
-          </a:effectRef>
-          <a:fontRef idx="minor">
-            <a:schemeClr val="tx1"/>
-          </a:fontRef>
-        </p:style>
-      </p:cxnSp>
-      <p:sp>
-        <p:nvSpPr>
-          <p:cNvPr id="44" name="TextBox 43">
-            <a:extLst>
-              <a:ext uri="{FF2B5EF4-FFF2-40B4-BE49-F238E27FC236}">
-                <a16:creationId xmlns:a16="http://schemas.microsoft.com/office/drawing/2014/main" id="{30D9BDB2-1CF8-3CFB-3CD5-8B3C66EFEA38}"/>
-              </a:ext>
-            </a:extLst>
-          </p:cNvPr>
-          <p:cNvSpPr txBox="1"/>
-          <p:nvPr/>
-        </p:nvSpPr>
-        <p:spPr>
-          <a:xfrm>
-            <a:off x="7640977" y="1687263"/>
-            <a:ext cx="4054236" cy="1200329"/>
-          </a:xfrm>
-          <a:prstGeom prst="rect">
-            <a:avLst/>
-          </a:prstGeom>
-          <a:noFill/>
-        </p:spPr>
-        <p:txBody>
-          <a:bodyPr wrap="square" rtlCol="0">
-            <a:spAutoFit/>
-          </a:bodyPr>
-          <a:lstStyle/>
-          <a:p>
-            <a:r>
-              <a:rPr lang="es-MX" dirty="0"/>
-              <a:t>La validez depende de la consistencia global del modelo y de la evidencia a favor de que pobreza se comporta según las hipótesis del modelo</a:t>
-            </a:r>
-          </a:p>
-        </p:txBody>
-      </p:sp>
-      <p:sp>
-        <p:nvSpPr>
-          <p:cNvPr id="45" name="TextBox 44">
-            <a:extLst>
-              <a:ext uri="{FF2B5EF4-FFF2-40B4-BE49-F238E27FC236}">
-                <a16:creationId xmlns:a16="http://schemas.microsoft.com/office/drawing/2014/main" id="{91FC5CE3-6E49-A03A-1333-E80C770CCD77}"/>
-              </a:ext>
-            </a:extLst>
-          </p:cNvPr>
-          <p:cNvSpPr txBox="1"/>
-          <p:nvPr/>
-        </p:nvSpPr>
-        <p:spPr>
-          <a:xfrm>
-            <a:off x="1682351" y="3339101"/>
-            <a:ext cx="446540" cy="369332"/>
-          </a:xfrm>
-          <a:prstGeom prst="rect">
-            <a:avLst/>
-          </a:prstGeom>
-          <a:noFill/>
-        </p:spPr>
-        <p:txBody>
-          <a:bodyPr wrap="square" rtlCol="0">
-            <a:spAutoFit/>
-          </a:bodyPr>
-          <a:lstStyle/>
-          <a:p>
-            <a:r>
-              <a:rPr lang="el-GR" dirty="0">
-                <a:solidFill>
-                  <a:srgbClr val="FF0000"/>
-                </a:solidFill>
-                <a:latin typeface="Times New Roman" panose="02020603050405020304" pitchFamily="18" charset="0"/>
-                <a:cs typeface="Times New Roman" panose="02020603050405020304" pitchFamily="18" charset="0"/>
-              </a:rPr>
-              <a:t>λ</a:t>
-            </a:r>
-            <a:r>
-              <a:rPr lang="es-MX" dirty="0">
-                <a:solidFill>
-                  <a:srgbClr val="FF0000"/>
-                </a:solidFill>
-                <a:latin typeface="Times New Roman" panose="02020603050405020304" pitchFamily="18" charset="0"/>
-                <a:cs typeface="Times New Roman" panose="02020603050405020304" pitchFamily="18" charset="0"/>
-              </a:rPr>
-              <a:t>1</a:t>
-            </a:r>
-            <a:endParaRPr lang="en-GB" dirty="0">
-              <a:solidFill>
-                <a:srgbClr val="FF0000"/>
-              </a:solidFill>
-            </a:endParaRPr>
-          </a:p>
-        </p:txBody>
-      </p:sp>
-      <p:sp>
-        <p:nvSpPr>
-          <p:cNvPr id="46" name="TextBox 45">
-            <a:extLst>
-              <a:ext uri="{FF2B5EF4-FFF2-40B4-BE49-F238E27FC236}">
-                <a16:creationId xmlns:a16="http://schemas.microsoft.com/office/drawing/2014/main" id="{761FCB61-BBAF-EDBD-F4F2-7B9C8E7131ED}"/>
-              </a:ext>
-            </a:extLst>
-          </p:cNvPr>
-          <p:cNvSpPr txBox="1"/>
-          <p:nvPr/>
-        </p:nvSpPr>
-        <p:spPr>
-          <a:xfrm>
-            <a:off x="4762462" y="3339101"/>
-            <a:ext cx="446540" cy="369332"/>
-          </a:xfrm>
-          <a:prstGeom prst="rect">
-            <a:avLst/>
-          </a:prstGeom>
-          <a:noFill/>
-        </p:spPr>
-        <p:txBody>
-          <a:bodyPr wrap="square" rtlCol="0">
-            <a:spAutoFit/>
-          </a:bodyPr>
-          <a:lstStyle/>
-          <a:p>
-            <a:r>
-              <a:rPr lang="el-GR" dirty="0">
-                <a:solidFill>
-                  <a:srgbClr val="FF0000"/>
-                </a:solidFill>
-                <a:latin typeface="Times New Roman" panose="02020603050405020304" pitchFamily="18" charset="0"/>
-                <a:cs typeface="Times New Roman" panose="02020603050405020304" pitchFamily="18" charset="0"/>
-              </a:rPr>
-              <a:t>λ</a:t>
-            </a:r>
-            <a:r>
-              <a:rPr lang="es-MX" dirty="0">
-                <a:solidFill>
-                  <a:srgbClr val="FF0000"/>
-                </a:solidFill>
-                <a:latin typeface="Times New Roman" panose="02020603050405020304" pitchFamily="18" charset="0"/>
-                <a:cs typeface="Times New Roman" panose="02020603050405020304" pitchFamily="18" charset="0"/>
-              </a:rPr>
-              <a:t>6</a:t>
-            </a:r>
-            <a:endParaRPr lang="en-GB" dirty="0">
-              <a:solidFill>
-                <a:srgbClr val="FF0000"/>
-              </a:solidFill>
-            </a:endParaRPr>
-          </a:p>
-        </p:txBody>
-      </p:sp>
-      <p:sp>
-        <p:nvSpPr>
-          <p:cNvPr id="3" name="Oval 2">
-            <a:extLst>
-              <a:ext uri="{FF2B5EF4-FFF2-40B4-BE49-F238E27FC236}">
-                <a16:creationId xmlns:a16="http://schemas.microsoft.com/office/drawing/2014/main" id="{08D26AB3-BA4B-C6EE-042A-960510305483}"/>
-              </a:ext>
-            </a:extLst>
-          </p:cNvPr>
-          <p:cNvSpPr/>
-          <p:nvPr/>
-        </p:nvSpPr>
-        <p:spPr>
-          <a:xfrm>
-            <a:off x="5548045" y="1709412"/>
-            <a:ext cx="1705510" cy="1189528"/>
-          </a:xfrm>
-          <a:prstGeom prst="ellipse">
-            <a:avLst/>
-          </a:prstGeom>
-        </p:spPr>
-        <p:style>
-          <a:lnRef idx="2">
-            <a:schemeClr val="dk1"/>
-          </a:lnRef>
-          <a:fillRef idx="1">
-            <a:schemeClr val="lt1"/>
-          </a:fillRef>
-          <a:effectRef idx="0">
-            <a:schemeClr val="dk1"/>
-          </a:effectRef>
-          <a:fontRef idx="minor">
-            <a:schemeClr val="dk1"/>
-          </a:fontRef>
-        </p:style>
-        <p:txBody>
-          <a:bodyPr rtlCol="0" anchor="ctr"/>
-          <a:lstStyle/>
-          <a:p>
-            <a:pPr algn="ctr"/>
-            <a:r>
-              <a:rPr lang="es-MX" dirty="0"/>
-              <a:t>Recursos</a:t>
-            </a:r>
-            <a:endParaRPr lang="en-GB" dirty="0"/>
-          </a:p>
-        </p:txBody>
-      </p:sp>
-      <p:cxnSp>
-        <p:nvCxnSpPr>
-          <p:cNvPr id="13" name="Straight Arrow Connector 12">
-            <a:extLst>
-              <a:ext uri="{FF2B5EF4-FFF2-40B4-BE49-F238E27FC236}">
-                <a16:creationId xmlns:a16="http://schemas.microsoft.com/office/drawing/2014/main" id="{772E24A3-31D1-F751-79CB-17565FD729B3}"/>
-              </a:ext>
-            </a:extLst>
-          </p:cNvPr>
-          <p:cNvCxnSpPr>
-            <a:stCxn id="3" idx="2"/>
-            <a:endCxn id="4" idx="6"/>
-          </p:cNvCxnSpPr>
-          <p:nvPr/>
-        </p:nvCxnSpPr>
-        <p:spPr>
-          <a:xfrm flipH="1">
-            <a:off x="4345969" y="2304176"/>
-            <a:ext cx="1202076" cy="0"/>
-          </a:xfrm>
-          <a:prstGeom prst="straightConnector1">
-            <a:avLst/>
-          </a:prstGeom>
-          <a:ln>
-            <a:tailEnd type="triangle"/>
-          </a:ln>
-        </p:spPr>
-        <p:style>
-          <a:lnRef idx="2">
-            <a:schemeClr val="dk1"/>
-          </a:lnRef>
-          <a:fillRef idx="0">
-            <a:schemeClr val="dk1"/>
-          </a:fillRef>
-          <a:effectRef idx="1">
-            <a:schemeClr val="dk1"/>
-          </a:effectRef>
-          <a:fontRef idx="minor">
-            <a:schemeClr val="tx1"/>
-          </a:fontRef>
-        </p:style>
-      </p:cxnSp>
+            <a:off x="2542510" y="1825625"/>
+            <a:ext cx="7106980" cy="4351338"/>
+          </a:xfrm>
+        </p:spPr>
+      </p:pic>
     </p:spTree>
     <p:extLst>
       <p:ext uri="{BB962C8B-B14F-4D97-AF65-F5344CB8AC3E}">
-        <p14:creationId xmlns:p14="http://schemas.microsoft.com/office/powerpoint/2010/main" val="1968035015"/>
+        <p14:creationId xmlns:p14="http://schemas.microsoft.com/office/powerpoint/2010/main" val="2997281300"/>
       </p:ext>
     </p:extLst>
   </p:cSld>
